--- a/Workshops/Workshop3.pptx
+++ b/Workshops/Workshop3.pptx
@@ -5,7 +5,7 @@
     <p:sldMasterId id="2147483648" r:id="rId1"/>
   </p:sldMasterIdLst>
   <p:notesMasterIdLst>
-    <p:NotesMasterId r:id="rId36"/>
+    <p:NotesMasterId r:id="rId37"/>
   </p:notesMasterIdLst>
   <p:sldIdLst>
     <p:sldId id="256" r:id="rId2"/>
@@ -42,6 +42,7 @@
     <p:sldId id="287" r:id="rId33"/>
     <p:sldId id="288" r:id="rId34"/>
     <p:sldId id="289" r:id="rId35"/>
+    <p:sldId id="290" r:id="rId36"/>
   </p:sldIdLst>
   <p:sldSz cx="12192000" cy="6858000"/>
   <p:notesSz cx="6858000" cy="9144000"/>
@@ -230,7 +231,7 @@
           <a:p>
             <a:fld id="{0F9C1CCF-B725-44A7-AA57-5E433BD85C9F}" type="datetimeFigureOut">
               <a:rPr lang="en-US" smtClean="0"/>
-              <a:t>4/5/2019</a:t>
+              <a:t>2/17/2018</a:t>
             </a:fld>
             <a:endParaRPr lang="en-US"/>
           </a:p>
@@ -893,7 +894,7 @@
           <a:p>
             <a:fld id="{18BDFEC3-8487-43E8-A154-7C12CBC1FFF2}" type="slidenum">
               <a:rPr lang="en-US"/>
-              <a:t>27</a:t>
+              <a:t>28</a:t>
             </a:fld>
             <a:endParaRPr lang="en-US"/>
           </a:p>
@@ -4157,7 +4158,7 @@
             </a:r>
             <a:r>
               <a:rPr/>
-              <a:t>Data</a:t>
+              <a:t>data</a:t>
             </a:r>
             <a:r>
               <a:rPr/>
@@ -5291,7 +5292,7 @@
                 </a:solidFill>
                 <a:latin typeface="Courier"/>
               </a:rPr>
-              <a:t>"C:/Users/mayas/Desktop/Work/DataSciFellowship/clean_CCHIC.csv"</a:t>
+              <a:t>"C:/Users/rhrey/OneDrive - University College London/PhD/Teaching/ClinicianCoders_wd/ClinicianCoders/clean_CCHIC.csv"</a:t>
             </a:r>
             <a:r>
               <a:rPr sz="1800">
@@ -5301,9 +5302,7 @@
             </a:r>
           </a:p>
           <a:p>
-            <a:pPr lvl="0" marL="0" indent="0">
-              <a:buNone/>
-            </a:pPr>
+            <a:pPr lvl="1"/>
             <a:r>
               <a:rPr/>
               <a:t>Display the contents of the data frame </a:t>
@@ -5440,7 +5439,55 @@
             </a:pPr>
             <a:r>
               <a:rPr/>
-              <a:t>A</a:t>
+              <a:t>Your</a:t>
+            </a:r>
+            <a:r>
+              <a:rPr/>
+              <a:t> </a:t>
+            </a:r>
+            <a:r>
+              <a:rPr/>
+              <a:t>data</a:t>
+            </a:r>
+            <a:r>
+              <a:rPr/>
+              <a:t> </a:t>
+            </a:r>
+            <a:r>
+              <a:rPr/>
+              <a:t>has</a:t>
+            </a:r>
+            <a:r>
+              <a:rPr/>
+              <a:t> </a:t>
+            </a:r>
+            <a:r>
+              <a:rPr/>
+              <a:t>been</a:t>
+            </a:r>
+            <a:r>
+              <a:rPr/>
+              <a:t> </a:t>
+            </a:r>
+            <a:r>
+              <a:rPr/>
+              <a:t>imported</a:t>
+            </a:r>
+            <a:r>
+              <a:rPr/>
+              <a:t> </a:t>
+            </a:r>
+            <a:r>
+              <a:rPr/>
+              <a:t>as</a:t>
+            </a:r>
+            <a:r>
+              <a:rPr/>
+              <a:t> </a:t>
+            </a:r>
+            <a:r>
+              <a:rPr/>
+              <a:t>a</a:t>
             </a:r>
             <a:r>
               <a:rPr/>
@@ -5454,11 +5501,7 @@
             </a:r>
             <a:r>
               <a:rPr/>
-              <a:t> </a:t>
-            </a:r>
-            <a:r>
-              <a:rPr/>
-              <a:t>is</a:t>
+              <a:t>,</a:t>
             </a:r>
             <a:r>
               <a:rPr/>
@@ -5506,7 +5549,39 @@
             </a:r>
             <a:r>
               <a:rPr/>
-              <a:t>Your</a:t>
+              <a:t>Notice</a:t>
+            </a:r>
+            <a:r>
+              <a:rPr/>
+              <a:t> </a:t>
+            </a:r>
+            <a:r>
+              <a:rPr/>
+              <a:t>how</a:t>
+            </a:r>
+            <a:r>
+              <a:rPr/>
+              <a:t> </a:t>
+            </a:r>
+            <a:r>
+              <a:rPr/>
+              <a:t>it</a:t>
+            </a:r>
+            <a:r>
+              <a:rPr/>
+              <a:t> </a:t>
+            </a:r>
+            <a:r>
+              <a:rPr/>
+              <a:t>reports</a:t>
+            </a:r>
+            <a:r>
+              <a:rPr/>
+              <a:t> </a:t>
+            </a:r>
+            <a:r>
+              <a:rPr/>
+              <a:t>the</a:t>
             </a:r>
             <a:r>
               <a:rPr/>
@@ -5522,47 +5597,105 @@
             </a:r>
             <a:r>
               <a:rPr/>
-              <a:t>has</a:t>
-            </a:r>
-            <a:r>
-              <a:rPr/>
-              <a:t> </a:t>
-            </a:r>
-            <a:r>
-              <a:rPr/>
-              <a:t>been</a:t>
-            </a:r>
-            <a:r>
-              <a:rPr/>
-              <a:t> </a:t>
-            </a:r>
-            <a:r>
-              <a:rPr/>
-              <a:t>imported</a:t>
-            </a:r>
-            <a:r>
-              <a:rPr/>
-              <a:t> </a:t>
-            </a:r>
-            <a:r>
-              <a:rPr/>
-              <a:t>in</a:t>
-            </a:r>
-            <a:r>
-              <a:rPr/>
-              <a:t> </a:t>
-            </a:r>
-            <a:r>
-              <a:rPr/>
-              <a:t>this</a:t>
-            </a:r>
-            <a:r>
-              <a:rPr/>
-              <a:t> </a:t>
-            </a:r>
-            <a:r>
-              <a:rPr/>
-              <a:t>format.</a:t>
+              <a:t>type</a:t>
+            </a:r>
+            <a:r>
+              <a:rPr/>
+              <a:t> </a:t>
+            </a:r>
+            <a:r>
+              <a:rPr/>
+              <a:t>of</a:t>
+            </a:r>
+            <a:r>
+              <a:rPr/>
+              <a:t> </a:t>
+            </a:r>
+            <a:r>
+              <a:rPr/>
+              <a:t>each</a:t>
+            </a:r>
+            <a:r>
+              <a:rPr/>
+              <a:t> </a:t>
+            </a:r>
+            <a:r>
+              <a:rPr/>
+              <a:t>column</a:t>
+            </a:r>
+            <a:r>
+              <a:rPr/>
+              <a:t> </a:t>
+            </a:r>
+            <a:r>
+              <a:rPr/>
+              <a:t>under</a:t>
+            </a:r>
+            <a:r>
+              <a:rPr/>
+              <a:t> </a:t>
+            </a:r>
+            <a:r>
+              <a:rPr/>
+              <a:t>their</a:t>
+            </a:r>
+            <a:r>
+              <a:rPr/>
+              <a:t> </a:t>
+            </a:r>
+            <a:r>
+              <a:rPr/>
+              <a:t>name,</a:t>
+            </a:r>
+            <a:r>
+              <a:rPr/>
+              <a:t> </a:t>
+            </a:r>
+            <a:r>
+              <a:rPr/>
+              <a:t>similar</a:t>
+            </a:r>
+            <a:r>
+              <a:rPr/>
+              <a:t> </a:t>
+            </a:r>
+            <a:r>
+              <a:rPr/>
+              <a:t>to</a:t>
+            </a:r>
+            <a:r>
+              <a:rPr/>
+              <a:t> </a:t>
+            </a:r>
+            <a:r>
+              <a:rPr sz="1800">
+                <a:latin typeface="Courier"/>
+              </a:rPr>
+              <a:t>str()</a:t>
+            </a:r>
+            <a:r>
+              <a:rPr/>
+              <a:t> </a:t>
+            </a:r>
+            <a:r>
+              <a:rPr/>
+              <a:t>on</a:t>
+            </a:r>
+            <a:r>
+              <a:rPr/>
+              <a:t> </a:t>
+            </a:r>
+            <a:r>
+              <a:rPr/>
+              <a:t>a</a:t>
+            </a:r>
+            <a:r>
+              <a:rPr/>
+              <a:t> </a:t>
+            </a:r>
+            <a:r>
+              <a:rPr/>
+              <a:t>vector.</a:t>
             </a:r>
           </a:p>
         </p:txBody>
@@ -5717,7 +5850,7 @@
             <a:pPr lvl="2"/>
             <a:r>
               <a:rPr/>
-              <a:t>This is a more human-legible table</a:t>
+              <a:t>This is a more human-legible table.</a:t>
             </a:r>
             <a:br/>
           </a:p>
@@ -5725,7 +5858,7 @@
             <a:pPr lvl="2"/>
             <a:r>
               <a:rPr/>
-              <a:t>You can also view the data via the environment pane</a:t>
+              <a:t>You can also view the data via the environment pane.</a:t>
             </a:r>
           </a:p>
         </p:txBody>
@@ -5837,7 +5970,7 @@
             <a:pPr lvl="1"/>
             <a:r>
               <a:rPr/>
-              <a:t>There are notations to shorten the code for the file path</a:t>
+              <a:t>There are notations to shorten the code for the file path.</a:t>
             </a:r>
             <a:br/>
           </a:p>
@@ -5845,7 +5978,7 @@
             <a:pPr lvl="1"/>
             <a:r>
               <a:rPr/>
-              <a:t>Use single dot for a file within current working directory</a:t>
+              <a:t>Use single dot for a file within current working directory.</a:t>
             </a:r>
           </a:p>
           <a:p>
@@ -5874,7 +6007,7 @@
                 </a:solidFill>
                 <a:latin typeface="Courier"/>
               </a:rPr>
-              <a:t>"./clean_CCHIC.csv"</a:t>
+              <a:t>"../clean_CCHIC.csv"</a:t>
             </a:r>
             <a:r>
               <a:rPr sz="1800">
@@ -5887,7 +6020,7 @@
             <a:pPr lvl="1"/>
             <a:r>
               <a:rPr/>
-              <a:t>Use double dot “..” for a file in the directory above the current working directory</a:t>
+              <a:t>Use double dot “..” for a file in the directory above the current working directory.</a:t>
             </a:r>
           </a:p>
         </p:txBody>
@@ -6094,6 +6227,15 @@
               <a:rPr sz="1800">
                 <a:latin typeface="Courier"/>
               </a:rPr>
+              <a:t>class(cchic)</a:t>
+            </a:r>
+          </a:p>
+          <a:p>
+            <a:pPr lvl="1"/>
+            <a:r>
+              <a:rPr sz="1800">
+                <a:latin typeface="Courier"/>
+              </a:rPr>
               <a:t>str(cchic)</a:t>
             </a:r>
           </a:p>
@@ -6459,7 +6601,7 @@
             </a:pPr>
             <a:r>
               <a:rPr/>
-              <a:t>str()</a:t>
+              <a:t>class()</a:t>
             </a:r>
           </a:p>
         </p:txBody>
@@ -6495,7 +6637,7 @@
                 </a:solidFill>
                 <a:latin typeface="Courier"/>
               </a:rPr>
-              <a:t>str</a:t>
+              <a:t>class</a:t>
             </a:r>
             <a:r>
               <a:rPr sz="1800">
@@ -6510,7 +6652,17 @@
             </a:pPr>
             <a:r>
               <a:rPr/>
-              <a:t>Prints the data type of each variable.</a:t>
+              <a:t>Prints the class of the object </a:t>
+            </a:r>
+            <a:r>
+              <a:rPr sz="1800">
+                <a:latin typeface="Courier"/>
+              </a:rPr>
+              <a:t>cchic</a:t>
+            </a:r>
+            <a:r>
+              <a:rPr/>
+              <a:t>.</a:t>
             </a:r>
           </a:p>
         </p:txBody>
@@ -6563,31 +6715,7 @@
             </a:pPr>
             <a:r>
               <a:rPr/>
-              <a:t>Look</a:t>
-            </a:r>
-            <a:r>
-              <a:rPr/>
-              <a:t> </a:t>
-            </a:r>
-            <a:r>
-              <a:rPr/>
-              <a:t>at</a:t>
-            </a:r>
-            <a:r>
-              <a:rPr/>
-              <a:t> </a:t>
-            </a:r>
-            <a:r>
-              <a:rPr/>
-              <a:t>specific</a:t>
-            </a:r>
-            <a:r>
-              <a:rPr/>
-              <a:t> </a:t>
-            </a:r>
-            <a:r>
-              <a:rPr/>
-              <a:t>items.</a:t>
+              <a:t>str()</a:t>
             </a:r>
           </a:p>
         </p:txBody>
@@ -6613,76 +6741,42 @@
           <a:bodyPr/>
           <a:lstStyle/>
           <a:p>
+            <a:pPr lvl="0" marL="1270000" indent="0">
+              <a:buNone/>
+            </a:pPr>
+            <a:r>
+              <a:rPr sz="1800" b="1">
+                <a:solidFill>
+                  <a:srgbClr val="007020"/>
+                </a:solidFill>
+                <a:latin typeface="Courier"/>
+              </a:rPr>
+              <a:t>str</a:t>
+            </a:r>
+            <a:r>
+              <a:rPr sz="1800">
+                <a:latin typeface="Courier"/>
+              </a:rPr>
+              <a:t>(cchic)</a:t>
+            </a:r>
+          </a:p>
+          <a:p>
             <a:pPr lvl="0" marL="0" indent="0">
               <a:buNone/>
             </a:pPr>
             <a:r>
               <a:rPr/>
-              <a:t>You can look at specific data points.</a:t>
-            </a:r>
-          </a:p>
-          <a:p>
-            <a:pPr lvl="0" marL="1270000" indent="0">
-              <a:buNone/>
-            </a:pPr>
+              <a:t>Prints the data type of each variable in </a:t>
+            </a:r>
             <a:r>
               <a:rPr sz="1800">
                 <a:latin typeface="Courier"/>
               </a:rPr>
-              <a:t>cchic[</a:t>
-            </a:r>
-            <a:r>
-              <a:rPr sz="1800">
-                <a:solidFill>
-                  <a:srgbClr val="40A070"/>
-                </a:solidFill>
-                <a:latin typeface="Courier"/>
-              </a:rPr>
-              <a:t>21</a:t>
-            </a:r>
-            <a:r>
-              <a:rPr sz="1800">
-                <a:latin typeface="Courier"/>
-              </a:rPr>
-              <a:t>, </a:t>
-            </a:r>
-            <a:r>
-              <a:rPr sz="1800">
-                <a:solidFill>
-                  <a:srgbClr val="40A070"/>
-                </a:solidFill>
-                <a:latin typeface="Courier"/>
-              </a:rPr>
-              <a:t>5</a:t>
-            </a:r>
-            <a:r>
-              <a:rPr sz="1800">
-                <a:latin typeface="Courier"/>
-              </a:rPr>
-              <a:t>]</a:t>
-            </a:r>
-          </a:p>
-          <a:p>
-            <a:pPr lvl="0" marL="1270000" indent="0">
-              <a:buNone/>
-            </a:pPr>
-            <a:r>
-              <a:rPr sz="1800">
-                <a:latin typeface="Courier"/>
-              </a:rPr>
-              <a:t>## # A tibble: 1 x 1
-##   temp_nc
-##     &lt;dbl&gt;
-## 1    36.1</a:t>
-            </a:r>
-          </a:p>
-          <a:p>
-            <a:pPr lvl="0" marL="0" indent="0">
-              <a:buNone/>
-            </a:pPr>
-            <a:r>
-              <a:rPr/>
-              <a:t>This displays the the piece of data in the 21st row and 5th column.</a:t>
+              <a:t>cchic</a:t>
+            </a:r>
+            <a:r>
+              <a:rPr/>
+              <a:t>.</a:t>
             </a:r>
           </a:p>
         </p:txBody>
@@ -6735,39 +6829,31 @@
             </a:pPr>
             <a:r>
               <a:rPr/>
-              <a:t>Selecting</a:t>
-            </a:r>
-            <a:r>
-              <a:rPr/>
-              <a:t> </a:t>
-            </a:r>
-            <a:r>
-              <a:rPr/>
-              <a:t>variables</a:t>
-            </a:r>
-            <a:r>
-              <a:rPr/>
-              <a:t> </a:t>
-            </a:r>
-            <a:r>
-              <a:rPr/>
-              <a:t>using</a:t>
-            </a:r>
-            <a:r>
-              <a:rPr/>
-              <a:t> </a:t>
-            </a:r>
-            <a:r>
-              <a:rPr/>
-              <a:t>$</a:t>
-            </a:r>
-            <a:r>
-              <a:rPr/>
-              <a:t> </a:t>
-            </a:r>
-            <a:r>
-              <a:rPr/>
-              <a:t>sign.</a:t>
+              <a:t>Look</a:t>
+            </a:r>
+            <a:r>
+              <a:rPr/>
+              <a:t> </a:t>
+            </a:r>
+            <a:r>
+              <a:rPr/>
+              <a:t>at</a:t>
+            </a:r>
+            <a:r>
+              <a:rPr/>
+              <a:t> </a:t>
+            </a:r>
+            <a:r>
+              <a:rPr/>
+              <a:t>specific</a:t>
+            </a:r>
+            <a:r>
+              <a:rPr/>
+              <a:t> </a:t>
+            </a:r>
+            <a:r>
+              <a:rPr/>
+              <a:t>items.</a:t>
             </a:r>
           </a:p>
         </p:txBody>
@@ -6793,66 +6879,76 @@
           <a:bodyPr/>
           <a:lstStyle/>
           <a:p>
-            <a:pPr lvl="1"/>
-            <a:r>
-              <a:rPr/>
-              <a:t>You can also use the </a:t>
-            </a:r>
+            <a:pPr lvl="0" marL="0" indent="0">
+              <a:buNone/>
+            </a:pPr>
+            <a:r>
+              <a:rPr/>
+              <a:t>You can look at specific data points.</a:t>
+            </a:r>
+          </a:p>
+          <a:p>
+            <a:pPr lvl="0" marL="1270000" indent="0">
+              <a:buNone/>
+            </a:pPr>
             <a:r>
               <a:rPr sz="1800">
                 <a:latin typeface="Courier"/>
               </a:rPr>
-              <a:t>$</a:t>
-            </a:r>
-            <a:r>
-              <a:rPr/>
-              <a:t> function</a:t>
-            </a:r>
-          </a:p>
-          <a:p>
-            <a:pPr lvl="1"/>
-            <a:r>
-              <a:rPr/>
-              <a:t>Enter </a:t>
-            </a:r>
-            <a:r>
-              <a:rPr sz="1800">
-                <a:latin typeface="Courier"/>
-              </a:rPr>
-              <a:t>data_frame_name$variable_name</a:t>
-            </a:r>
-          </a:p>
-          <a:p>
-            <a:pPr lvl="0" marL="1270000" indent="0">
-              <a:buNone/>
-            </a:pPr>
-            <a:r>
-              <a:rPr sz="1800">
-                <a:latin typeface="Courier"/>
-              </a:rPr>
-              <a:t>cchic</a:t>
+              <a:t>cchic[</a:t>
             </a:r>
             <a:r>
               <a:rPr sz="1800">
                 <a:solidFill>
-                  <a:srgbClr val="666666"/>
+                  <a:srgbClr val="40A070"/>
                 </a:solidFill>
                 <a:latin typeface="Courier"/>
               </a:rPr>
-              <a:t>$</a:t>
+              <a:t>21</a:t>
             </a:r>
             <a:r>
               <a:rPr sz="1800">
                 <a:latin typeface="Courier"/>
               </a:rPr>
-              <a:t>weight</a:t>
-            </a:r>
-          </a:p>
-          <a:p>
-            <a:pPr lvl="1"/>
-            <a:r>
-              <a:rPr/>
-              <a:t>This will list all of the data in the weight column</a:t>
+              <a:t>, </a:t>
+            </a:r>
+            <a:r>
+              <a:rPr sz="1800">
+                <a:solidFill>
+                  <a:srgbClr val="40A070"/>
+                </a:solidFill>
+                <a:latin typeface="Courier"/>
+              </a:rPr>
+              <a:t>5</a:t>
+            </a:r>
+            <a:r>
+              <a:rPr sz="1800">
+                <a:latin typeface="Courier"/>
+              </a:rPr>
+              <a:t>]</a:t>
+            </a:r>
+          </a:p>
+          <a:p>
+            <a:pPr lvl="0" marL="1270000" indent="0">
+              <a:buNone/>
+            </a:pPr>
+            <a:r>
+              <a:rPr sz="1800">
+                <a:latin typeface="Courier"/>
+              </a:rPr>
+              <a:t>## # A tibble: 1 x 1
+##   temp_nc
+##     &lt;dbl&gt;
+## 1    36.1</a:t>
+            </a:r>
+          </a:p>
+          <a:p>
+            <a:pPr lvl="0" marL="0" indent="0">
+              <a:buNone/>
+            </a:pPr>
+            <a:r>
+              <a:rPr/>
+              <a:t>This displays the the piece of data in the 21st row and 5th column.</a:t>
             </a:r>
           </a:p>
         </p:txBody>
@@ -6905,39 +7001,39 @@
             </a:pPr>
             <a:r>
               <a:rPr/>
-              <a:t>Other</a:t>
-            </a:r>
-            <a:r>
-              <a:rPr/>
-              <a:t> </a:t>
-            </a:r>
-            <a:r>
-              <a:rPr/>
-              <a:t>tools</a:t>
-            </a:r>
-            <a:r>
-              <a:rPr/>
-              <a:t> </a:t>
-            </a:r>
-            <a:r>
-              <a:rPr/>
-              <a:t>to</a:t>
-            </a:r>
-            <a:r>
-              <a:rPr/>
-              <a:t> </a:t>
-            </a:r>
-            <a:r>
-              <a:rPr/>
-              <a:t>review</a:t>
-            </a:r>
-            <a:r>
-              <a:rPr/>
-              <a:t> </a:t>
-            </a:r>
-            <a:r>
-              <a:rPr/>
-              <a:t>data</a:t>
+              <a:t>Selecting</a:t>
+            </a:r>
+            <a:r>
+              <a:rPr/>
+              <a:t> </a:t>
+            </a:r>
+            <a:r>
+              <a:rPr/>
+              <a:t>variables</a:t>
+            </a:r>
+            <a:r>
+              <a:rPr/>
+              <a:t> </a:t>
+            </a:r>
+            <a:r>
+              <a:rPr/>
+              <a:t>using</a:t>
+            </a:r>
+            <a:r>
+              <a:rPr/>
+              <a:t> </a:t>
+            </a:r>
+            <a:r>
+              <a:rPr/>
+              <a:t>$</a:t>
+            </a:r>
+            <a:r>
+              <a:rPr/>
+              <a:t> </a:t>
+            </a:r>
+            <a:r>
+              <a:rPr/>
+              <a:t>sign.</a:t>
             </a:r>
           </a:p>
         </p:txBody>
@@ -6966,75 +7062,63 @@
             <a:pPr lvl="1"/>
             <a:r>
               <a:rPr/>
-              <a:t>Specific functions from special packages help you describe the whole data set</a:t>
+              <a:t>You can also use the </a:t>
+            </a:r>
+            <a:r>
+              <a:rPr sz="1800">
+                <a:latin typeface="Courier"/>
+              </a:rPr>
+              <a:t>$</a:t>
+            </a:r>
+            <a:r>
+              <a:rPr/>
+              <a:t> function.</a:t>
             </a:r>
           </a:p>
           <a:p>
             <a:pPr lvl="1"/>
             <a:r>
               <a:rPr/>
-              <a:t>The function will look at each variable and will give you basic measures about the data, for example range and mean.</a:t>
+              <a:t>Enter </a:t>
+            </a:r>
+            <a:r>
+              <a:rPr sz="1800">
+                <a:latin typeface="Courier"/>
+              </a:rPr>
+              <a:t>data_frame_name$variable_name</a:t>
+            </a:r>
+          </a:p>
+          <a:p>
+            <a:pPr lvl="0" marL="1270000" indent="0">
+              <a:buNone/>
+            </a:pPr>
+            <a:r>
+              <a:rPr sz="1800">
+                <a:latin typeface="Courier"/>
+              </a:rPr>
+              <a:t>cchic</a:t>
+            </a:r>
+            <a:r>
+              <a:rPr sz="1800">
+                <a:solidFill>
+                  <a:srgbClr val="666666"/>
+                </a:solidFill>
+                <a:latin typeface="Courier"/>
+              </a:rPr>
+              <a:t>$</a:t>
+            </a:r>
+            <a:r>
+              <a:rPr sz="1800">
+                <a:latin typeface="Courier"/>
+              </a:rPr>
+              <a:t>weight</a:t>
             </a:r>
           </a:p>
           <a:p>
             <a:pPr lvl="1"/>
             <a:r>
               <a:rPr/>
-              <a:t>The data will also be described in a number of plots.</a:t>
-            </a:r>
-          </a:p>
-          <a:p>
-            <a:pPr lvl="2"/>
-            <a:r>
-              <a:rPr sz="1800">
-                <a:latin typeface="Courier"/>
-              </a:rPr>
-              <a:t>Desc()</a:t>
-            </a:r>
-            <a:r>
-              <a:rPr/>
-              <a:t> from </a:t>
-            </a:r>
-            <a:r>
-              <a:rPr sz="1800">
-                <a:latin typeface="Courier"/>
-              </a:rPr>
-              <a:t>DescTools</a:t>
-            </a:r>
-            <a:r>
-              <a:rPr/>
-              <a:t> package</a:t>
-            </a:r>
-          </a:p>
-          <a:p>
-            <a:pPr lvl="2"/>
-            <a:r>
-              <a:rPr sz="1800">
-                <a:latin typeface="Courier"/>
-              </a:rPr>
-              <a:t>describe()</a:t>
-            </a:r>
-            <a:r>
-              <a:rPr/>
-              <a:t> from </a:t>
-            </a:r>
-            <a:r>
-              <a:rPr sz="1800">
-                <a:latin typeface="Courier"/>
-              </a:rPr>
-              <a:t>Hmisc</a:t>
-            </a:r>
-            <a:r>
-              <a:rPr/>
-              <a:t> package</a:t>
-            </a:r>
-            <a:br/>
-          </a:p>
-          <a:p>
-            <a:pPr lvl="1"/>
-            <a:r>
-              <a:rPr/>
-              <a:t>To use these you have to install the appropriate packages</a:t>
+              <a:t>This will list all of the data in the weight column.</a:t>
             </a:r>
           </a:p>
         </p:txBody>
@@ -7087,7 +7171,39 @@
             </a:pPr>
             <a:r>
               <a:rPr/>
-              <a:t>Exercise</a:t>
+              <a:t>Other</a:t>
+            </a:r>
+            <a:r>
+              <a:rPr/>
+              <a:t> </a:t>
+            </a:r>
+            <a:r>
+              <a:rPr/>
+              <a:t>tools</a:t>
+            </a:r>
+            <a:r>
+              <a:rPr/>
+              <a:t> </a:t>
+            </a:r>
+            <a:r>
+              <a:rPr/>
+              <a:t>to</a:t>
+            </a:r>
+            <a:r>
+              <a:rPr/>
+              <a:t> </a:t>
+            </a:r>
+            <a:r>
+              <a:rPr/>
+              <a:t>review</a:t>
+            </a:r>
+            <a:r>
+              <a:rPr/>
+              <a:t> </a:t>
+            </a:r>
+            <a:r>
+              <a:rPr/>
+              <a:t>data</a:t>
             </a:r>
           </a:p>
         </p:txBody>
@@ -7113,97 +7229,78 @@
           <a:bodyPr/>
           <a:lstStyle/>
           <a:p>
-            <a:pPr lvl="1">
-              <a:buAutoNum type="arabicPeriod"/>
-            </a:pPr>
-            <a:r>
-              <a:rPr/>
-              <a:t>What types of variables do you have in </a:t>
-            </a:r>
+            <a:pPr lvl="1"/>
+            <a:r>
+              <a:rPr/>
+              <a:t>Specific functions from special packages help you describe the whole data set</a:t>
+            </a:r>
+          </a:p>
+          <a:p>
+            <a:pPr lvl="1"/>
+            <a:r>
+              <a:rPr/>
+              <a:t>The function will look at each variable and will give you basic measures about the data, for example range and mean.</a:t>
+            </a:r>
+          </a:p>
+          <a:p>
+            <a:pPr lvl="1"/>
+            <a:r>
+              <a:rPr/>
+              <a:t>The data will also be described in a number of plots.</a:t>
+            </a:r>
+          </a:p>
+          <a:p>
+            <a:pPr lvl="2"/>
             <a:r>
               <a:rPr sz="1800">
                 <a:latin typeface="Courier"/>
               </a:rPr>
-              <a:t>cchic</a:t>
-            </a:r>
-            <a:r>
-              <a:rPr/>
-              <a:t>?</a:t>
-            </a:r>
-          </a:p>
-          <a:p>
-            <a:pPr lvl="1">
-              <a:buAutoNum type="arabicPeriod"/>
-            </a:pPr>
-            <a:r>
-              <a:rPr/>
-              <a:t>Display the </a:t>
+              <a:t>Desc()</a:t>
+            </a:r>
+            <a:r>
+              <a:rPr/>
+              <a:t> from </a:t>
             </a:r>
             <a:r>
               <a:rPr sz="1800">
                 <a:latin typeface="Courier"/>
               </a:rPr>
-              <a:t>discharge</a:t>
-            </a:r>
-            <a:r>
-              <a:rPr/>
-              <a:t> vector from in </a:t>
-            </a:r>
+              <a:t>DescTools</a:t>
+            </a:r>
+            <a:r>
+              <a:rPr/>
+              <a:t> package</a:t>
+            </a:r>
+          </a:p>
+          <a:p>
+            <a:pPr lvl="2"/>
             <a:r>
               <a:rPr sz="1800">
                 <a:latin typeface="Courier"/>
               </a:rPr>
-              <a:t>cchic</a:t>
-            </a:r>
-            <a:r>
-              <a:rPr/>
-              <a:t>.</a:t>
-            </a:r>
-          </a:p>
-          <a:p>
-            <a:pPr lvl="1">
-              <a:buAutoNum type="arabicPeriod"/>
-            </a:pPr>
-            <a:r>
-              <a:rPr/>
-              <a:t>How many men and women are in the database?</a:t>
-            </a:r>
-          </a:p>
-          <a:p>
-            <a:pPr lvl="1">
-              <a:buAutoNum type="arabicPeriod"/>
-            </a:pPr>
-            <a:r>
-              <a:rPr/>
-              <a:t>How many survived and how many died?</a:t>
-            </a:r>
-          </a:p>
-          <a:p>
-            <a:pPr lvl="2">
-              <a:buAutoNum type="alphaLcParenR"/>
-            </a:pPr>
-            <a:r>
-              <a:rPr/>
-              <a:t>What does the function </a:t>
+              <a:t>describe()</a:t>
+            </a:r>
+            <a:r>
+              <a:rPr/>
+              <a:t> from </a:t>
             </a:r>
             <a:r>
               <a:rPr sz="1800">
                 <a:latin typeface="Courier"/>
               </a:rPr>
-              <a:t>ls()</a:t>
-            </a:r>
-            <a:r>
-              <a:rPr/>
-              <a:t> do?</a:t>
-            </a:r>
-          </a:p>
-          <a:p>
-            <a:pPr lvl="2">
-              <a:buAutoNum type="alphaLcParenR"/>
-            </a:pPr>
-            <a:r>
-              <a:rPr/>
-              <a:t>Use it to see how many vectors contain information about “temp”</a:t>
+              <a:t>Hmisc</a:t>
+            </a:r>
+            <a:r>
+              <a:rPr/>
+              <a:t> package</a:t>
+            </a:r>
+            <a:br/>
+          </a:p>
+          <a:p>
+            <a:pPr lvl="1"/>
+            <a:r>
+              <a:rPr/>
+              <a:t>To use these you have to install the appropriate packages</a:t>
             </a:r>
           </a:p>
         </p:txBody>
@@ -7256,15 +7353,7 @@
             </a:pPr>
             <a:r>
               <a:rPr/>
-              <a:t>Answer</a:t>
-            </a:r>
-            <a:r>
-              <a:rPr/>
-              <a:t> </a:t>
-            </a:r>
-            <a:r>
-              <a:rPr/>
-              <a:t>1.</a:t>
+              <a:t>Exercise</a:t>
             </a:r>
           </a:p>
         </p:txBody>
@@ -7290,8 +7379,8 @@
           <a:bodyPr/>
           <a:lstStyle/>
           <a:p>
-            <a:pPr lvl="0" marL="0" indent="0">
-              <a:buNone/>
+            <a:pPr lvl="1">
+              <a:buAutoNum type="arabicPeriod"/>
             </a:pPr>
             <a:r>
               <a:rPr/>
@@ -7309,23 +7398,78 @@
             </a:r>
           </a:p>
           <a:p>
-            <a:pPr lvl="0" marL="1270000" indent="0">
-              <a:buNone/>
+            <a:pPr lvl="1">
+              <a:buAutoNum type="arabicPeriod"/>
             </a:pPr>
             <a:r>
-              <a:rPr sz="1800" b="1">
-                <a:solidFill>
-                  <a:srgbClr val="007020"/>
-                </a:solidFill>
-                <a:latin typeface="Courier"/>
-              </a:rPr>
-              <a:t>str</a:t>
+              <a:rPr/>
+              <a:t>Display the </a:t>
             </a:r>
             <a:r>
               <a:rPr sz="1800">
                 <a:latin typeface="Courier"/>
               </a:rPr>
-              <a:t>(cchic)</a:t>
+              <a:t>discharge_dttm</a:t>
+            </a:r>
+            <a:r>
+              <a:rPr/>
+              <a:t> vector from in </a:t>
+            </a:r>
+            <a:r>
+              <a:rPr sz="1800">
+                <a:latin typeface="Courier"/>
+              </a:rPr>
+              <a:t>cchic</a:t>
+            </a:r>
+            <a:r>
+              <a:rPr/>
+              <a:t>.</a:t>
+            </a:r>
+          </a:p>
+          <a:p>
+            <a:pPr lvl="1">
+              <a:buAutoNum type="arabicPeriod"/>
+            </a:pPr>
+            <a:r>
+              <a:rPr/>
+              <a:t>How many men and women are in the database?</a:t>
+            </a:r>
+          </a:p>
+          <a:p>
+            <a:pPr lvl="1">
+              <a:buAutoNum type="arabicPeriod"/>
+            </a:pPr>
+            <a:r>
+              <a:rPr/>
+              <a:t>How many survived and how many died?</a:t>
+            </a:r>
+          </a:p>
+          <a:p>
+            <a:pPr lvl="2">
+              <a:buAutoNum type="alphaLcParenR"/>
+            </a:pPr>
+            <a:r>
+              <a:rPr/>
+              <a:t>What does the function </a:t>
+            </a:r>
+            <a:r>
+              <a:rPr sz="1800">
+                <a:latin typeface="Courier"/>
+              </a:rPr>
+              <a:t>ls()</a:t>
+            </a:r>
+            <a:r>
+              <a:rPr/>
+              <a:t> do?</a:t>
+            </a:r>
+          </a:p>
+          <a:p>
+            <a:pPr lvl="2">
+              <a:buAutoNum type="alphaLcParenR"/>
+            </a:pPr>
+            <a:r>
+              <a:rPr/>
+              <a:t>Use it to see how many vectors contain information about “temp”.</a:t>
             </a:r>
           </a:p>
         </p:txBody>
@@ -7459,7 +7603,7 @@
             </a:r>
             <a:r>
               <a:rPr/>
-              <a:t> files into R</a:t>
+              <a:t> files into R.</a:t>
             </a:r>
             <a:br/>
           </a:p>
@@ -7469,7 +7613,7 @@
             </a:pPr>
             <a:r>
               <a:rPr/>
-              <a:t>Initial exploration of your data set</a:t>
+              <a:t>Initial exploration of your data set.</a:t>
             </a:r>
             <a:br/>
           </a:p>
@@ -7479,7 +7623,7 @@
             </a:pPr>
             <a:r>
               <a:rPr/>
-              <a:t>The handout also includes some tips on using Google Sheets</a:t>
+              <a:t>The handout also includes some tips on importing data from Google Sheets.</a:t>
             </a:r>
           </a:p>
         </p:txBody>
@@ -7540,7 +7684,7 @@
             </a:r>
             <a:r>
               <a:rPr/>
-              <a:t>2</a:t>
+              <a:t>1.</a:t>
             </a:r>
           </a:p>
         </p:txBody>
@@ -7571,53 +7715,37 @@
             </a:pPr>
             <a:r>
               <a:rPr/>
-              <a:t>Display the </a:t>
+              <a:t>What types of variables do you have in </a:t>
             </a:r>
             <a:r>
               <a:rPr sz="1800">
                 <a:latin typeface="Courier"/>
               </a:rPr>
-              <a:t>discharge</a:t>
-            </a:r>
-            <a:r>
-              <a:rPr/>
-              <a:t> vector in </a:t>
+              <a:t>cchic</a:t>
+            </a:r>
+            <a:r>
+              <a:rPr/>
+              <a:t>?</a:t>
+            </a:r>
+          </a:p>
+          <a:p>
+            <a:pPr lvl="0" marL="1270000" indent="0">
+              <a:buNone/>
+            </a:pPr>
+            <a:r>
+              <a:rPr sz="1800" b="1">
+                <a:solidFill>
+                  <a:srgbClr val="007020"/>
+                </a:solidFill>
+                <a:latin typeface="Courier"/>
+              </a:rPr>
+              <a:t>str</a:t>
             </a:r>
             <a:r>
               <a:rPr sz="1800">
                 <a:latin typeface="Courier"/>
               </a:rPr>
-              <a:t>cchic</a:t>
-            </a:r>
-            <a:r>
-              <a:rPr/>
-              <a:t>.</a:t>
-            </a:r>
-          </a:p>
-          <a:p>
-            <a:pPr lvl="0" marL="1270000" indent="0">
-              <a:buNone/>
-            </a:pPr>
-            <a:r>
-              <a:rPr sz="1800">
-                <a:latin typeface="Courier"/>
-              </a:rPr>
-              <a:t>cchic</a:t>
-            </a:r>
-            <a:r>
-              <a:rPr sz="1800">
-                <a:solidFill>
-                  <a:srgbClr val="666666"/>
-                </a:solidFill>
-                <a:latin typeface="Courier"/>
-              </a:rPr>
-              <a:t>$</a:t>
-            </a:r>
-            <a:r>
-              <a:rPr sz="1800">
-                <a:latin typeface="Courier"/>
-              </a:rPr>
-              <a:t>discharge</a:t>
+              <a:t>(cchic)</a:t>
             </a:r>
           </a:p>
         </p:txBody>
@@ -7678,7 +7806,7 @@
             </a:r>
             <a:r>
               <a:rPr/>
-              <a:t>3</a:t>
+              <a:t>2</a:t>
             </a:r>
           </a:p>
         </p:txBody>
@@ -7709,7 +7837,27 @@
             </a:pPr>
             <a:r>
               <a:rPr/>
-              <a:t>How many men and women are in the database?</a:t>
+              <a:t>Display the </a:t>
+            </a:r>
+            <a:r>
+              <a:rPr sz="1800">
+                <a:latin typeface="Courier"/>
+              </a:rPr>
+              <a:t>discharge_dttm</a:t>
+            </a:r>
+            <a:r>
+              <a:rPr/>
+              <a:t> vector in </a:t>
+            </a:r>
+            <a:r>
+              <a:rPr sz="1800">
+                <a:latin typeface="Courier"/>
+              </a:rPr>
+              <a:t>cchic</a:t>
+            </a:r>
+            <a:r>
+              <a:rPr/>
+              <a:t>.</a:t>
             </a:r>
           </a:p>
           <a:p>
@@ -7717,19 +7865,10 @@
               <a:buNone/>
             </a:pPr>
             <a:r>
-              <a:rPr sz="1800" b="1">
-                <a:solidFill>
-                  <a:srgbClr val="007020"/>
-                </a:solidFill>
-                <a:latin typeface="Courier"/>
-              </a:rPr>
-              <a:t>table</a:t>
-            </a:r>
-            <a:r>
               <a:rPr sz="1800">
                 <a:latin typeface="Courier"/>
               </a:rPr>
-              <a:t>(cchic</a:t>
+              <a:t>cchic</a:t>
             </a:r>
             <a:r>
               <a:rPr sz="1800">
@@ -7744,20 +7883,7 @@
               <a:rPr sz="1800">
                 <a:latin typeface="Courier"/>
               </a:rPr>
-              <a:t>sex)</a:t>
-            </a:r>
-          </a:p>
-          <a:p>
-            <a:pPr lvl="0" marL="1270000" indent="0">
-              <a:buNone/>
-            </a:pPr>
-            <a:r>
-              <a:rPr sz="1800">
-                <a:latin typeface="Courier"/>
-              </a:rPr>
-              <a:t>## 
-##    F    M 
-## 2246 2754</a:t>
+              <a:t>discharge_dttm</a:t>
             </a:r>
           </a:p>
         </p:txBody>
@@ -7818,7 +7944,7 @@
             </a:r>
             <a:r>
               <a:rPr/>
-              <a:t>4</a:t>
+              <a:t>3</a:t>
             </a:r>
           </a:p>
         </p:txBody>
@@ -7849,7 +7975,7 @@
             </a:pPr>
             <a:r>
               <a:rPr/>
-              <a:t>How many survived and how many died?</a:t>
+              <a:t>How many men and women are in the database?</a:t>
             </a:r>
           </a:p>
           <a:p>
@@ -7884,7 +8010,7 @@
               <a:rPr sz="1800">
                 <a:latin typeface="Courier"/>
               </a:rPr>
-              <a:t>vital_status)</a:t>
+              <a:t>sex)</a:t>
             </a:r>
           </a:p>
           <a:p>
@@ -7896,8 +8022,8 @@
                 <a:latin typeface="Courier"/>
               </a:rPr>
               <a:t>## 
-##    A    D 
-## 4444  556</a:t>
+##    F    M 
+## 2246 2754</a:t>
             </a:r>
           </a:p>
         </p:txBody>
@@ -7958,7 +8084,7 @@
             </a:r>
             <a:r>
               <a:rPr/>
-              <a:t>5</a:t>
+              <a:t>4</a:t>
             </a:r>
           </a:p>
         </p:txBody>
@@ -7989,17 +8115,7 @@
             </a:pPr>
             <a:r>
               <a:rPr/>
-              <a:t>What does the function </a:t>
-            </a:r>
-            <a:r>
-              <a:rPr sz="1800">
-                <a:latin typeface="Courier"/>
-              </a:rPr>
-              <a:t>ls()</a:t>
-            </a:r>
-            <a:r>
-              <a:rPr/>
-              <a:t> do?</a:t>
+              <a:t>How many survived and how many died?</a:t>
             </a:r>
           </a:p>
           <a:p>
@@ -8013,63 +8129,41 @@
                 </a:solidFill>
                 <a:latin typeface="Courier"/>
               </a:rPr>
-              <a:t>ls</a:t>
+              <a:t>table</a:t>
             </a:r>
             <a:r>
               <a:rPr sz="1800">
                 <a:latin typeface="Courier"/>
               </a:rPr>
-              <a:t>(cchic, </a:t>
+              <a:t>(cchic</a:t>
             </a:r>
             <a:r>
               <a:rPr sz="1800">
                 <a:solidFill>
-                  <a:srgbClr val="902000"/>
+                  <a:srgbClr val="666666"/>
                 </a:solidFill>
                 <a:latin typeface="Courier"/>
               </a:rPr>
-              <a:t>pattern =</a:t>
+              <a:t>$</a:t>
             </a:r>
             <a:r>
               <a:rPr sz="1800">
                 <a:latin typeface="Courier"/>
               </a:rPr>
-              <a:t> </a:t>
-            </a:r>
+              <a:t>vital_status)</a:t>
+            </a:r>
+          </a:p>
+          <a:p>
+            <a:pPr lvl="0" marL="1270000" indent="0">
+              <a:buNone/>
+            </a:pPr>
             <a:r>
               <a:rPr sz="1800">
-                <a:solidFill>
-                  <a:srgbClr val="4070A0"/>
-                </a:solidFill>
-                <a:latin typeface="Courier"/>
-              </a:rPr>
-              <a:t>"temp"</a:t>
-            </a:r>
-            <a:r>
-              <a:rPr sz="1800">
-                <a:latin typeface="Courier"/>
-              </a:rPr>
-              <a:t>)</a:t>
-            </a:r>
-          </a:p>
-          <a:p>
-            <a:pPr lvl="0" marL="1270000" indent="0">
-              <a:buNone/>
-            </a:pPr>
-            <a:r>
-              <a:rPr sz="1800">
-                <a:latin typeface="Courier"/>
-              </a:rPr>
-              <a:t>## [1] "temp_c"  "temp_nc"</a:t>
-            </a:r>
-          </a:p>
-          <a:p>
-            <a:pPr lvl="0" marL="0" indent="0">
-              <a:buNone/>
-            </a:pPr>
-            <a:r>
-              <a:rPr/>
-              <a:t>This lists all of the variables containing the word “temp”.</a:t>
+                <a:latin typeface="Courier"/>
+              </a:rPr>
+              <a:t>## 
+##    A    D 
+## 4444  556</a:t>
             </a:r>
           </a:p>
         </p:txBody>
@@ -8101,6 +8195,188 @@
           <p:cNvPr id="2" name="Title 1">
             <a:extLst>
               <a:ext uri="{FF2B5EF4-FFF2-40B4-BE49-F238E27FC236}">
+                <a16:creationId xmlns:a16="http://schemas.microsoft.com/office/drawing/2014/main" id="{5567D468-EE70-CD4E-A3AC-039CC11EF1FB}"/>
+              </a:ext>
+            </a:extLst>
+          </p:cNvPr>
+          <p:cNvSpPr>
+            <a:spLocks noGrp="1"/>
+          </p:cNvSpPr>
+          <p:nvPr>
+            <p:ph type="title"/>
+          </p:nvPr>
+        </p:nvSpPr>
+        <p:spPr/>
+        <p:txBody>
+          <a:bodyPr/>
+          <a:lstStyle/>
+          <a:p>
+            <a:pPr lvl="0" marL="0" indent="0">
+              <a:buNone/>
+            </a:pPr>
+            <a:r>
+              <a:rPr/>
+              <a:t>Answer</a:t>
+            </a:r>
+            <a:r>
+              <a:rPr/>
+              <a:t> </a:t>
+            </a:r>
+            <a:r>
+              <a:rPr/>
+              <a:t>5</a:t>
+            </a:r>
+          </a:p>
+        </p:txBody>
+      </p:sp>
+      <p:sp>
+        <p:nvSpPr>
+          <p:cNvPr id="3" name="Content Placeholder 2">
+            <a:extLst>
+              <a:ext uri="{FF2B5EF4-FFF2-40B4-BE49-F238E27FC236}">
+                <a16:creationId xmlns:a16="http://schemas.microsoft.com/office/drawing/2014/main" id="{D10DDA37-E46B-B641-BC9F-636CB92A2C08}"/>
+              </a:ext>
+            </a:extLst>
+          </p:cNvPr>
+          <p:cNvSpPr>
+            <a:spLocks noGrp="1"/>
+          </p:cNvSpPr>
+          <p:nvPr>
+            <p:ph idx="1"/>
+          </p:nvPr>
+        </p:nvSpPr>
+        <p:spPr/>
+        <p:txBody>
+          <a:bodyPr/>
+          <a:lstStyle/>
+          <a:p>
+            <a:pPr lvl="0" marL="0" indent="0">
+              <a:buNone/>
+            </a:pPr>
+            <a:r>
+              <a:rPr/>
+              <a:t>What does the function </a:t>
+            </a:r>
+            <a:r>
+              <a:rPr sz="1800">
+                <a:latin typeface="Courier"/>
+              </a:rPr>
+              <a:t>ls()</a:t>
+            </a:r>
+            <a:r>
+              <a:rPr/>
+              <a:t> do?</a:t>
+            </a:r>
+          </a:p>
+          <a:p>
+            <a:pPr lvl="0" marL="1270000" indent="0">
+              <a:buNone/>
+            </a:pPr>
+            <a:r>
+              <a:rPr sz="1800" b="1">
+                <a:solidFill>
+                  <a:srgbClr val="007020"/>
+                </a:solidFill>
+                <a:latin typeface="Courier"/>
+              </a:rPr>
+              <a:t>ls</a:t>
+            </a:r>
+            <a:r>
+              <a:rPr sz="1800">
+                <a:latin typeface="Courier"/>
+              </a:rPr>
+              <a:t>(cchic, </a:t>
+            </a:r>
+            <a:r>
+              <a:rPr sz="1800">
+                <a:solidFill>
+                  <a:srgbClr val="902000"/>
+                </a:solidFill>
+                <a:latin typeface="Courier"/>
+              </a:rPr>
+              <a:t>pattern =</a:t>
+            </a:r>
+            <a:r>
+              <a:rPr sz="1800">
+                <a:latin typeface="Courier"/>
+              </a:rPr>
+              <a:t> </a:t>
+            </a:r>
+            <a:r>
+              <a:rPr sz="1800">
+                <a:solidFill>
+                  <a:srgbClr val="4070A0"/>
+                </a:solidFill>
+                <a:latin typeface="Courier"/>
+              </a:rPr>
+              <a:t>"temp"</a:t>
+            </a:r>
+            <a:r>
+              <a:rPr sz="1800">
+                <a:latin typeface="Courier"/>
+              </a:rPr>
+              <a:t>)</a:t>
+            </a:r>
+          </a:p>
+          <a:p>
+            <a:pPr lvl="0" marL="1270000" indent="0">
+              <a:buNone/>
+            </a:pPr>
+            <a:r>
+              <a:rPr sz="1800">
+                <a:latin typeface="Courier"/>
+              </a:rPr>
+              <a:t>## [1] "temp_c"  "temp_nc"</a:t>
+            </a:r>
+          </a:p>
+          <a:p>
+            <a:pPr lvl="0" marL="0" indent="0">
+              <a:buNone/>
+            </a:pPr>
+            <a:r>
+              <a:rPr/>
+              <a:t>This lists all of the variables in </a:t>
+            </a:r>
+            <a:r>
+              <a:rPr sz="1800">
+                <a:latin typeface="Courier"/>
+              </a:rPr>
+              <a:t>cchic</a:t>
+            </a:r>
+            <a:r>
+              <a:rPr/>
+              <a:t> containing the word “temp”.</a:t>
+            </a:r>
+          </a:p>
+        </p:txBody>
+      </p:sp>
+    </p:spTree>
+  </p:cSld>
+</p:sld>
+</file>
+
+<file path=ppt/slides/slide35.xml><?xml version="1.0" encoding="utf-8"?>
+<p:sld xmlns:a="http://schemas.openxmlformats.org/drawingml/2006/main" xmlns:r="http://schemas.openxmlformats.org/officeDocument/2006/relationships" xmlns:p="http://schemas.openxmlformats.org/presentationml/2006/main">
+  <p:cSld>
+    <p:spTree>
+      <p:nvGrpSpPr>
+        <p:cNvPr id="1" name=""/>
+        <p:cNvGrpSpPr/>
+        <p:nvPr/>
+      </p:nvGrpSpPr>
+      <p:grpSpPr>
+        <a:xfrm>
+          <a:off x="0" y="0"/>
+          <a:ext cx="0" cy="0"/>
+          <a:chOff x="0" y="0"/>
+          <a:chExt cx="0" cy="0"/>
+        </a:xfrm>
+      </p:grpSpPr>
+      <p:sp>
+        <p:nvSpPr>
+          <p:cNvPr id="2" name="Title 1">
+            <a:extLst>
+              <a:ext uri="{FF2B5EF4-FFF2-40B4-BE49-F238E27FC236}">
                 <a16:creationId xmlns:a16="http://schemas.microsoft.com/office/drawing/2014/main" id="{33826130-253A-E043-BB2B-EC3ECCCD07F5}"/>
               </a:ext>
             </a:extLst>
@@ -8225,7 +8501,7 @@
             <a:pPr lvl="1"/>
             <a:r>
               <a:rPr/>
-              <a:t>You have now learnt to input data into R manually</a:t>
+              <a:t>You have now learnt to input data into R manually.</a:t>
             </a:r>
             <a:br/>
           </a:p>
@@ -8358,31 +8634,30 @@
             </a:r>
             <a:r>
               <a:rPr/>
-              <a:t> file</a:t>
+              <a:t> file:</a:t>
+            </a:r>
+          </a:p>
+          <a:p>
+            <a:pPr lvl="2"/>
+            <a:r>
+              <a:rPr/>
+              <a:t>You still have columns and rows.</a:t>
             </a:r>
             <a:br/>
           </a:p>
           <a:p>
-            <a:pPr lvl="1"/>
-            <a:r>
-              <a:rPr/>
-              <a:t>You still have columns and rows</a:t>
+            <a:pPr lvl="2"/>
+            <a:r>
+              <a:rPr/>
+              <a:t>However, data values on a single row are separated by commas instead of walls of a cell.</a:t>
             </a:r>
             <a:br/>
           </a:p>
           <a:p>
-            <a:pPr lvl="1"/>
-            <a:r>
-              <a:rPr/>
-              <a:t>But data values on a single row are separated by commas instead of walls of a cell</a:t>
-            </a:r>
-            <a:br/>
-          </a:p>
-          <a:p>
-            <a:pPr lvl="1"/>
-            <a:r>
-              <a:rPr/>
-              <a:t>Excel spreadsheets are easily converted into this format</a:t>
+            <a:pPr lvl="2"/>
+            <a:r>
+              <a:rPr/>
+              <a:t>Excel spreadsheets are easily converted into this format.</a:t>
             </a:r>
           </a:p>
         </p:txBody>
@@ -8502,7 +8777,7 @@
             <a:pPr lvl="1"/>
             <a:r>
               <a:rPr/>
-              <a:t>Take a moment to downlaod the practise data set</a:t>
+              <a:t>Take a moment to download the practise data set.</a:t>
             </a:r>
           </a:p>
           <a:p>
@@ -8519,7 +8794,7 @@
             </a:r>
             <a:r>
               <a:rPr/>
-              <a:t> format</a:t>
+              <a:t> format:</a:t>
             </a:r>
           </a:p>
           <a:p>
@@ -8703,24 +8978,22 @@
             <a:pPr lvl="1"/>
             <a:r>
               <a:rPr/>
-              <a:t>R can not read your data if it does not know where it is stored</a:t>
-            </a:r>
-            <a:br/>
+              <a:t>R can not read your data if it does not know where it is stored.</a:t>
+            </a:r>
           </a:p>
           <a:p>
             <a:pPr lvl="1"/>
             <a:r>
               <a:rPr/>
-              <a:t>Your computer has a system for storing files within directories</a:t>
+              <a:t>Your computer has a system for storing files within directories.</a:t>
             </a:r>
           </a:p>
           <a:p>
             <a:pPr lvl="1"/>
             <a:r>
               <a:rPr/>
-              <a:t>Directories are also known as folders</a:t>
-            </a:r>
-            <a:br/>
+              <a:t>Directories are also known as folders.</a:t>
+            </a:r>
           </a:p>
           <a:p>
             <a:pPr lvl="1"/>
@@ -8733,6 +9006,10 @@
                 <a:latin typeface="Courier"/>
               </a:rPr>
               <a:t>file path</a:t>
+            </a:r>
+            <a:r>
+              <a:rPr/>
+              <a:t>.</a:t>
             </a:r>
           </a:p>
         </p:txBody>
@@ -8842,7 +9119,7 @@
             </a:r>
             <a:r>
               <a:rPr/>
-              <a:t> are specified</a:t>
+              <a:t> are specified.</a:t>
             </a:r>
           </a:p>
           <a:p>
@@ -9075,7 +9352,7 @@
             <a:pPr lvl="1"/>
             <a:r>
               <a:rPr/>
-              <a:t>R would have chosen a working directory for you</a:t>
+              <a:t>R will have chosen a working directory for you.</a:t>
             </a:r>
           </a:p>
           <a:p>
@@ -9102,7 +9379,7 @@
             <a:pPr lvl="1"/>
             <a:r>
               <a:rPr/>
-              <a:t>Will display your working directory in your console</a:t>
+              <a:t>Will display your working directory in your console.</a:t>
             </a:r>
             <a:br/>
           </a:p>
@@ -9110,7 +9387,7 @@
             <a:pPr lvl="1"/>
             <a:r>
               <a:rPr/>
-              <a:t>You can then reset it to your desired working directory using</a:t>
+              <a:t>You can then reset it to your desired working directory using.</a:t>
             </a:r>
           </a:p>
           <a:p>

--- a/Workshops/Workshop3.pptx
+++ b/Workshops/Workshop3.pptx
@@ -4700,7 +4700,7 @@
             </a:r>
             <a:r>
               <a:rPr/>
-              <a:t>Files</a:t>
+              <a:t>files</a:t>
             </a:r>
           </a:p>
         </p:txBody>
@@ -5756,15 +5756,15 @@
             </a:r>
             <a:r>
               <a:rPr/>
-              <a:t>Your</a:t>
-            </a:r>
-            <a:r>
-              <a:rPr/>
-              <a:t> </a:t>
-            </a:r>
-            <a:r>
-              <a:rPr/>
-              <a:t>Data</a:t>
+              <a:t>your</a:t>
+            </a:r>
+            <a:r>
+              <a:rPr/>
+              <a:t> </a:t>
+            </a:r>
+            <a:r>
+              <a:rPr/>
+              <a:t>data</a:t>
             </a:r>
             <a:r>
               <a:rPr/>
@@ -6853,7 +6853,7 @@
             </a:r>
             <a:r>
               <a:rPr/>
-              <a:t>items.</a:t>
+              <a:t>items</a:t>
             </a:r>
           </a:p>
         </p:txBody>
@@ -7033,7 +7033,7 @@
             </a:r>
             <a:r>
               <a:rPr/>
-              <a:t>sign.</a:t>
+              <a:t>sign</a:t>
             </a:r>
           </a:p>
         </p:txBody>
@@ -9070,7 +9070,7 @@
             </a:r>
             <a:r>
               <a:rPr/>
-              <a:t>Paths</a:t>
+              <a:t>paths</a:t>
             </a:r>
           </a:p>
         </p:txBody>

--- a/Workshops/Workshop3.pptx
+++ b/Workshops/Workshop3.pptx
@@ -8925,7 +8925,7 @@
             </a:r>
             <a:r>
               <a:rPr/>
-              <a:t>Directories</a:t>
+              <a:t>directories</a:t>
             </a:r>
             <a:r>
               <a:rPr/>
@@ -8941,15 +8941,15 @@
             </a:r>
             <a:r>
               <a:rPr/>
-              <a:t>File</a:t>
-            </a:r>
-            <a:r>
-              <a:rPr/>
-              <a:t> </a:t>
-            </a:r>
-            <a:r>
-              <a:rPr/>
-              <a:t>Paths</a:t>
+              <a:t>file</a:t>
+            </a:r>
+            <a:r>
+              <a:rPr/>
+              <a:t> </a:t>
+            </a:r>
+            <a:r>
+              <a:rPr/>
+              <a:t>paths</a:t>
             </a:r>
           </a:p>
         </p:txBody>
@@ -9105,7 +9105,7 @@
               <a:rPr sz="1800">
                 <a:latin typeface="Courier"/>
               </a:rPr>
-              <a:t>Root Directory</a:t>
+              <a:t>Root directory</a:t>
             </a:r>
             <a:r>
               <a:rPr/>

--- a/Workshops/Workshop3.pptx
+++ b/Workshops/Workshop3.pptx
@@ -5,7 +5,7 @@
     <p:sldMasterId id="2147483648" r:id="rId1"/>
   </p:sldMasterIdLst>
   <p:notesMasterIdLst>
-    <p:NotesMasterId r:id="rId37"/>
+    <p:NotesMasterId r:id="rId36"/>
   </p:notesMasterIdLst>
   <p:sldIdLst>
     <p:sldId id="256" r:id="rId2"/>
@@ -42,7 +42,6 @@
     <p:sldId id="287" r:id="rId33"/>
     <p:sldId id="288" r:id="rId34"/>
     <p:sldId id="289" r:id="rId35"/>
-    <p:sldId id="290" r:id="rId36"/>
   </p:sldIdLst>
   <p:sldSz cx="12192000" cy="6858000"/>
   <p:notesSz cx="6858000" cy="9144000"/>
@@ -231,7 +230,7 @@
           <a:p>
             <a:fld id="{0F9C1CCF-B725-44A7-AA57-5E433BD85C9F}" type="datetimeFigureOut">
               <a:rPr lang="en-US" smtClean="0"/>
-              <a:t>2/17/2018</a:t>
+              <a:t>4/5/2019</a:t>
             </a:fld>
             <a:endParaRPr lang="en-US"/>
           </a:p>
@@ -548,31 +547,15 @@
             </a:pPr>
             <a:r>
               <a:rPr/>
-              <a:t>Candidates</a:t>
-            </a:r>
-            <a:r>
-              <a:rPr/>
-              <a:t> </a:t>
-            </a:r>
-            <a:r>
-              <a:rPr/>
-              <a:t>don’t</a:t>
-            </a:r>
-            <a:r>
-              <a:rPr/>
-              <a:t> </a:t>
-            </a:r>
-            <a:r>
-              <a:rPr/>
-              <a:t>necessarily</a:t>
-            </a:r>
-            <a:r>
-              <a:rPr/>
-              <a:t> </a:t>
-            </a:r>
-            <a:r>
-              <a:rPr/>
-              <a:t>need</a:t>
+              <a:t>Upload</a:t>
+            </a:r>
+            <a:r>
+              <a:rPr/>
+              <a:t> </a:t>
+            </a:r>
+            <a:r>
+              <a:rPr/>
+              <a:t>file</a:t>
             </a:r>
             <a:r>
               <a:rPr/>
@@ -588,39 +571,15 @@
             </a:r>
             <a:r>
               <a:rPr/>
-              <a:t>do</a:t>
-            </a:r>
-            <a:r>
-              <a:rPr/>
-              <a:t> </a:t>
-            </a:r>
-            <a:r>
-              <a:rPr/>
-              <a:t>this</a:t>
-            </a:r>
-            <a:r>
-              <a:rPr/>
-              <a:t> </a:t>
-            </a:r>
-            <a:r>
-              <a:rPr/>
-              <a:t>at</a:t>
-            </a:r>
-            <a:r>
-              <a:rPr/>
-              <a:t> </a:t>
-            </a:r>
-            <a:r>
-              <a:rPr/>
-              <a:t>the</a:t>
-            </a:r>
-            <a:r>
-              <a:rPr/>
-              <a:t> </a:t>
-            </a:r>
-            <a:r>
-              <a:rPr/>
-              <a:t>moment.</a:t>
+              <a:t>MS</a:t>
+            </a:r>
+            <a:r>
+              <a:rPr/>
+              <a:t> </a:t>
+            </a:r>
+            <a:r>
+              <a:rPr/>
+              <a:t>Teams/Slack.</a:t>
             </a:r>
           </a:p>
         </p:txBody>
@@ -642,7 +601,7 @@
           <a:p>
             <a:fld id="{18BDFEC3-8487-43E8-A154-7C12CBC1FFF2}" type="slidenum">
               <a:rPr lang="en-US"/>
-              <a:t>9</a:t>
+              <a:t>6</a:t>
             </a:fld>
             <a:endParaRPr lang="en-US"/>
           </a:p>
@@ -702,15 +661,31 @@
             </a:pPr>
             <a:r>
               <a:rPr/>
-              <a:t>Get</a:t>
-            </a:r>
-            <a:r>
-              <a:rPr/>
-              <a:t> </a:t>
-            </a:r>
-            <a:r>
-              <a:rPr/>
-              <a:t>them</a:t>
+              <a:t>Candidates</a:t>
+            </a:r>
+            <a:r>
+              <a:rPr/>
+              <a:t> </a:t>
+            </a:r>
+            <a:r>
+              <a:rPr/>
+              <a:t>don’t</a:t>
+            </a:r>
+            <a:r>
+              <a:rPr/>
+              <a:t> </a:t>
+            </a:r>
+            <a:r>
+              <a:rPr/>
+              <a:t>necessarily</a:t>
+            </a:r>
+            <a:r>
+              <a:rPr/>
+              <a:t> </a:t>
+            </a:r>
+            <a:r>
+              <a:rPr/>
+              <a:t>need</a:t>
             </a:r>
             <a:r>
               <a:rPr/>
@@ -735,6 +710,30 @@
             <a:r>
               <a:rPr/>
               <a:t>this</a:t>
+            </a:r>
+            <a:r>
+              <a:rPr/>
+              <a:t> </a:t>
+            </a:r>
+            <a:r>
+              <a:rPr/>
+              <a:t>at</a:t>
+            </a:r>
+            <a:r>
+              <a:rPr/>
+              <a:t> </a:t>
+            </a:r>
+            <a:r>
+              <a:rPr/>
+              <a:t>the</a:t>
+            </a:r>
+            <a:r>
+              <a:rPr/>
+              <a:t> </a:t>
+            </a:r>
+            <a:r>
+              <a:rPr/>
+              <a:t>moment.</a:t>
             </a:r>
           </a:p>
         </p:txBody>
@@ -756,7 +755,7 @@
           <a:p>
             <a:fld id="{18BDFEC3-8487-43E8-A154-7C12CBC1FFF2}" type="slidenum">
               <a:rPr lang="en-US"/>
-              <a:t>16</a:t>
+              <a:t>9</a:t>
             </a:fld>
             <a:endParaRPr lang="en-US"/>
           </a:p>
@@ -768,6 +767,120 @@
 </file>
 
 <file path=ppt/notesSlides/notesSlide3.xml><?xml version="1.0" encoding="utf-8"?>
+<p:notes xmlns:a="http://schemas.openxmlformats.org/drawingml/2006/main" xmlns:r="http://schemas.openxmlformats.org/officeDocument/2006/relationships" xmlns:p="http://schemas.openxmlformats.org/presentationml/2006/main">
+  <p:cSld>
+    <p:spTree>
+      <p:nvGrpSpPr>
+        <p:cNvPr id="1" name=""/>
+        <p:cNvGrpSpPr/>
+        <p:nvPr/>
+      </p:nvGrpSpPr>
+      <p:grpSpPr>
+        <a:xfrm>
+          <a:off x="0" y="0"/>
+          <a:ext cx="0" cy="0"/>
+          <a:chOff x="0" y="0"/>
+          <a:chExt cx="0" cy="0"/>
+        </a:xfrm>
+      </p:grpSpPr>
+      <p:sp>
+        <p:nvSpPr>
+          <p:cNvPr id="2" name="Slide Image Placeholder 1"/>
+          <p:cNvSpPr>
+            <a:spLocks noGrp="1" noRot="1" noChangeAspect="1"/>
+          </p:cNvSpPr>
+          <p:nvPr>
+            <p:ph type="sldImg"/>
+          </p:nvPr>
+        </p:nvSpPr>
+        <p:spPr/>
+      </p:sp>
+      <p:sp>
+        <p:nvSpPr>
+          <p:cNvPr id="3" name="Notes Placeholder 2"/>
+          <p:cNvSpPr>
+            <a:spLocks noGrp="1"/>
+          </p:cNvSpPr>
+          <p:nvPr>
+            <p:ph type="body" idx="1"/>
+          </p:nvPr>
+        </p:nvSpPr>
+        <p:spPr/>
+        <p:txBody>
+          <a:bodyPr/>
+          <a:lstStyle/>
+          <a:p>
+            <a:pPr lvl="0" marL="0" indent="0">
+              <a:buNone/>
+            </a:pPr>
+            <a:r>
+              <a:rPr/>
+              <a:t>Get</a:t>
+            </a:r>
+            <a:r>
+              <a:rPr/>
+              <a:t> </a:t>
+            </a:r>
+            <a:r>
+              <a:rPr/>
+              <a:t>them</a:t>
+            </a:r>
+            <a:r>
+              <a:rPr/>
+              <a:t> </a:t>
+            </a:r>
+            <a:r>
+              <a:rPr/>
+              <a:t>to</a:t>
+            </a:r>
+            <a:r>
+              <a:rPr/>
+              <a:t> </a:t>
+            </a:r>
+            <a:r>
+              <a:rPr/>
+              <a:t>do</a:t>
+            </a:r>
+            <a:r>
+              <a:rPr/>
+              <a:t> </a:t>
+            </a:r>
+            <a:r>
+              <a:rPr/>
+              <a:t>this</a:t>
+            </a:r>
+          </a:p>
+        </p:txBody>
+      </p:sp>
+      <p:sp>
+        <p:nvSpPr>
+          <p:cNvPr id="4" name="Slide Number Placeholder 3"/>
+          <p:cNvSpPr>
+            <a:spLocks noGrp="1"/>
+          </p:cNvSpPr>
+          <p:nvPr>
+            <p:ph type="sldNum" sz="quarter" idx="10"/>
+          </p:nvPr>
+        </p:nvSpPr>
+        <p:spPr/>
+        <p:txBody>
+          <a:bodyPr/>
+          <a:lstStyle/>
+          <a:p>
+            <a:fld id="{18BDFEC3-8487-43E8-A154-7C12CBC1FFF2}" type="slidenum">
+              <a:rPr lang="en-US"/>
+              <a:t>16</a:t>
+            </a:fld>
+            <a:endParaRPr lang="en-US"/>
+          </a:p>
+        </p:txBody>
+      </p:sp>
+    </p:spTree>
+  </p:cSld>
+</p:notes>
+</file>
+
+<file path=ppt/notesSlides/notesSlide4.xml><?xml version="1.0" encoding="utf-8"?>
 <p:notes xmlns:a="http://schemas.openxmlformats.org/drawingml/2006/main" xmlns:r="http://schemas.openxmlformats.org/officeDocument/2006/relationships" xmlns:p="http://schemas.openxmlformats.org/presentationml/2006/main">
   <p:cSld>
     <p:spTree>
@@ -4529,7 +4642,7 @@
       </p:sp>
       <p:pic>
         <p:nvPicPr>
-          <p:cNvPr descr="../Images/Point%20and%20click.png" id="0" name="Picture 1"/>
+          <p:cNvPr descr="../Images/Pointandclick.png" id="0" name="Picture 1"/>
           <p:cNvPicPr>
             <a:picLocks noGrp="1" noChangeAspect="1"/>
           </p:cNvPicPr>
@@ -5292,7 +5405,7 @@
                 </a:solidFill>
                 <a:latin typeface="Courier"/>
               </a:rPr>
-              <a:t>"C:/Users/rhrey/OneDrive - University College London/PhD/Teaching/ClinicianCoders_wd/ClinicianCoders/clean_CCHIC.csv"</a:t>
+              <a:t>"C:/Users/rhrey/OneDrive - University College London/ClinicianCoders_wd/ClinicianCoders/clean_CCHIC.csv"</a:t>
             </a:r>
             <a:r>
               <a:rPr sz="1800">
@@ -5982,6 +6095,23 @@
             </a:r>
           </a:p>
           <a:p>
+            <a:pPr lvl="1"/>
+            <a:r>
+              <a:rPr/>
+              <a:t>Use double dot </a:t>
+            </a:r>
+            <a:r>
+              <a:rPr sz="1800">
+                <a:latin typeface="Courier"/>
+              </a:rPr>
+              <a:t>..</a:t>
+            </a:r>
+            <a:r>
+              <a:rPr/>
+              <a:t> for a file in the directory above the current working directory.</a:t>
+            </a:r>
+          </a:p>
+          <a:p>
             <a:pPr lvl="0" marL="1270000" indent="0">
               <a:buNone/>
             </a:pPr>
@@ -6014,13 +6144,6 @@
                 <a:latin typeface="Courier"/>
               </a:rPr>
               <a:t>)</a:t>
-            </a:r>
-          </a:p>
-          <a:p>
-            <a:pPr lvl="1"/>
-            <a:r>
-              <a:rPr/>
-              <a:t>Use double dot “..” for a file in the directory above the current working directory.</a:t>
             </a:r>
           </a:p>
         </p:txBody>
@@ -6049,7 +6172,7 @@
       </p:grpSpPr>
       <p:pic>
         <p:nvPicPr>
-          <p:cNvPr descr="../Images/Clinician%20Coders%20Branding_FINAL_CMYK_Colour.png" id="0" name="Picture 1"/>
+          <p:cNvPr descr="../Images/ClinicianCodersBranding_FINAL_CMYK_Colour.png" id="0" name="Picture 1"/>
           <p:cNvPicPr>
             <a:picLocks noGrp="1" noChangeAspect="1"/>
           </p:cNvPicPr>
@@ -7232,7 +7355,7 @@
             <a:pPr lvl="1"/>
             <a:r>
               <a:rPr/>
-              <a:t>Specific functions from special packages help you describe the whole data set</a:t>
+              <a:t>Specific functions from special packages help you describe the whole data set.</a:t>
             </a:r>
           </a:p>
           <a:p>
@@ -7300,7 +7423,7 @@
             <a:pPr lvl="1"/>
             <a:r>
               <a:rPr/>
-              <a:t>To use these you have to install the appropriate packages</a:t>
+              <a:t>To use these you have to install the appropriate packages.</a:t>
             </a:r>
           </a:p>
         </p:txBody>
@@ -7599,7 +7722,7 @@
               <a:rPr sz="1800">
                 <a:latin typeface="Courier"/>
               </a:rPr>
-              <a:t>csv</a:t>
+              <a:t>.csv</a:t>
             </a:r>
             <a:r>
               <a:rPr/>
@@ -8346,80 +8469,6 @@
             <a:r>
               <a:rPr/>
               <a:t> containing the word “temp”.</a:t>
-            </a:r>
-          </a:p>
-        </p:txBody>
-      </p:sp>
-    </p:spTree>
-  </p:cSld>
-</p:sld>
-</file>
-
-<file path=ppt/slides/slide35.xml><?xml version="1.0" encoding="utf-8"?>
-<p:sld xmlns:a="http://schemas.openxmlformats.org/drawingml/2006/main" xmlns:r="http://schemas.openxmlformats.org/officeDocument/2006/relationships" xmlns:p="http://schemas.openxmlformats.org/presentationml/2006/main">
-  <p:cSld>
-    <p:spTree>
-      <p:nvGrpSpPr>
-        <p:cNvPr id="1" name=""/>
-        <p:cNvGrpSpPr/>
-        <p:nvPr/>
-      </p:nvGrpSpPr>
-      <p:grpSpPr>
-        <a:xfrm>
-          <a:off x="0" y="0"/>
-          <a:ext cx="0" cy="0"/>
-          <a:chOff x="0" y="0"/>
-          <a:chExt cx="0" cy="0"/>
-        </a:xfrm>
-      </p:grpSpPr>
-      <p:sp>
-        <p:nvSpPr>
-          <p:cNvPr id="2" name="Title 1">
-            <a:extLst>
-              <a:ext uri="{FF2B5EF4-FFF2-40B4-BE49-F238E27FC236}">
-                <a16:creationId xmlns:a16="http://schemas.microsoft.com/office/drawing/2014/main" id="{33826130-253A-E043-BB2B-EC3ECCCD07F5}"/>
-              </a:ext>
-            </a:extLst>
-          </p:cNvPr>
-          <p:cNvSpPr>
-            <a:spLocks noGrp="1"/>
-          </p:cNvSpPr>
-          <p:nvPr>
-            <p:ph type="title"/>
-          </p:nvPr>
-        </p:nvSpPr>
-        <p:spPr>
-          <a:xfrm>
-            <a:off x="831850" y="1709738"/>
-            <a:ext cx="10515600" cy="2852737"/>
-          </a:xfrm>
-        </p:spPr>
-        <p:txBody>
-          <a:bodyPr/>
-          <a:lstStyle/>
-          <a:p>
-            <a:pPr lvl="0" marL="0" indent="0">
-              <a:buNone/>
-            </a:pPr>
-            <a:r>
-              <a:rPr/>
-              <a:t>Time</a:t>
-            </a:r>
-            <a:r>
-              <a:rPr/>
-              <a:t> </a:t>
-            </a:r>
-            <a:r>
-              <a:rPr/>
-              <a:t>for</a:t>
-            </a:r>
-            <a:r>
-              <a:rPr/>
-              <a:t> </a:t>
-            </a:r>
-            <a:r>
-              <a:rPr/>
-              <a:t>lunch!</a:t>
             </a:r>
           </a:p>
         </p:txBody>
@@ -8777,7 +8826,7 @@
             <a:pPr lvl="1"/>
             <a:r>
               <a:rPr/>
-              <a:t>Take a moment to download the practise data set.</a:t>
+              <a:t>Take a moment to download the practice data set.</a:t>
             </a:r>
           </a:p>
           <a:p>
@@ -8790,7 +8839,7 @@
               <a:rPr sz="1800">
                 <a:latin typeface="Courier"/>
               </a:rPr>
-              <a:t>csv</a:t>
+              <a:t>.csv</a:t>
             </a:r>
             <a:r>
               <a:rPr/>
@@ -8804,10 +8853,6 @@
                 <a:latin typeface="Courier"/>
               </a:rPr>
               <a:t>clean_CCHIC</a:t>
-            </a:r>
-            <a:r>
-              <a:rPr/>
-              <a:t> from the slack channel</a:t>
             </a:r>
           </a:p>
           <a:p>
@@ -8848,7 +8893,7 @@
           <p:nvPr/>
         </p:nvPicPr>
         <p:blipFill>
-          <a:blip r:embed="rId2"/>
+          <a:blip r:embed="rId3"/>
           <a:stretch>
             <a:fillRect/>
           </a:stretch>

--- a/Workshops/Workshop3.pptx
+++ b/Workshops/Workshop3.pptx
@@ -5,7 +5,7 @@
     <p:sldMasterId id="2147483648" r:id="rId1"/>
   </p:sldMasterIdLst>
   <p:notesMasterIdLst>
-    <p:NotesMasterId r:id="rId36"/>
+    <p:NotesMasterId r:id="rId38"/>
   </p:notesMasterIdLst>
   <p:sldIdLst>
     <p:sldId id="256" r:id="rId2"/>
@@ -42,6 +42,8 @@
     <p:sldId id="287" r:id="rId33"/>
     <p:sldId id="288" r:id="rId34"/>
     <p:sldId id="289" r:id="rId35"/>
+    <p:sldId id="290" r:id="rId36"/>
+    <p:sldId id="291" r:id="rId37"/>
   </p:sldIdLst>
   <p:sldSz cx="12192000" cy="6858000"/>
   <p:notesSz cx="6858000" cy="9144000"/>
@@ -869,7 +871,7 @@
           <a:p>
             <a:fld id="{18BDFEC3-8487-43E8-A154-7C12CBC1FFF2}" type="slidenum">
               <a:rPr lang="en-US"/>
-              <a:t>16</a:t>
+              <a:t>18</a:t>
             </a:fld>
             <a:endParaRPr lang="en-US"/>
           </a:p>
@@ -1007,7 +1009,7 @@
           <a:p>
             <a:fld id="{18BDFEC3-8487-43E8-A154-7C12CBC1FFF2}" type="slidenum">
               <a:rPr lang="en-US"/>
-              <a:t>28</a:t>
+              <a:t>30</a:t>
             </a:fld>
             <a:endParaRPr lang="en-US"/>
           </a:p>
@@ -4374,39 +4376,15 @@
             </a:pPr>
             <a:r>
               <a:rPr/>
-              <a:t>Getting</a:t>
-            </a:r>
-            <a:r>
-              <a:rPr/>
-              <a:t> </a:t>
-            </a:r>
-            <a:r>
-              <a:rPr/>
-              <a:t>your</a:t>
-            </a:r>
-            <a:r>
-              <a:rPr/>
-              <a:t> </a:t>
-            </a:r>
-            <a:r>
-              <a:rPr/>
-              <a:t>work</a:t>
-            </a:r>
-            <a:r>
-              <a:rPr/>
-              <a:t> </a:t>
-            </a:r>
-            <a:r>
-              <a:rPr/>
-              <a:t>into</a:t>
-            </a:r>
-            <a:r>
-              <a:rPr/>
-              <a:t> </a:t>
-            </a:r>
-            <a:r>
-              <a:rPr/>
-              <a:t>R</a:t>
+              <a:t>Brief</a:t>
+            </a:r>
+            <a:r>
+              <a:rPr/>
+              <a:t> </a:t>
+            </a:r>
+            <a:r>
+              <a:rPr/>
+              <a:t>interlude…</a:t>
             </a:r>
           </a:p>
         </p:txBody>
@@ -4437,69 +4415,21 @@
             </a:pPr>
             <a:r>
               <a:rPr/>
-              <a:t>There are 3 main methods</a:t>
-            </a:r>
-          </a:p>
-          <a:p>
-            <a:pPr lvl="1">
-              <a:buAutoNum type="arabicPeriod"/>
-            </a:pPr>
-            <a:r>
-              <a:rPr/>
-              <a:t>Point and click</a:t>
-            </a:r>
-          </a:p>
-          <a:p>
-            <a:pPr lvl="2"/>
-            <a:r>
-              <a:rPr/>
-              <a:t>Less fiddly as no need to write code</a:t>
-            </a:r>
-          </a:p>
-          <a:p>
-            <a:pPr lvl="2"/>
-            <a:r>
-              <a:rPr/>
-              <a:t>But not reproducible</a:t>
-            </a:r>
-          </a:p>
-          <a:p>
-            <a:pPr lvl="1">
-              <a:buAutoNum type="arabicPeriod"/>
-            </a:pPr>
-            <a:r>
-              <a:rPr/>
-              <a:t>Using commands</a:t>
-            </a:r>
-          </a:p>
-          <a:p>
-            <a:pPr lvl="2"/>
-            <a:r>
-              <a:rPr/>
-              <a:t>Better for reproducibility</a:t>
-            </a:r>
-          </a:p>
-          <a:p>
-            <a:pPr lvl="2"/>
-            <a:r>
-              <a:rPr/>
-              <a:t>Someone else would just have to replace the source code to run the code on their own computer</a:t>
-            </a:r>
-          </a:p>
-          <a:p>
-            <a:pPr lvl="1">
-              <a:buAutoNum type="arabicPeriod"/>
-            </a:pPr>
-            <a:r>
-              <a:rPr/>
-              <a:t>Connecting to an online database or google spreadsheet</a:t>
-            </a:r>
-          </a:p>
-          <a:p>
-            <a:pPr lvl="2"/>
-            <a:r>
-              <a:rPr/>
-              <a:t>This will only be mentioned in the handout</a:t>
+              <a:t>Common file path problems:</a:t>
+            </a:r>
+          </a:p>
+          <a:p>
+            <a:pPr lvl="1"/>
+            <a:r>
+              <a:rPr/>
+              <a:t>You want to run the same script on a different platform (e.g. Windows –&gt; UNIX), but the path to the data is now different.</a:t>
+            </a:r>
+          </a:p>
+          <a:p>
+            <a:pPr lvl="1"/>
+            <a:r>
+              <a:rPr/>
+              <a:t>You want to be able to easily switch between projects, which live in different directories, without having to change your working directory every time.</a:t>
             </a:r>
           </a:p>
         </p:txBody>
@@ -4510,6 +4440,319 @@
 </file>
 
 <file path=ppt/slides/slide11.xml><?xml version="1.0" encoding="utf-8"?>
+<p:sld xmlns:a="http://schemas.openxmlformats.org/drawingml/2006/main" xmlns:r="http://schemas.openxmlformats.org/officeDocument/2006/relationships" xmlns:p="http://schemas.openxmlformats.org/presentationml/2006/main">
+  <p:cSld>
+    <p:spTree>
+      <p:nvGrpSpPr>
+        <p:cNvPr id="1" name=""/>
+        <p:cNvGrpSpPr/>
+        <p:nvPr/>
+      </p:nvGrpSpPr>
+      <p:grpSpPr>
+        <a:xfrm>
+          <a:off x="0" y="0"/>
+          <a:ext cx="0" cy="0"/>
+          <a:chOff x="0" y="0"/>
+          <a:chExt cx="0" cy="0"/>
+        </a:xfrm>
+      </p:grpSpPr>
+      <p:sp>
+        <p:nvSpPr>
+          <p:cNvPr id="2" name="Title 1">
+            <a:extLst>
+              <a:ext uri="{FF2B5EF4-FFF2-40B4-BE49-F238E27FC236}">
+                <a16:creationId xmlns:a16="http://schemas.microsoft.com/office/drawing/2014/main" id="{5567D468-EE70-CD4E-A3AC-039CC11EF1FB}"/>
+              </a:ext>
+            </a:extLst>
+          </p:cNvPr>
+          <p:cNvSpPr>
+            <a:spLocks noGrp="1"/>
+          </p:cNvSpPr>
+          <p:nvPr>
+            <p:ph type="title"/>
+          </p:nvPr>
+        </p:nvSpPr>
+        <p:spPr/>
+        <p:txBody>
+          <a:bodyPr/>
+          <a:lstStyle/>
+          <a:p>
+            <a:pPr lvl="0" marL="0" indent="0">
+              <a:buNone/>
+            </a:pPr>
+            <a:r>
+              <a:rPr/>
+              <a:t>Brief</a:t>
+            </a:r>
+            <a:r>
+              <a:rPr/>
+              <a:t> </a:t>
+            </a:r>
+            <a:r>
+              <a:rPr/>
+              <a:t>interlude…</a:t>
+            </a:r>
+          </a:p>
+        </p:txBody>
+      </p:sp>
+      <p:sp>
+        <p:nvSpPr>
+          <p:cNvPr id="3" name="Content Placeholder 2">
+            <a:extLst>
+              <a:ext uri="{FF2B5EF4-FFF2-40B4-BE49-F238E27FC236}">
+                <a16:creationId xmlns:a16="http://schemas.microsoft.com/office/drawing/2014/main" id="{D10DDA37-E46B-B641-BC9F-636CB92A2C08}"/>
+              </a:ext>
+            </a:extLst>
+          </p:cNvPr>
+          <p:cNvSpPr>
+            <a:spLocks noGrp="1"/>
+          </p:cNvSpPr>
+          <p:nvPr>
+            <p:ph idx="1"/>
+          </p:nvPr>
+        </p:nvSpPr>
+        <p:spPr/>
+        <p:txBody>
+          <a:bodyPr/>
+          <a:lstStyle/>
+          <a:p>
+            <a:pPr lvl="0" marL="0" indent="0">
+              <a:buNone/>
+            </a:pPr>
+            <a:r>
+              <a:rPr/>
+              <a:t>The answer to this: “Project-oriented workflows”</a:t>
+            </a:r>
+          </a:p>
+          <a:p>
+            <a:pPr lvl="1"/>
+            <a:r>
+              <a:rPr>
+                <a:hlinkClick r:id="rId2"/>
+              </a:rPr>
+              <a:t>What They Forgot to Teach You About R</a:t>
+            </a:r>
+            <a:r>
+              <a:rPr/>
+              <a:t> – see Chapter 2 on Project-oriented workflows.</a:t>
+            </a:r>
+          </a:p>
+          <a:p>
+            <a:pPr lvl="1"/>
+            <a:r>
+              <a:rPr/>
+              <a:t>The package </a:t>
+            </a:r>
+            <a:r>
+              <a:rPr>
+                <a:hlinkClick r:id="rId3"/>
+              </a:rPr>
+              <a:t>here</a:t>
+            </a:r>
+            <a:r>
+              <a:rPr/>
+              <a:t> is an excellent package for making the most of project-oriented workflows.</a:t>
+            </a:r>
+          </a:p>
+          <a:p>
+            <a:pPr lvl="1"/>
+            <a:r>
+              <a:rPr/>
+              <a:t>And for the You-Tubers among you, check out: </a:t>
+            </a:r>
+            <a:r>
+              <a:rPr>
+                <a:hlinkClick r:id="rId4"/>
+              </a:rPr>
+              <a:t>Improve your workflow for reproducible science</a:t>
+            </a:r>
+          </a:p>
+        </p:txBody>
+      </p:sp>
+    </p:spTree>
+  </p:cSld>
+</p:sld>
+</file>
+
+<file path=ppt/slides/slide12.xml><?xml version="1.0" encoding="utf-8"?>
+<p:sld xmlns:a="http://schemas.openxmlformats.org/drawingml/2006/main" xmlns:r="http://schemas.openxmlformats.org/officeDocument/2006/relationships" xmlns:p="http://schemas.openxmlformats.org/presentationml/2006/main">
+  <p:cSld>
+    <p:spTree>
+      <p:nvGrpSpPr>
+        <p:cNvPr id="1" name=""/>
+        <p:cNvGrpSpPr/>
+        <p:nvPr/>
+      </p:nvGrpSpPr>
+      <p:grpSpPr>
+        <a:xfrm>
+          <a:off x="0" y="0"/>
+          <a:ext cx="0" cy="0"/>
+          <a:chOff x="0" y="0"/>
+          <a:chExt cx="0" cy="0"/>
+        </a:xfrm>
+      </p:grpSpPr>
+      <p:sp>
+        <p:nvSpPr>
+          <p:cNvPr id="2" name="Title 1">
+            <a:extLst>
+              <a:ext uri="{FF2B5EF4-FFF2-40B4-BE49-F238E27FC236}">
+                <a16:creationId xmlns:a16="http://schemas.microsoft.com/office/drawing/2014/main" id="{5567D468-EE70-CD4E-A3AC-039CC11EF1FB}"/>
+              </a:ext>
+            </a:extLst>
+          </p:cNvPr>
+          <p:cNvSpPr>
+            <a:spLocks noGrp="1"/>
+          </p:cNvSpPr>
+          <p:nvPr>
+            <p:ph type="title"/>
+          </p:nvPr>
+        </p:nvSpPr>
+        <p:spPr/>
+        <p:txBody>
+          <a:bodyPr/>
+          <a:lstStyle/>
+          <a:p>
+            <a:pPr lvl="0" marL="0" indent="0">
+              <a:buNone/>
+            </a:pPr>
+            <a:r>
+              <a:rPr/>
+              <a:t>Getting</a:t>
+            </a:r>
+            <a:r>
+              <a:rPr/>
+              <a:t> </a:t>
+            </a:r>
+            <a:r>
+              <a:rPr/>
+              <a:t>your</a:t>
+            </a:r>
+            <a:r>
+              <a:rPr/>
+              <a:t> </a:t>
+            </a:r>
+            <a:r>
+              <a:rPr/>
+              <a:t>work</a:t>
+            </a:r>
+            <a:r>
+              <a:rPr/>
+              <a:t> </a:t>
+            </a:r>
+            <a:r>
+              <a:rPr/>
+              <a:t>into</a:t>
+            </a:r>
+            <a:r>
+              <a:rPr/>
+              <a:t> </a:t>
+            </a:r>
+            <a:r>
+              <a:rPr/>
+              <a:t>R</a:t>
+            </a:r>
+          </a:p>
+        </p:txBody>
+      </p:sp>
+      <p:sp>
+        <p:nvSpPr>
+          <p:cNvPr id="3" name="Content Placeholder 2">
+            <a:extLst>
+              <a:ext uri="{FF2B5EF4-FFF2-40B4-BE49-F238E27FC236}">
+                <a16:creationId xmlns:a16="http://schemas.microsoft.com/office/drawing/2014/main" id="{D10DDA37-E46B-B641-BC9F-636CB92A2C08}"/>
+              </a:ext>
+            </a:extLst>
+          </p:cNvPr>
+          <p:cNvSpPr>
+            <a:spLocks noGrp="1"/>
+          </p:cNvSpPr>
+          <p:nvPr>
+            <p:ph idx="1"/>
+          </p:nvPr>
+        </p:nvSpPr>
+        <p:spPr/>
+        <p:txBody>
+          <a:bodyPr/>
+          <a:lstStyle/>
+          <a:p>
+            <a:pPr lvl="0" marL="0" indent="0">
+              <a:buNone/>
+            </a:pPr>
+            <a:r>
+              <a:rPr/>
+              <a:t>There are 3 main methods</a:t>
+            </a:r>
+          </a:p>
+          <a:p>
+            <a:pPr lvl="1">
+              <a:buAutoNum type="arabicPeriod"/>
+            </a:pPr>
+            <a:r>
+              <a:rPr/>
+              <a:t>Point and click</a:t>
+            </a:r>
+          </a:p>
+          <a:p>
+            <a:pPr lvl="2"/>
+            <a:r>
+              <a:rPr/>
+              <a:t>Less fiddly as no need to write code</a:t>
+            </a:r>
+          </a:p>
+          <a:p>
+            <a:pPr lvl="2"/>
+            <a:r>
+              <a:rPr/>
+              <a:t>But not reproducible</a:t>
+            </a:r>
+          </a:p>
+          <a:p>
+            <a:pPr lvl="1">
+              <a:buAutoNum type="arabicPeriod"/>
+            </a:pPr>
+            <a:r>
+              <a:rPr/>
+              <a:t>Using commands</a:t>
+            </a:r>
+          </a:p>
+          <a:p>
+            <a:pPr lvl="2"/>
+            <a:r>
+              <a:rPr/>
+              <a:t>Better for reproducibility</a:t>
+            </a:r>
+          </a:p>
+          <a:p>
+            <a:pPr lvl="2"/>
+            <a:r>
+              <a:rPr/>
+              <a:t>Someone else would just have to replace the source code to run the code on their own computer</a:t>
+            </a:r>
+          </a:p>
+          <a:p>
+            <a:pPr lvl="1">
+              <a:buAutoNum type="arabicPeriod"/>
+            </a:pPr>
+            <a:r>
+              <a:rPr/>
+              <a:t>Connecting to an online database or google spreadsheet</a:t>
+            </a:r>
+          </a:p>
+          <a:p>
+            <a:pPr lvl="2"/>
+            <a:r>
+              <a:rPr/>
+              <a:t>This will only be mentioned in the handout</a:t>
+            </a:r>
+          </a:p>
+        </p:txBody>
+      </p:sp>
+    </p:spTree>
+  </p:cSld>
+</p:sld>
+</file>
+
+<file path=ppt/slides/slide13.xml><?xml version="1.0" encoding="utf-8"?>
 <p:sld xmlns:a="http://schemas.openxmlformats.org/drawingml/2006/main" xmlns:r="http://schemas.openxmlformats.org/officeDocument/2006/relationships" xmlns:p="http://schemas.openxmlformats.org/presentationml/2006/main">
   <p:cSld>
     <p:spTree>
@@ -4675,7 +4918,7 @@
 </p:sld>
 </file>
 
-<file path=ppt/slides/slide12.xml><?xml version="1.0" encoding="utf-8"?>
+<file path=ppt/slides/slide14.xml><?xml version="1.0" encoding="utf-8"?>
 <p:sld xmlns:a="http://schemas.openxmlformats.org/drawingml/2006/main" xmlns:r="http://schemas.openxmlformats.org/officeDocument/2006/relationships" xmlns:p="http://schemas.openxmlformats.org/presentationml/2006/main">
   <p:cSld>
     <p:spTree>
@@ -4762,7 +5005,7 @@
 </p:sld>
 </file>
 
-<file path=ppt/slides/slide13.xml><?xml version="1.0" encoding="utf-8"?>
+<file path=ppt/slides/slide15.xml><?xml version="1.0" encoding="utf-8"?>
 <p:sld xmlns:a="http://schemas.openxmlformats.org/drawingml/2006/main" xmlns:r="http://schemas.openxmlformats.org/officeDocument/2006/relationships" xmlns:p="http://schemas.openxmlformats.org/presentationml/2006/main">
   <p:cSld>
     <p:spTree>
@@ -4913,7 +5156,7 @@
 </p:sld>
 </file>
 
-<file path=ppt/slides/slide14.xml><?xml version="1.0" encoding="utf-8"?>
+<file path=ppt/slides/slide16.xml><?xml version="1.0" encoding="utf-8"?>
 <p:sld xmlns:a="http://schemas.openxmlformats.org/drawingml/2006/main" xmlns:r="http://schemas.openxmlformats.org/officeDocument/2006/relationships" xmlns:p="http://schemas.openxmlformats.org/presentationml/2006/main">
   <p:cSld>
     <p:spTree>
@@ -5078,7 +5321,7 @@
 </p:sld>
 </file>
 
-<file path=ppt/slides/slide15.xml><?xml version="1.0" encoding="utf-8"?>
+<file path=ppt/slides/slide17.xml><?xml version="1.0" encoding="utf-8"?>
 <p:sld xmlns:a="http://schemas.openxmlformats.org/drawingml/2006/main" xmlns:r="http://schemas.openxmlformats.org/officeDocument/2006/relationships" xmlns:p="http://schemas.openxmlformats.org/presentationml/2006/main">
   <p:cSld>
     <p:spTree>
@@ -5263,7 +5506,7 @@
 </p:sld>
 </file>
 
-<file path=ppt/slides/slide16.xml><?xml version="1.0" encoding="utf-8"?>
+<file path=ppt/slides/slide18.xml><?xml version="1.0" encoding="utf-8"?>
 <p:sld xmlns:a="http://schemas.openxmlformats.org/drawingml/2006/main" xmlns:r="http://schemas.openxmlformats.org/officeDocument/2006/relationships" xmlns:p="http://schemas.openxmlformats.org/presentationml/2006/main">
   <p:cSld>
     <p:spTree>
@@ -5449,7 +5692,7 @@
 </p:sld>
 </file>
 
-<file path=ppt/slides/slide17.xml><?xml version="1.0" encoding="utf-8"?>
+<file path=ppt/slides/slide19.xml><?xml version="1.0" encoding="utf-8"?>
 <p:sld xmlns:a="http://schemas.openxmlformats.org/drawingml/2006/main" xmlns:r="http://schemas.openxmlformats.org/officeDocument/2006/relationships" xmlns:p="http://schemas.openxmlformats.org/presentationml/2006/main">
   <p:cSld>
     <p:spTree>
@@ -5809,341 +6052,6 @@
             <a:r>
               <a:rPr/>
               <a:t>vector.</a:t>
-            </a:r>
-          </a:p>
-        </p:txBody>
-      </p:sp>
-    </p:spTree>
-  </p:cSld>
-</p:sld>
-</file>
-
-<file path=ppt/slides/slide18.xml><?xml version="1.0" encoding="utf-8"?>
-<p:sld xmlns:a="http://schemas.openxmlformats.org/drawingml/2006/main" xmlns:r="http://schemas.openxmlformats.org/officeDocument/2006/relationships" xmlns:p="http://schemas.openxmlformats.org/presentationml/2006/main">
-  <p:cSld>
-    <p:spTree>
-      <p:nvGrpSpPr>
-        <p:cNvPr id="1" name=""/>
-        <p:cNvGrpSpPr/>
-        <p:nvPr/>
-      </p:nvGrpSpPr>
-      <p:grpSpPr>
-        <a:xfrm>
-          <a:off x="0" y="0"/>
-          <a:ext cx="0" cy="0"/>
-          <a:chOff x="0" y="0"/>
-          <a:chExt cx="0" cy="0"/>
-        </a:xfrm>
-      </p:grpSpPr>
-      <p:sp>
-        <p:nvSpPr>
-          <p:cNvPr id="2" name="Title 1">
-            <a:extLst>
-              <a:ext uri="{FF2B5EF4-FFF2-40B4-BE49-F238E27FC236}">
-                <a16:creationId xmlns:a16="http://schemas.microsoft.com/office/drawing/2014/main" id="{0CF11FE2-61CD-2E40-A43A-EED9A845FF8A}"/>
-              </a:ext>
-            </a:extLst>
-          </p:cNvPr>
-          <p:cNvSpPr>
-            <a:spLocks noGrp="1"/>
-          </p:cNvSpPr>
-          <p:nvPr>
-            <p:ph type="title"/>
-          </p:nvPr>
-        </p:nvSpPr>
-        <p:spPr/>
-        <p:txBody>
-          <a:bodyPr/>
-          <a:lstStyle/>
-          <a:p>
-            <a:pPr lvl="0" marL="0" indent="0">
-              <a:buNone/>
-            </a:pPr>
-            <a:r>
-              <a:rPr/>
-              <a:t>Viewing</a:t>
-            </a:r>
-            <a:r>
-              <a:rPr/>
-              <a:t> </a:t>
-            </a:r>
-            <a:r>
-              <a:rPr/>
-              <a:t>your</a:t>
-            </a:r>
-            <a:r>
-              <a:rPr/>
-              <a:t> </a:t>
-            </a:r>
-            <a:r>
-              <a:rPr/>
-              <a:t>data</a:t>
-            </a:r>
-            <a:r>
-              <a:rPr/>
-              <a:t> </a:t>
-            </a:r>
-            <a:r>
-              <a:rPr/>
-              <a:t>in</a:t>
-            </a:r>
-            <a:r>
-              <a:rPr/>
-              <a:t> </a:t>
-            </a:r>
-            <a:r>
-              <a:rPr/>
-              <a:t>R</a:t>
-            </a:r>
-          </a:p>
-        </p:txBody>
-      </p:sp>
-      <p:sp>
-        <p:nvSpPr>
-          <p:cNvPr id="3" name="Content Placeholder 2">
-            <a:extLst>
-              <a:ext uri="{FF2B5EF4-FFF2-40B4-BE49-F238E27FC236}">
-                <a16:creationId xmlns:a16="http://schemas.microsoft.com/office/drawing/2014/main" id="{C1CB83AA-6B3D-8243-8929-B2C82ECF02B5}"/>
-              </a:ext>
-            </a:extLst>
-          </p:cNvPr>
-          <p:cNvSpPr>
-            <a:spLocks noGrp="1"/>
-          </p:cNvSpPr>
-          <p:nvPr>
-            <p:ph sz="half" idx="1"/>
-          </p:nvPr>
-        </p:nvSpPr>
-        <p:spPr/>
-        <p:txBody>
-          <a:bodyPr/>
-          <a:lstStyle/>
-          <a:p>
-            <a:pPr lvl="1"/>
-            <a:r>
-              <a:rPr/>
-              <a:t>You have imported your data into R.</a:t>
-            </a:r>
-          </a:p>
-          <a:p>
-            <a:pPr lvl="1"/>
-            <a:r>
-              <a:rPr/>
-              <a:t>You need a neat way of looking at it.</a:t>
-            </a:r>
-          </a:p>
-          <a:p>
-            <a:pPr lvl="0" marL="1270000" indent="0">
-              <a:buNone/>
-            </a:pPr>
-            <a:r>
-              <a:rPr sz="1800" b="1">
-                <a:solidFill>
-                  <a:srgbClr val="007020"/>
-                </a:solidFill>
-                <a:latin typeface="Courier"/>
-              </a:rPr>
-              <a:t>View</a:t>
-            </a:r>
-            <a:r>
-              <a:rPr sz="1800">
-                <a:latin typeface="Courier"/>
-              </a:rPr>
-              <a:t>(cchic)</a:t>
-            </a:r>
-          </a:p>
-          <a:p>
-            <a:pPr lvl="1"/>
-            <a:r>
-              <a:rPr/>
-              <a:t>The data is displayed in a familiar spreadsheet format.</a:t>
-            </a:r>
-          </a:p>
-          <a:p>
-            <a:pPr lvl="2"/>
-            <a:r>
-              <a:rPr/>
-              <a:t>This is a more human-legible table.</a:t>
-            </a:r>
-            <a:br/>
-          </a:p>
-          <a:p>
-            <a:pPr lvl="2"/>
-            <a:r>
-              <a:rPr/>
-              <a:t>You can also view the data via the environment pane.</a:t>
-            </a:r>
-          </a:p>
-        </p:txBody>
-      </p:sp>
-      <p:pic>
-        <p:nvPicPr>
-          <p:cNvPr descr="../Images/View(cchic).png" id="0" name="Picture 1"/>
-          <p:cNvPicPr>
-            <a:picLocks noGrp="1" noChangeAspect="1"/>
-          </p:cNvPicPr>
-          <p:nvPr/>
-        </p:nvPicPr>
-        <p:blipFill>
-          <a:blip r:embed="rId2"/>
-          <a:stretch>
-            <a:fillRect/>
-          </a:stretch>
-        </p:blipFill>
-        <p:spPr bwMode="auto">
-          <a:xfrm>
-            <a:off x="6172200" y="2514600"/>
-            <a:ext cx="5181600" cy="2959100"/>
-          </a:xfrm>
-          <a:prstGeom prst="rect">
-            <a:avLst/>
-          </a:prstGeom>
-          <a:noFill/>
-          <a:ln w="9525">
-            <a:noFill/>
-            <a:headEnd/>
-            <a:tailEnd/>
-          </a:ln>
-        </p:spPr>
-      </p:pic>
-    </p:spTree>
-  </p:cSld>
-</p:sld>
-</file>
-
-<file path=ppt/slides/slide19.xml><?xml version="1.0" encoding="utf-8"?>
-<p:sld xmlns:a="http://schemas.openxmlformats.org/drawingml/2006/main" xmlns:r="http://schemas.openxmlformats.org/officeDocument/2006/relationships" xmlns:p="http://schemas.openxmlformats.org/presentationml/2006/main">
-  <p:cSld>
-    <p:spTree>
-      <p:nvGrpSpPr>
-        <p:cNvPr id="1" name=""/>
-        <p:cNvGrpSpPr/>
-        <p:nvPr/>
-      </p:nvGrpSpPr>
-      <p:grpSpPr>
-        <a:xfrm>
-          <a:off x="0" y="0"/>
-          <a:ext cx="0" cy="0"/>
-          <a:chOff x="0" y="0"/>
-          <a:chExt cx="0" cy="0"/>
-        </a:xfrm>
-      </p:grpSpPr>
-      <p:sp>
-        <p:nvSpPr>
-          <p:cNvPr id="2" name="Title 1">
-            <a:extLst>
-              <a:ext uri="{FF2B5EF4-FFF2-40B4-BE49-F238E27FC236}">
-                <a16:creationId xmlns:a16="http://schemas.microsoft.com/office/drawing/2014/main" id="{5567D468-EE70-CD4E-A3AC-039CC11EF1FB}"/>
-              </a:ext>
-            </a:extLst>
-          </p:cNvPr>
-          <p:cNvSpPr>
-            <a:spLocks noGrp="1"/>
-          </p:cNvSpPr>
-          <p:nvPr>
-            <p:ph type="title"/>
-          </p:nvPr>
-        </p:nvSpPr>
-        <p:spPr/>
-        <p:txBody>
-          <a:bodyPr/>
-          <a:lstStyle/>
-          <a:p>
-            <a:pPr lvl="0" marL="0" indent="0">
-              <a:buNone/>
-            </a:pPr>
-            <a:r>
-              <a:rPr/>
-              <a:t>Shortcuts</a:t>
-            </a:r>
-          </a:p>
-        </p:txBody>
-      </p:sp>
-      <p:sp>
-        <p:nvSpPr>
-          <p:cNvPr id="3" name="Content Placeholder 2">
-            <a:extLst>
-              <a:ext uri="{FF2B5EF4-FFF2-40B4-BE49-F238E27FC236}">
-                <a16:creationId xmlns:a16="http://schemas.microsoft.com/office/drawing/2014/main" id="{D10DDA37-E46B-B641-BC9F-636CB92A2C08}"/>
-              </a:ext>
-            </a:extLst>
-          </p:cNvPr>
-          <p:cNvSpPr>
-            <a:spLocks noGrp="1"/>
-          </p:cNvSpPr>
-          <p:nvPr>
-            <p:ph idx="1"/>
-          </p:nvPr>
-        </p:nvSpPr>
-        <p:spPr/>
-        <p:txBody>
-          <a:bodyPr/>
-          <a:lstStyle/>
-          <a:p>
-            <a:pPr lvl="1"/>
-            <a:r>
-              <a:rPr/>
-              <a:t>There are notations to shorten the code for the file path.</a:t>
-            </a:r>
-            <a:br/>
-          </a:p>
-          <a:p>
-            <a:pPr lvl="1"/>
-            <a:r>
-              <a:rPr/>
-              <a:t>Use single dot for a file within current working directory.</a:t>
-            </a:r>
-          </a:p>
-          <a:p>
-            <a:pPr lvl="1"/>
-            <a:r>
-              <a:rPr/>
-              <a:t>Use double dot </a:t>
-            </a:r>
-            <a:r>
-              <a:rPr sz="1800">
-                <a:latin typeface="Courier"/>
-              </a:rPr>
-              <a:t>..</a:t>
-            </a:r>
-            <a:r>
-              <a:rPr/>
-              <a:t> for a file in the directory above the current working directory.</a:t>
-            </a:r>
-          </a:p>
-          <a:p>
-            <a:pPr lvl="0" marL="1270000" indent="0">
-              <a:buNone/>
-            </a:pPr>
-            <a:r>
-              <a:rPr sz="1800" b="1">
-                <a:solidFill>
-                  <a:srgbClr val="007020"/>
-                </a:solidFill>
-                <a:latin typeface="Courier"/>
-              </a:rPr>
-              <a:t>read_csv</a:t>
-            </a:r>
-            <a:r>
-              <a:rPr sz="1800">
-                <a:latin typeface="Courier"/>
-              </a:rPr>
-              <a:t>(</a:t>
-            </a:r>
-            <a:r>
-              <a:rPr sz="1800">
-                <a:solidFill>
-                  <a:srgbClr val="4070A0"/>
-                </a:solidFill>
-                <a:latin typeface="Courier"/>
-              </a:rPr>
-              <a:t>"../clean_CCHIC.csv"</a:t>
-            </a:r>
-            <a:r>
-              <a:rPr sz="1800">
-                <a:latin typeface="Courier"/>
-              </a:rPr>
-              <a:t>)</a:t>
             </a:r>
           </a:p>
         </p:txBody>
@@ -6227,7 +6135,7 @@
           <p:cNvPr id="2" name="Title 1">
             <a:extLst>
               <a:ext uri="{FF2B5EF4-FFF2-40B4-BE49-F238E27FC236}">
-                <a16:creationId xmlns:a16="http://schemas.microsoft.com/office/drawing/2014/main" id="{5567D468-EE70-CD4E-A3AC-039CC11EF1FB}"/>
+                <a16:creationId xmlns:a16="http://schemas.microsoft.com/office/drawing/2014/main" id="{0CF11FE2-61CD-2E40-A43A-EED9A845FF8A}"/>
               </a:ext>
             </a:extLst>
           </p:cNvPr>
@@ -6248,7 +6156,7 @@
             </a:pPr>
             <a:r>
               <a:rPr/>
-              <a:t>Reviewing</a:t>
+              <a:t>Viewing</a:t>
             </a:r>
             <a:r>
               <a:rPr/>
@@ -6290,80 +6198,109 @@
           <p:cNvPr id="3" name="Content Placeholder 2">
             <a:extLst>
               <a:ext uri="{FF2B5EF4-FFF2-40B4-BE49-F238E27FC236}">
-                <a16:creationId xmlns:a16="http://schemas.microsoft.com/office/drawing/2014/main" id="{D10DDA37-E46B-B641-BC9F-636CB92A2C08}"/>
-              </a:ext>
-            </a:extLst>
-          </p:cNvPr>
-          <p:cNvSpPr>
-            <a:spLocks noGrp="1"/>
-          </p:cNvSpPr>
-          <p:nvPr>
-            <p:ph idx="1"/>
-          </p:nvPr>
-        </p:nvSpPr>
-        <p:spPr/>
-        <p:txBody>
-          <a:bodyPr/>
-          <a:lstStyle/>
-          <a:p>
-            <a:pPr lvl="0" marL="0" indent="0">
+                <a16:creationId xmlns:a16="http://schemas.microsoft.com/office/drawing/2014/main" id="{C1CB83AA-6B3D-8243-8929-B2C82ECF02B5}"/>
+              </a:ext>
+            </a:extLst>
+          </p:cNvPr>
+          <p:cNvSpPr>
+            <a:spLocks noGrp="1"/>
+          </p:cNvSpPr>
+          <p:nvPr>
+            <p:ph sz="half" idx="1"/>
+          </p:nvPr>
+        </p:nvSpPr>
+        <p:spPr/>
+        <p:txBody>
+          <a:bodyPr/>
+          <a:lstStyle/>
+          <a:p>
+            <a:pPr lvl="1"/>
+            <a:r>
+              <a:rPr/>
+              <a:t>You have imported your data into R.</a:t>
+            </a:r>
+          </a:p>
+          <a:p>
+            <a:pPr lvl="1"/>
+            <a:r>
+              <a:rPr/>
+              <a:t>You need a neat way of looking at it.</a:t>
+            </a:r>
+          </a:p>
+          <a:p>
+            <a:pPr lvl="0" marL="1270000" indent="0">
               <a:buNone/>
             </a:pPr>
             <a:r>
-              <a:rPr/>
-              <a:t>Spreadsheets in R are called data frames You can use these functions to investigate your data frame:</a:t>
+              <a:rPr sz="1800" b="1">
+                <a:solidFill>
+                  <a:srgbClr val="007020"/>
+                </a:solidFill>
+                <a:latin typeface="Courier"/>
+              </a:rPr>
+              <a:t>View</a:t>
+            </a:r>
+            <a:r>
+              <a:rPr sz="1800">
+                <a:latin typeface="Courier"/>
+              </a:rPr>
+              <a:t>(cchic)</a:t>
             </a:r>
           </a:p>
           <a:p>
             <a:pPr lvl="1"/>
             <a:r>
-              <a:rPr sz="1800">
-                <a:latin typeface="Courier"/>
-              </a:rPr>
-              <a:t>head(cchic)</a:t>
+              <a:rPr/>
+              <a:t>The data is displayed in a familiar spreadsheet format.</a:t>
+            </a:r>
+          </a:p>
+          <a:p>
+            <a:pPr lvl="2"/>
+            <a:r>
+              <a:rPr/>
+              <a:t>This is a more human-legible table.</a:t>
             </a:r>
             <a:br/>
           </a:p>
           <a:p>
-            <a:pPr lvl="1"/>
-            <a:r>
-              <a:rPr sz="1800">
-                <a:latin typeface="Courier"/>
-              </a:rPr>
-              <a:t>tail(cchic)</a:t>
-            </a:r>
-            <a:br/>
-          </a:p>
-          <a:p>
-            <a:pPr lvl="1"/>
-            <a:r>
-              <a:rPr sz="1800">
-                <a:latin typeface="Courier"/>
-              </a:rPr>
-              <a:t>names(cchic)</a:t>
-            </a:r>
-            <a:br/>
-          </a:p>
-          <a:p>
-            <a:pPr lvl="1"/>
-            <a:r>
-              <a:rPr sz="1800">
-                <a:latin typeface="Courier"/>
-              </a:rPr>
-              <a:t>class(cchic)</a:t>
-            </a:r>
-          </a:p>
-          <a:p>
-            <a:pPr lvl="1"/>
-            <a:r>
-              <a:rPr sz="1800">
-                <a:latin typeface="Courier"/>
-              </a:rPr>
-              <a:t>str(cchic)</a:t>
-            </a:r>
-          </a:p>
-        </p:txBody>
-      </p:sp>
+            <a:pPr lvl="2"/>
+            <a:r>
+              <a:rPr/>
+              <a:t>You can also view the data via the environment pane.</a:t>
+            </a:r>
+          </a:p>
+        </p:txBody>
+      </p:sp>
+      <p:pic>
+        <p:nvPicPr>
+          <p:cNvPr descr="../Images/View(cchic).png" id="0" name="Picture 1"/>
+          <p:cNvPicPr>
+            <a:picLocks noGrp="1" noChangeAspect="1"/>
+          </p:cNvPicPr>
+          <p:nvPr/>
+        </p:nvPicPr>
+        <p:blipFill>
+          <a:blip r:embed="rId2"/>
+          <a:stretch>
+            <a:fillRect/>
+          </a:stretch>
+        </p:blipFill>
+        <p:spPr bwMode="auto">
+          <a:xfrm>
+            <a:off x="6172200" y="2514600"/>
+            <a:ext cx="5181600" cy="2959100"/>
+          </a:xfrm>
+          <a:prstGeom prst="rect">
+            <a:avLst/>
+          </a:prstGeom>
+          <a:noFill/>
+          <a:ln w="9525">
+            <a:noFill/>
+            <a:headEnd/>
+            <a:tailEnd/>
+          </a:ln>
+        </p:spPr>
+      </p:pic>
     </p:spTree>
   </p:cSld>
 </p:sld>
@@ -6412,7 +6349,7 @@
             </a:pPr>
             <a:r>
               <a:rPr/>
-              <a:t>head()</a:t>
+              <a:t>Shortcuts</a:t>
             </a:r>
           </a:p>
         </p:txBody>
@@ -6437,6 +6374,38 @@
         <p:txBody>
           <a:bodyPr/>
           <a:lstStyle/>
+          <a:p>
+            <a:pPr lvl="1"/>
+            <a:r>
+              <a:rPr/>
+              <a:t>There are notations to shorten the code for the file path.</a:t>
+            </a:r>
+            <a:br/>
+          </a:p>
+          <a:p>
+            <a:pPr lvl="1"/>
+            <a:r>
+              <a:rPr/>
+              <a:t>Use single dot for a file within current working directory.</a:t>
+            </a:r>
+          </a:p>
+          <a:p>
+            <a:pPr lvl="1"/>
+            <a:r>
+              <a:rPr/>
+              <a:t>Use double dot </a:t>
+            </a:r>
+            <a:r>
+              <a:rPr sz="1800">
+                <a:latin typeface="Courier"/>
+              </a:rPr>
+              <a:t>..</a:t>
+            </a:r>
+            <a:r>
+              <a:rPr/>
+              <a:t> for a file in the directory above the current working directory.</a:t>
+            </a:r>
+          </a:p>
           <a:p>
             <a:pPr lvl="0" marL="1270000" indent="0">
               <a:buNone/>
@@ -6448,22 +6417,28 @@
                 </a:solidFill>
                 <a:latin typeface="Courier"/>
               </a:rPr>
-              <a:t>head</a:t>
+              <a:t>read_csv</a:t>
             </a:r>
             <a:r>
               <a:rPr sz="1800">
                 <a:latin typeface="Courier"/>
               </a:rPr>
-              <a:t>(cchic)</a:t>
-            </a:r>
-          </a:p>
-          <a:p>
-            <a:pPr lvl="0" marL="0" indent="0">
-              <a:buNone/>
-            </a:pPr>
-            <a:r>
-              <a:rPr/>
-              <a:t>Prints the first 6 rows of the data frame.</a:t>
+              <a:t>(</a:t>
+            </a:r>
+            <a:r>
+              <a:rPr sz="1800">
+                <a:solidFill>
+                  <a:srgbClr val="4070A0"/>
+                </a:solidFill>
+                <a:latin typeface="Courier"/>
+              </a:rPr>
+              <a:t>"../clean_CCHIC.csv"</a:t>
+            </a:r>
+            <a:r>
+              <a:rPr sz="1800">
+                <a:latin typeface="Courier"/>
+              </a:rPr>
+              <a:t>)</a:t>
             </a:r>
           </a:p>
         </p:txBody>
@@ -6516,7 +6491,39 @@
             </a:pPr>
             <a:r>
               <a:rPr/>
-              <a:t>tail()</a:t>
+              <a:t>Reviewing</a:t>
+            </a:r>
+            <a:r>
+              <a:rPr/>
+              <a:t> </a:t>
+            </a:r>
+            <a:r>
+              <a:rPr/>
+              <a:t>your</a:t>
+            </a:r>
+            <a:r>
+              <a:rPr/>
+              <a:t> </a:t>
+            </a:r>
+            <a:r>
+              <a:rPr/>
+              <a:t>data</a:t>
+            </a:r>
+            <a:r>
+              <a:rPr/>
+              <a:t> </a:t>
+            </a:r>
+            <a:r>
+              <a:rPr/>
+              <a:t>in</a:t>
+            </a:r>
+            <a:r>
+              <a:rPr/>
+              <a:t> </a:t>
+            </a:r>
+            <a:r>
+              <a:rPr/>
+              <a:t>R</a:t>
             </a:r>
           </a:p>
         </p:txBody>
@@ -6542,32 +6549,60 @@
           <a:bodyPr/>
           <a:lstStyle/>
           <a:p>
-            <a:pPr lvl="0" marL="1270000" indent="0">
+            <a:pPr lvl="0" marL="0" indent="0">
               <a:buNone/>
             </a:pPr>
             <a:r>
-              <a:rPr sz="1800" b="1">
-                <a:solidFill>
-                  <a:srgbClr val="007020"/>
-                </a:solidFill>
-                <a:latin typeface="Courier"/>
-              </a:rPr>
-              <a:t>tail</a:t>
-            </a:r>
+              <a:rPr/>
+              <a:t>Spreadsheets in R are called data frames You can use these functions to investigate your data frame:</a:t>
+            </a:r>
+          </a:p>
+          <a:p>
+            <a:pPr lvl="1"/>
             <a:r>
               <a:rPr sz="1800">
                 <a:latin typeface="Courier"/>
               </a:rPr>
-              <a:t>(cchic)</a:t>
-            </a:r>
-          </a:p>
-          <a:p>
-            <a:pPr lvl="0" marL="0" indent="0">
-              <a:buNone/>
-            </a:pPr>
-            <a:r>
-              <a:rPr/>
-              <a:t>Prints the last 6 rows of the data frame.</a:t>
+              <a:t>head(cchic)</a:t>
+            </a:r>
+            <a:br/>
+          </a:p>
+          <a:p>
+            <a:pPr lvl="1"/>
+            <a:r>
+              <a:rPr sz="1800">
+                <a:latin typeface="Courier"/>
+              </a:rPr>
+              <a:t>tail(cchic)</a:t>
+            </a:r>
+            <a:br/>
+          </a:p>
+          <a:p>
+            <a:pPr lvl="1"/>
+            <a:r>
+              <a:rPr sz="1800">
+                <a:latin typeface="Courier"/>
+              </a:rPr>
+              <a:t>names(cchic)</a:t>
+            </a:r>
+            <a:br/>
+          </a:p>
+          <a:p>
+            <a:pPr lvl="1"/>
+            <a:r>
+              <a:rPr sz="1800">
+                <a:latin typeface="Courier"/>
+              </a:rPr>
+              <a:t>class(cchic)</a:t>
+            </a:r>
+          </a:p>
+          <a:p>
+            <a:pPr lvl="1"/>
+            <a:r>
+              <a:rPr sz="1800">
+                <a:latin typeface="Courier"/>
+              </a:rPr>
+              <a:t>str(cchic)</a:t>
             </a:r>
           </a:p>
         </p:txBody>
@@ -6620,7 +6655,7 @@
             </a:pPr>
             <a:r>
               <a:rPr/>
-              <a:t>names()</a:t>
+              <a:t>head()</a:t>
             </a:r>
           </a:p>
         </p:txBody>
@@ -6656,7 +6691,7 @@
                 </a:solidFill>
                 <a:latin typeface="Courier"/>
               </a:rPr>
-              <a:t>names</a:t>
+              <a:t>head</a:t>
             </a:r>
             <a:r>
               <a:rPr sz="1800">
@@ -6671,7 +6706,7 @@
             </a:pPr>
             <a:r>
               <a:rPr/>
-              <a:t>Prints the names of the variables.</a:t>
+              <a:t>Prints the first 6 rows of the data frame.</a:t>
             </a:r>
           </a:p>
         </p:txBody>
@@ -6724,7 +6759,7 @@
             </a:pPr>
             <a:r>
               <a:rPr/>
-              <a:t>class()</a:t>
+              <a:t>tail()</a:t>
             </a:r>
           </a:p>
         </p:txBody>
@@ -6760,7 +6795,7 @@
                 </a:solidFill>
                 <a:latin typeface="Courier"/>
               </a:rPr>
-              <a:t>class</a:t>
+              <a:t>tail</a:t>
             </a:r>
             <a:r>
               <a:rPr sz="1800">
@@ -6775,17 +6810,7 @@
             </a:pPr>
             <a:r>
               <a:rPr/>
-              <a:t>Prints the class of the object </a:t>
-            </a:r>
-            <a:r>
-              <a:rPr sz="1800">
-                <a:latin typeface="Courier"/>
-              </a:rPr>
-              <a:t>cchic</a:t>
-            </a:r>
-            <a:r>
-              <a:rPr/>
-              <a:t>.</a:t>
+              <a:t>Prints the last 6 rows of the data frame.</a:t>
             </a:r>
           </a:p>
         </p:txBody>
@@ -6838,7 +6863,7 @@
             </a:pPr>
             <a:r>
               <a:rPr/>
-              <a:t>str()</a:t>
+              <a:t>names()</a:t>
             </a:r>
           </a:p>
         </p:txBody>
@@ -6874,7 +6899,7 @@
                 </a:solidFill>
                 <a:latin typeface="Courier"/>
               </a:rPr>
-              <a:t>str</a:t>
+              <a:t>names</a:t>
             </a:r>
             <a:r>
               <a:rPr sz="1800">
@@ -6889,17 +6914,7 @@
             </a:pPr>
             <a:r>
               <a:rPr/>
-              <a:t>Prints the data type of each variable in </a:t>
-            </a:r>
-            <a:r>
-              <a:rPr sz="1800">
-                <a:latin typeface="Courier"/>
-              </a:rPr>
-              <a:t>cchic</a:t>
-            </a:r>
-            <a:r>
-              <a:rPr/>
-              <a:t>.</a:t>
+              <a:t>Prints the names of the variables.</a:t>
             </a:r>
           </a:p>
         </p:txBody>
@@ -6952,31 +6967,7 @@
             </a:pPr>
             <a:r>
               <a:rPr/>
-              <a:t>Look</a:t>
-            </a:r>
-            <a:r>
-              <a:rPr/>
-              <a:t> </a:t>
-            </a:r>
-            <a:r>
-              <a:rPr/>
-              <a:t>at</a:t>
-            </a:r>
-            <a:r>
-              <a:rPr/>
-              <a:t> </a:t>
-            </a:r>
-            <a:r>
-              <a:rPr/>
-              <a:t>specific</a:t>
-            </a:r>
-            <a:r>
-              <a:rPr/>
-              <a:t> </a:t>
-            </a:r>
-            <a:r>
-              <a:rPr/>
-              <a:t>items</a:t>
+              <a:t>class()</a:t>
             </a:r>
           </a:p>
         </p:txBody>
@@ -7002,76 +6993,42 @@
           <a:bodyPr/>
           <a:lstStyle/>
           <a:p>
+            <a:pPr lvl="0" marL="1270000" indent="0">
+              <a:buNone/>
+            </a:pPr>
+            <a:r>
+              <a:rPr sz="1800" b="1">
+                <a:solidFill>
+                  <a:srgbClr val="007020"/>
+                </a:solidFill>
+                <a:latin typeface="Courier"/>
+              </a:rPr>
+              <a:t>class</a:t>
+            </a:r>
+            <a:r>
+              <a:rPr sz="1800">
+                <a:latin typeface="Courier"/>
+              </a:rPr>
+              <a:t>(cchic)</a:t>
+            </a:r>
+          </a:p>
+          <a:p>
             <a:pPr lvl="0" marL="0" indent="0">
               <a:buNone/>
             </a:pPr>
             <a:r>
               <a:rPr/>
-              <a:t>You can look at specific data points.</a:t>
-            </a:r>
-          </a:p>
-          <a:p>
-            <a:pPr lvl="0" marL="1270000" indent="0">
-              <a:buNone/>
-            </a:pPr>
+              <a:t>Prints the class of the object </a:t>
+            </a:r>
             <a:r>
               <a:rPr sz="1800">
                 <a:latin typeface="Courier"/>
               </a:rPr>
-              <a:t>cchic[</a:t>
-            </a:r>
-            <a:r>
-              <a:rPr sz="1800">
-                <a:solidFill>
-                  <a:srgbClr val="40A070"/>
-                </a:solidFill>
-                <a:latin typeface="Courier"/>
-              </a:rPr>
-              <a:t>21</a:t>
-            </a:r>
-            <a:r>
-              <a:rPr sz="1800">
-                <a:latin typeface="Courier"/>
-              </a:rPr>
-              <a:t>, </a:t>
-            </a:r>
-            <a:r>
-              <a:rPr sz="1800">
-                <a:solidFill>
-                  <a:srgbClr val="40A070"/>
-                </a:solidFill>
-                <a:latin typeface="Courier"/>
-              </a:rPr>
-              <a:t>5</a:t>
-            </a:r>
-            <a:r>
-              <a:rPr sz="1800">
-                <a:latin typeface="Courier"/>
-              </a:rPr>
-              <a:t>]</a:t>
-            </a:r>
-          </a:p>
-          <a:p>
-            <a:pPr lvl="0" marL="1270000" indent="0">
-              <a:buNone/>
-            </a:pPr>
-            <a:r>
-              <a:rPr sz="1800">
-                <a:latin typeface="Courier"/>
-              </a:rPr>
-              <a:t>## # A tibble: 1 x 1
-##   temp_nc
-##     &lt;dbl&gt;
-## 1    36.1</a:t>
-            </a:r>
-          </a:p>
-          <a:p>
-            <a:pPr lvl="0" marL="0" indent="0">
-              <a:buNone/>
-            </a:pPr>
-            <a:r>
-              <a:rPr/>
-              <a:t>This displays the the piece of data in the 21st row and 5th column.</a:t>
+              <a:t>cchic</a:t>
+            </a:r>
+            <a:r>
+              <a:rPr/>
+              <a:t>.</a:t>
             </a:r>
           </a:p>
         </p:txBody>
@@ -7124,39 +7081,7 @@
             </a:pPr>
             <a:r>
               <a:rPr/>
-              <a:t>Selecting</a:t>
-            </a:r>
-            <a:r>
-              <a:rPr/>
-              <a:t> </a:t>
-            </a:r>
-            <a:r>
-              <a:rPr/>
-              <a:t>variables</a:t>
-            </a:r>
-            <a:r>
-              <a:rPr/>
-              <a:t> </a:t>
-            </a:r>
-            <a:r>
-              <a:rPr/>
-              <a:t>using</a:t>
-            </a:r>
-            <a:r>
-              <a:rPr/>
-              <a:t> </a:t>
-            </a:r>
-            <a:r>
-              <a:rPr/>
-              <a:t>$</a:t>
-            </a:r>
-            <a:r>
-              <a:rPr/>
-              <a:t> </a:t>
-            </a:r>
-            <a:r>
-              <a:rPr/>
-              <a:t>sign</a:t>
+              <a:t>str()</a:t>
             </a:r>
           </a:p>
         </p:txBody>
@@ -7182,66 +7107,42 @@
           <a:bodyPr/>
           <a:lstStyle/>
           <a:p>
-            <a:pPr lvl="1"/>
-            <a:r>
-              <a:rPr/>
-              <a:t>You can also use the </a:t>
+            <a:pPr lvl="0" marL="1270000" indent="0">
+              <a:buNone/>
+            </a:pPr>
+            <a:r>
+              <a:rPr sz="1800" b="1">
+                <a:solidFill>
+                  <a:srgbClr val="007020"/>
+                </a:solidFill>
+                <a:latin typeface="Courier"/>
+              </a:rPr>
+              <a:t>str</a:t>
             </a:r>
             <a:r>
               <a:rPr sz="1800">
                 <a:latin typeface="Courier"/>
               </a:rPr>
-              <a:t>$</a:t>
-            </a:r>
-            <a:r>
-              <a:rPr/>
-              <a:t> function.</a:t>
-            </a:r>
-          </a:p>
-          <a:p>
-            <a:pPr lvl="1"/>
-            <a:r>
-              <a:rPr/>
-              <a:t>Enter </a:t>
+              <a:t>(cchic)</a:t>
+            </a:r>
+          </a:p>
+          <a:p>
+            <a:pPr lvl="0" marL="0" indent="0">
+              <a:buNone/>
+            </a:pPr>
+            <a:r>
+              <a:rPr/>
+              <a:t>Prints the data type of each variable in </a:t>
             </a:r>
             <a:r>
               <a:rPr sz="1800">
                 <a:latin typeface="Courier"/>
               </a:rPr>
-              <a:t>data_frame_name$variable_name</a:t>
-            </a:r>
-          </a:p>
-          <a:p>
-            <a:pPr lvl="0" marL="1270000" indent="0">
-              <a:buNone/>
-            </a:pPr>
-            <a:r>
-              <a:rPr sz="1800">
-                <a:latin typeface="Courier"/>
-              </a:rPr>
               <a:t>cchic</a:t>
             </a:r>
             <a:r>
-              <a:rPr sz="1800">
-                <a:solidFill>
-                  <a:srgbClr val="666666"/>
-                </a:solidFill>
-                <a:latin typeface="Courier"/>
-              </a:rPr>
-              <a:t>$</a:t>
-            </a:r>
-            <a:r>
-              <a:rPr sz="1800">
-                <a:latin typeface="Courier"/>
-              </a:rPr>
-              <a:t>weight</a:t>
-            </a:r>
-          </a:p>
-          <a:p>
-            <a:pPr lvl="1"/>
-            <a:r>
-              <a:rPr/>
-              <a:t>This will list all of the data in the weight column.</a:t>
+              <a:rPr/>
+              <a:t>.</a:t>
             </a:r>
           </a:p>
         </p:txBody>
@@ -7294,39 +7195,31 @@
             </a:pPr>
             <a:r>
               <a:rPr/>
-              <a:t>Other</a:t>
-            </a:r>
-            <a:r>
-              <a:rPr/>
-              <a:t> </a:t>
-            </a:r>
-            <a:r>
-              <a:rPr/>
-              <a:t>tools</a:t>
-            </a:r>
-            <a:r>
-              <a:rPr/>
-              <a:t> </a:t>
-            </a:r>
-            <a:r>
-              <a:rPr/>
-              <a:t>to</a:t>
-            </a:r>
-            <a:r>
-              <a:rPr/>
-              <a:t> </a:t>
-            </a:r>
-            <a:r>
-              <a:rPr/>
-              <a:t>review</a:t>
-            </a:r>
-            <a:r>
-              <a:rPr/>
-              <a:t> </a:t>
-            </a:r>
-            <a:r>
-              <a:rPr/>
-              <a:t>data</a:t>
+              <a:t>Look</a:t>
+            </a:r>
+            <a:r>
+              <a:rPr/>
+              <a:t> </a:t>
+            </a:r>
+            <a:r>
+              <a:rPr/>
+              <a:t>at</a:t>
+            </a:r>
+            <a:r>
+              <a:rPr/>
+              <a:t> </a:t>
+            </a:r>
+            <a:r>
+              <a:rPr/>
+              <a:t>specific</a:t>
+            </a:r>
+            <a:r>
+              <a:rPr/>
+              <a:t> </a:t>
+            </a:r>
+            <a:r>
+              <a:rPr/>
+              <a:t>items</a:t>
             </a:r>
           </a:p>
         </p:txBody>
@@ -7352,78 +7245,76 @@
           <a:bodyPr/>
           <a:lstStyle/>
           <a:p>
-            <a:pPr lvl="1"/>
-            <a:r>
-              <a:rPr/>
-              <a:t>Specific functions from special packages help you describe the whole data set.</a:t>
-            </a:r>
-          </a:p>
-          <a:p>
-            <a:pPr lvl="1"/>
-            <a:r>
-              <a:rPr/>
-              <a:t>The function will look at each variable and will give you basic measures about the data, for example range and mean.</a:t>
-            </a:r>
-          </a:p>
-          <a:p>
-            <a:pPr lvl="1"/>
-            <a:r>
-              <a:rPr/>
-              <a:t>The data will also be described in a number of plots.</a:t>
-            </a:r>
-          </a:p>
-          <a:p>
-            <a:pPr lvl="2"/>
+            <a:pPr lvl="0" marL="0" indent="0">
+              <a:buNone/>
+            </a:pPr>
+            <a:r>
+              <a:rPr/>
+              <a:t>You can look at specific data points.</a:t>
+            </a:r>
+          </a:p>
+          <a:p>
+            <a:pPr lvl="0" marL="1270000" indent="0">
+              <a:buNone/>
+            </a:pPr>
             <a:r>
               <a:rPr sz="1800">
                 <a:latin typeface="Courier"/>
               </a:rPr>
-              <a:t>Desc()</a:t>
-            </a:r>
-            <a:r>
-              <a:rPr/>
-              <a:t> from </a:t>
+              <a:t>cchic[</a:t>
             </a:r>
             <a:r>
               <a:rPr sz="1800">
-                <a:latin typeface="Courier"/>
-              </a:rPr>
-              <a:t>DescTools</a:t>
-            </a:r>
-            <a:r>
-              <a:rPr/>
-              <a:t> package</a:t>
-            </a:r>
-          </a:p>
-          <a:p>
-            <a:pPr lvl="2"/>
+                <a:solidFill>
+                  <a:srgbClr val="40A070"/>
+                </a:solidFill>
+                <a:latin typeface="Courier"/>
+              </a:rPr>
+              <a:t>21</a:t>
+            </a:r>
             <a:r>
               <a:rPr sz="1800">
                 <a:latin typeface="Courier"/>
               </a:rPr>
-              <a:t>describe()</a:t>
-            </a:r>
-            <a:r>
-              <a:rPr/>
-              <a:t> from </a:t>
+              <a:t>, </a:t>
             </a:r>
             <a:r>
               <a:rPr sz="1800">
-                <a:latin typeface="Courier"/>
-              </a:rPr>
-              <a:t>Hmisc</a:t>
-            </a:r>
-            <a:r>
-              <a:rPr/>
-              <a:t> package</a:t>
-            </a:r>
-            <a:br/>
-          </a:p>
-          <a:p>
-            <a:pPr lvl="1"/>
-            <a:r>
-              <a:rPr/>
-              <a:t>To use these you have to install the appropriate packages.</a:t>
+                <a:solidFill>
+                  <a:srgbClr val="40A070"/>
+                </a:solidFill>
+                <a:latin typeface="Courier"/>
+              </a:rPr>
+              <a:t>5</a:t>
+            </a:r>
+            <a:r>
+              <a:rPr sz="1800">
+                <a:latin typeface="Courier"/>
+              </a:rPr>
+              <a:t>]</a:t>
+            </a:r>
+          </a:p>
+          <a:p>
+            <a:pPr lvl="0" marL="1270000" indent="0">
+              <a:buNone/>
+            </a:pPr>
+            <a:r>
+              <a:rPr sz="1800">
+                <a:latin typeface="Courier"/>
+              </a:rPr>
+              <a:t>## # A tibble: 1 x 1
+##   temp_nc
+##     &lt;dbl&gt;
+## 1    36.1</a:t>
+            </a:r>
+          </a:p>
+          <a:p>
+            <a:pPr lvl="0" marL="0" indent="0">
+              <a:buNone/>
+            </a:pPr>
+            <a:r>
+              <a:rPr/>
+              <a:t>This displays the the piece of data in the 21st row and 5th column.</a:t>
             </a:r>
           </a:p>
         </p:txBody>
@@ -7476,7 +7367,39 @@
             </a:pPr>
             <a:r>
               <a:rPr/>
-              <a:t>Exercise</a:t>
+              <a:t>Selecting</a:t>
+            </a:r>
+            <a:r>
+              <a:rPr/>
+              <a:t> </a:t>
+            </a:r>
+            <a:r>
+              <a:rPr/>
+              <a:t>variables</a:t>
+            </a:r>
+            <a:r>
+              <a:rPr/>
+              <a:t> </a:t>
+            </a:r>
+            <a:r>
+              <a:rPr/>
+              <a:t>using</a:t>
+            </a:r>
+            <a:r>
+              <a:rPr/>
+              <a:t> </a:t>
+            </a:r>
+            <a:r>
+              <a:rPr/>
+              <a:t>$</a:t>
+            </a:r>
+            <a:r>
+              <a:rPr/>
+              <a:t> </a:t>
+            </a:r>
+            <a:r>
+              <a:rPr/>
+              <a:t>sign</a:t>
             </a:r>
           </a:p>
         </p:txBody>
@@ -7502,97 +7425,66 @@
           <a:bodyPr/>
           <a:lstStyle/>
           <a:p>
-            <a:pPr lvl="1">
-              <a:buAutoNum type="arabicPeriod"/>
+            <a:pPr lvl="1"/>
+            <a:r>
+              <a:rPr/>
+              <a:t>You can also use the </a:t>
+            </a:r>
+            <a:r>
+              <a:rPr sz="1800">
+                <a:latin typeface="Courier"/>
+              </a:rPr>
+              <a:t>$</a:t>
+            </a:r>
+            <a:r>
+              <a:rPr/>
+              <a:t> function.</a:t>
+            </a:r>
+          </a:p>
+          <a:p>
+            <a:pPr lvl="1"/>
+            <a:r>
+              <a:rPr/>
+              <a:t>Enter </a:t>
+            </a:r>
+            <a:r>
+              <a:rPr sz="1800">
+                <a:latin typeface="Courier"/>
+              </a:rPr>
+              <a:t>data_frame_name$variable_name</a:t>
+            </a:r>
+          </a:p>
+          <a:p>
+            <a:pPr lvl="0" marL="1270000" indent="0">
+              <a:buNone/>
             </a:pPr>
             <a:r>
-              <a:rPr/>
-              <a:t>What types of variables do you have in </a:t>
-            </a:r>
-            <a:r>
               <a:rPr sz="1800">
                 <a:latin typeface="Courier"/>
               </a:rPr>
               <a:t>cchic</a:t>
             </a:r>
             <a:r>
-              <a:rPr/>
-              <a:t>?</a:t>
-            </a:r>
-          </a:p>
-          <a:p>
-            <a:pPr lvl="1">
-              <a:buAutoNum type="arabicPeriod"/>
-            </a:pPr>
-            <a:r>
-              <a:rPr/>
-              <a:t>Display the </a:t>
-            </a:r>
-            <a:r>
               <a:rPr sz="1800">
-                <a:latin typeface="Courier"/>
-              </a:rPr>
-              <a:t>discharge_dttm</a:t>
-            </a:r>
-            <a:r>
-              <a:rPr/>
-              <a:t> vector from in </a:t>
+                <a:solidFill>
+                  <a:srgbClr val="666666"/>
+                </a:solidFill>
+                <a:latin typeface="Courier"/>
+              </a:rPr>
+              <a:t>$</a:t>
             </a:r>
             <a:r>
               <a:rPr sz="1800">
                 <a:latin typeface="Courier"/>
               </a:rPr>
-              <a:t>cchic</a:t>
-            </a:r>
-            <a:r>
-              <a:rPr/>
-              <a:t>.</a:t>
-            </a:r>
-          </a:p>
-          <a:p>
-            <a:pPr lvl="1">
-              <a:buAutoNum type="arabicPeriod"/>
-            </a:pPr>
-            <a:r>
-              <a:rPr/>
-              <a:t>How many men and women are in the database?</a:t>
-            </a:r>
-          </a:p>
-          <a:p>
-            <a:pPr lvl="1">
-              <a:buAutoNum type="arabicPeriod"/>
-            </a:pPr>
-            <a:r>
-              <a:rPr/>
-              <a:t>How many survived and how many died?</a:t>
-            </a:r>
-          </a:p>
-          <a:p>
-            <a:pPr lvl="2">
-              <a:buAutoNum type="alphaLcParenR"/>
-            </a:pPr>
-            <a:r>
-              <a:rPr/>
-              <a:t>What does the function </a:t>
-            </a:r>
-            <a:r>
-              <a:rPr sz="1800">
-                <a:latin typeface="Courier"/>
-              </a:rPr>
-              <a:t>ls()</a:t>
-            </a:r>
-            <a:r>
-              <a:rPr/>
-              <a:t> do?</a:t>
-            </a:r>
-          </a:p>
-          <a:p>
-            <a:pPr lvl="2">
-              <a:buAutoNum type="alphaLcParenR"/>
-            </a:pPr>
-            <a:r>
-              <a:rPr/>
-              <a:t>Use it to see how many vectors contain information about “temp”.</a:t>
+              <a:t>weight</a:t>
+            </a:r>
+          </a:p>
+          <a:p>
+            <a:pPr lvl="1"/>
+            <a:r>
+              <a:rPr/>
+              <a:t>This will list all of the data in the weight column.</a:t>
             </a:r>
           </a:p>
         </p:txBody>
@@ -7799,15 +7691,39 @@
             </a:pPr>
             <a:r>
               <a:rPr/>
-              <a:t>Answer</a:t>
-            </a:r>
-            <a:r>
-              <a:rPr/>
-              <a:t> </a:t>
-            </a:r>
-            <a:r>
-              <a:rPr/>
-              <a:t>1.</a:t>
+              <a:t>Other</a:t>
+            </a:r>
+            <a:r>
+              <a:rPr/>
+              <a:t> </a:t>
+            </a:r>
+            <a:r>
+              <a:rPr/>
+              <a:t>tools</a:t>
+            </a:r>
+            <a:r>
+              <a:rPr/>
+              <a:t> </a:t>
+            </a:r>
+            <a:r>
+              <a:rPr/>
+              <a:t>to</a:t>
+            </a:r>
+            <a:r>
+              <a:rPr/>
+              <a:t> </a:t>
+            </a:r>
+            <a:r>
+              <a:rPr/>
+              <a:t>review</a:t>
+            </a:r>
+            <a:r>
+              <a:rPr/>
+              <a:t> </a:t>
+            </a:r>
+            <a:r>
+              <a:rPr/>
+              <a:t>data</a:t>
             </a:r>
           </a:p>
         </p:txBody>
@@ -7833,42 +7749,78 @@
           <a:bodyPr/>
           <a:lstStyle/>
           <a:p>
-            <a:pPr lvl="0" marL="0" indent="0">
-              <a:buNone/>
-            </a:pPr>
-            <a:r>
-              <a:rPr/>
-              <a:t>What types of variables do you have in </a:t>
-            </a:r>
+            <a:pPr lvl="1"/>
+            <a:r>
+              <a:rPr/>
+              <a:t>Specific functions from special packages help you describe the whole data set.</a:t>
+            </a:r>
+          </a:p>
+          <a:p>
+            <a:pPr lvl="1"/>
+            <a:r>
+              <a:rPr/>
+              <a:t>The function will look at each variable and will give you basic measures about the data, for example range and mean.</a:t>
+            </a:r>
+          </a:p>
+          <a:p>
+            <a:pPr lvl="1"/>
+            <a:r>
+              <a:rPr/>
+              <a:t>The data will also be described in a number of plots.</a:t>
+            </a:r>
+          </a:p>
+          <a:p>
+            <a:pPr lvl="2"/>
             <a:r>
               <a:rPr sz="1800">
                 <a:latin typeface="Courier"/>
               </a:rPr>
-              <a:t>cchic</a:t>
-            </a:r>
-            <a:r>
-              <a:rPr/>
-              <a:t>?</a:t>
-            </a:r>
-          </a:p>
-          <a:p>
-            <a:pPr lvl="0" marL="1270000" indent="0">
-              <a:buNone/>
-            </a:pPr>
-            <a:r>
-              <a:rPr sz="1800" b="1">
-                <a:solidFill>
-                  <a:srgbClr val="007020"/>
-                </a:solidFill>
-                <a:latin typeface="Courier"/>
-              </a:rPr>
-              <a:t>str</a:t>
+              <a:t>Desc()</a:t>
+            </a:r>
+            <a:r>
+              <a:rPr/>
+              <a:t> from </a:t>
             </a:r>
             <a:r>
               <a:rPr sz="1800">
                 <a:latin typeface="Courier"/>
               </a:rPr>
-              <a:t>(cchic)</a:t>
+              <a:t>DescTools</a:t>
+            </a:r>
+            <a:r>
+              <a:rPr/>
+              <a:t> package</a:t>
+            </a:r>
+          </a:p>
+          <a:p>
+            <a:pPr lvl="2"/>
+            <a:r>
+              <a:rPr sz="1800">
+                <a:latin typeface="Courier"/>
+              </a:rPr>
+              <a:t>describe()</a:t>
+            </a:r>
+            <a:r>
+              <a:rPr/>
+              <a:t> from </a:t>
+            </a:r>
+            <a:r>
+              <a:rPr sz="1800">
+                <a:latin typeface="Courier"/>
+              </a:rPr>
+              <a:t>Hmisc</a:t>
+            </a:r>
+            <a:r>
+              <a:rPr/>
+              <a:t> package</a:t>
+            </a:r>
+            <a:br/>
+          </a:p>
+          <a:p>
+            <a:pPr lvl="1"/>
+            <a:r>
+              <a:rPr/>
+              <a:t>To use these you have to install the appropriate packages.</a:t>
             </a:r>
           </a:p>
         </p:txBody>
@@ -7921,15 +7873,7 @@
             </a:pPr>
             <a:r>
               <a:rPr/>
-              <a:t>Answer</a:t>
-            </a:r>
-            <a:r>
-              <a:rPr/>
-              <a:t> </a:t>
-            </a:r>
-            <a:r>
-              <a:rPr/>
-              <a:t>2</a:t>
+              <a:t>Exercise</a:t>
             </a:r>
           </a:p>
         </p:txBody>
@@ -7955,11 +7899,30 @@
           <a:bodyPr/>
           <a:lstStyle/>
           <a:p>
-            <a:pPr lvl="0" marL="0" indent="0">
-              <a:buNone/>
+            <a:pPr lvl="1">
+              <a:buAutoNum type="arabicPeriod"/>
             </a:pPr>
             <a:r>
               <a:rPr/>
+              <a:t>What types of variables do you have in </a:t>
+            </a:r>
+            <a:r>
+              <a:rPr sz="1800">
+                <a:latin typeface="Courier"/>
+              </a:rPr>
+              <a:t>cchic</a:t>
+            </a:r>
+            <a:r>
+              <a:rPr/>
+              <a:t>?</a:t>
+            </a:r>
+          </a:p>
+          <a:p>
+            <a:pPr lvl="1">
+              <a:buAutoNum type="arabicPeriod"/>
+            </a:pPr>
+            <a:r>
+              <a:rPr/>
               <a:t>Display the </a:t>
             </a:r>
             <a:r>
@@ -7970,7 +7933,7 @@
             </a:r>
             <a:r>
               <a:rPr/>
-              <a:t> vector in </a:t>
+              <a:t> vector from in </a:t>
             </a:r>
             <a:r>
               <a:rPr sz="1800">
@@ -7984,29 +7947,49 @@
             </a:r>
           </a:p>
           <a:p>
-            <a:pPr lvl="0" marL="1270000" indent="0">
-              <a:buNone/>
+            <a:pPr lvl="1">
+              <a:buAutoNum type="arabicPeriod"/>
             </a:pPr>
             <a:r>
+              <a:rPr/>
+              <a:t>How many men and women are in the database?</a:t>
+            </a:r>
+          </a:p>
+          <a:p>
+            <a:pPr lvl="1">
+              <a:buAutoNum type="arabicPeriod"/>
+            </a:pPr>
+            <a:r>
+              <a:rPr/>
+              <a:t>How many survived and how many died?</a:t>
+            </a:r>
+          </a:p>
+          <a:p>
+            <a:pPr lvl="2">
+              <a:buAutoNum type="alphaLcParenR"/>
+            </a:pPr>
+            <a:r>
+              <a:rPr/>
+              <a:t>What does the function </a:t>
+            </a:r>
+            <a:r>
               <a:rPr sz="1800">
                 <a:latin typeface="Courier"/>
               </a:rPr>
-              <a:t>cchic</a:t>
-            </a:r>
-            <a:r>
-              <a:rPr sz="1800">
-                <a:solidFill>
-                  <a:srgbClr val="666666"/>
-                </a:solidFill>
-                <a:latin typeface="Courier"/>
-              </a:rPr>
-              <a:t>$</a:t>
-            </a:r>
-            <a:r>
-              <a:rPr sz="1800">
-                <a:latin typeface="Courier"/>
-              </a:rPr>
-              <a:t>discharge_dttm</a:t>
+              <a:t>ls()</a:t>
+            </a:r>
+            <a:r>
+              <a:rPr/>
+              <a:t> do?</a:t>
+            </a:r>
+          </a:p>
+          <a:p>
+            <a:pPr lvl="2">
+              <a:buAutoNum type="alphaLcParenR"/>
+            </a:pPr>
+            <a:r>
+              <a:rPr/>
+              <a:t>Use it to see how many vectors contain information about “temp”.</a:t>
             </a:r>
           </a:p>
         </p:txBody>
@@ -8067,7 +8050,7 @@
             </a:r>
             <a:r>
               <a:rPr/>
-              <a:t>3</a:t>
+              <a:t>1.</a:t>
             </a:r>
           </a:p>
         </p:txBody>
@@ -8098,7 +8081,17 @@
             </a:pPr>
             <a:r>
               <a:rPr/>
-              <a:t>How many men and women are in the database?</a:t>
+              <a:t>What types of variables do you have in </a:t>
+            </a:r>
+            <a:r>
+              <a:rPr sz="1800">
+                <a:latin typeface="Courier"/>
+              </a:rPr>
+              <a:t>cchic</a:t>
+            </a:r>
+            <a:r>
+              <a:rPr/>
+              <a:t>?</a:t>
             </a:r>
           </a:p>
           <a:p>
@@ -8112,41 +8105,13 @@
                 </a:solidFill>
                 <a:latin typeface="Courier"/>
               </a:rPr>
-              <a:t>table</a:t>
+              <a:t>str</a:t>
             </a:r>
             <a:r>
               <a:rPr sz="1800">
                 <a:latin typeface="Courier"/>
               </a:rPr>
-              <a:t>(cchic</a:t>
-            </a:r>
-            <a:r>
-              <a:rPr sz="1800">
-                <a:solidFill>
-                  <a:srgbClr val="666666"/>
-                </a:solidFill>
-                <a:latin typeface="Courier"/>
-              </a:rPr>
-              <a:t>$</a:t>
-            </a:r>
-            <a:r>
-              <a:rPr sz="1800">
-                <a:latin typeface="Courier"/>
-              </a:rPr>
-              <a:t>sex)</a:t>
-            </a:r>
-          </a:p>
-          <a:p>
-            <a:pPr lvl="0" marL="1270000" indent="0">
-              <a:buNone/>
-            </a:pPr>
-            <a:r>
-              <a:rPr sz="1800">
-                <a:latin typeface="Courier"/>
-              </a:rPr>
-              <a:t>## 
-##    F    M 
-## 2246 2754</a:t>
+              <a:t>(cchic)</a:t>
             </a:r>
           </a:p>
         </p:txBody>
@@ -8207,7 +8172,7 @@
             </a:r>
             <a:r>
               <a:rPr/>
-              <a:t>4</a:t>
+              <a:t>2</a:t>
             </a:r>
           </a:p>
         </p:txBody>
@@ -8238,7 +8203,27 @@
             </a:pPr>
             <a:r>
               <a:rPr/>
-              <a:t>How many survived and how many died?</a:t>
+              <a:t>Display the </a:t>
+            </a:r>
+            <a:r>
+              <a:rPr sz="1800">
+                <a:latin typeface="Courier"/>
+              </a:rPr>
+              <a:t>discharge_dttm</a:t>
+            </a:r>
+            <a:r>
+              <a:rPr/>
+              <a:t> vector in </a:t>
+            </a:r>
+            <a:r>
+              <a:rPr sz="1800">
+                <a:latin typeface="Courier"/>
+              </a:rPr>
+              <a:t>cchic</a:t>
+            </a:r>
+            <a:r>
+              <a:rPr/>
+              <a:t>.</a:t>
             </a:r>
           </a:p>
           <a:p>
@@ -8246,19 +8231,10 @@
               <a:buNone/>
             </a:pPr>
             <a:r>
-              <a:rPr sz="1800" b="1">
-                <a:solidFill>
-                  <a:srgbClr val="007020"/>
-                </a:solidFill>
-                <a:latin typeface="Courier"/>
-              </a:rPr>
-              <a:t>table</a:t>
-            </a:r>
-            <a:r>
               <a:rPr sz="1800">
                 <a:latin typeface="Courier"/>
               </a:rPr>
-              <a:t>(cchic</a:t>
+              <a:t>cchic</a:t>
             </a:r>
             <a:r>
               <a:rPr sz="1800">
@@ -8273,20 +8249,7 @@
               <a:rPr sz="1800">
                 <a:latin typeface="Courier"/>
               </a:rPr>
-              <a:t>vital_status)</a:t>
-            </a:r>
-          </a:p>
-          <a:p>
-            <a:pPr lvl="0" marL="1270000" indent="0">
-              <a:buNone/>
-            </a:pPr>
-            <a:r>
-              <a:rPr sz="1800">
-                <a:latin typeface="Courier"/>
-              </a:rPr>
-              <a:t>## 
-##    A    D 
-## 4444  556</a:t>
+              <a:t>discharge_dttm</a:t>
             </a:r>
           </a:p>
         </p:txBody>
@@ -8297,6 +8260,286 @@
 </file>
 
 <file path=ppt/slides/slide34.xml><?xml version="1.0" encoding="utf-8"?>
+<p:sld xmlns:a="http://schemas.openxmlformats.org/drawingml/2006/main" xmlns:r="http://schemas.openxmlformats.org/officeDocument/2006/relationships" xmlns:p="http://schemas.openxmlformats.org/presentationml/2006/main">
+  <p:cSld>
+    <p:spTree>
+      <p:nvGrpSpPr>
+        <p:cNvPr id="1" name=""/>
+        <p:cNvGrpSpPr/>
+        <p:nvPr/>
+      </p:nvGrpSpPr>
+      <p:grpSpPr>
+        <a:xfrm>
+          <a:off x="0" y="0"/>
+          <a:ext cx="0" cy="0"/>
+          <a:chOff x="0" y="0"/>
+          <a:chExt cx="0" cy="0"/>
+        </a:xfrm>
+      </p:grpSpPr>
+      <p:sp>
+        <p:nvSpPr>
+          <p:cNvPr id="2" name="Title 1">
+            <a:extLst>
+              <a:ext uri="{FF2B5EF4-FFF2-40B4-BE49-F238E27FC236}">
+                <a16:creationId xmlns:a16="http://schemas.microsoft.com/office/drawing/2014/main" id="{5567D468-EE70-CD4E-A3AC-039CC11EF1FB}"/>
+              </a:ext>
+            </a:extLst>
+          </p:cNvPr>
+          <p:cNvSpPr>
+            <a:spLocks noGrp="1"/>
+          </p:cNvSpPr>
+          <p:nvPr>
+            <p:ph type="title"/>
+          </p:nvPr>
+        </p:nvSpPr>
+        <p:spPr/>
+        <p:txBody>
+          <a:bodyPr/>
+          <a:lstStyle/>
+          <a:p>
+            <a:pPr lvl="0" marL="0" indent="0">
+              <a:buNone/>
+            </a:pPr>
+            <a:r>
+              <a:rPr/>
+              <a:t>Answer</a:t>
+            </a:r>
+            <a:r>
+              <a:rPr/>
+              <a:t> </a:t>
+            </a:r>
+            <a:r>
+              <a:rPr/>
+              <a:t>3</a:t>
+            </a:r>
+          </a:p>
+        </p:txBody>
+      </p:sp>
+      <p:sp>
+        <p:nvSpPr>
+          <p:cNvPr id="3" name="Content Placeholder 2">
+            <a:extLst>
+              <a:ext uri="{FF2B5EF4-FFF2-40B4-BE49-F238E27FC236}">
+                <a16:creationId xmlns:a16="http://schemas.microsoft.com/office/drawing/2014/main" id="{D10DDA37-E46B-B641-BC9F-636CB92A2C08}"/>
+              </a:ext>
+            </a:extLst>
+          </p:cNvPr>
+          <p:cNvSpPr>
+            <a:spLocks noGrp="1"/>
+          </p:cNvSpPr>
+          <p:nvPr>
+            <p:ph idx="1"/>
+          </p:nvPr>
+        </p:nvSpPr>
+        <p:spPr/>
+        <p:txBody>
+          <a:bodyPr/>
+          <a:lstStyle/>
+          <a:p>
+            <a:pPr lvl="0" marL="0" indent="0">
+              <a:buNone/>
+            </a:pPr>
+            <a:r>
+              <a:rPr/>
+              <a:t>How many men and women are in the database?</a:t>
+            </a:r>
+          </a:p>
+          <a:p>
+            <a:pPr lvl="0" marL="1270000" indent="0">
+              <a:buNone/>
+            </a:pPr>
+            <a:r>
+              <a:rPr sz="1800" b="1">
+                <a:solidFill>
+                  <a:srgbClr val="007020"/>
+                </a:solidFill>
+                <a:latin typeface="Courier"/>
+              </a:rPr>
+              <a:t>table</a:t>
+            </a:r>
+            <a:r>
+              <a:rPr sz="1800">
+                <a:latin typeface="Courier"/>
+              </a:rPr>
+              <a:t>(cchic</a:t>
+            </a:r>
+            <a:r>
+              <a:rPr sz="1800">
+                <a:solidFill>
+                  <a:srgbClr val="666666"/>
+                </a:solidFill>
+                <a:latin typeface="Courier"/>
+              </a:rPr>
+              <a:t>$</a:t>
+            </a:r>
+            <a:r>
+              <a:rPr sz="1800">
+                <a:latin typeface="Courier"/>
+              </a:rPr>
+              <a:t>sex)</a:t>
+            </a:r>
+          </a:p>
+          <a:p>
+            <a:pPr lvl="0" marL="1270000" indent="0">
+              <a:buNone/>
+            </a:pPr>
+            <a:r>
+              <a:rPr sz="1800">
+                <a:latin typeface="Courier"/>
+              </a:rPr>
+              <a:t>## 
+##    F    M 
+## 2246 2754</a:t>
+            </a:r>
+          </a:p>
+        </p:txBody>
+      </p:sp>
+    </p:spTree>
+  </p:cSld>
+</p:sld>
+</file>
+
+<file path=ppt/slides/slide35.xml><?xml version="1.0" encoding="utf-8"?>
+<p:sld xmlns:a="http://schemas.openxmlformats.org/drawingml/2006/main" xmlns:r="http://schemas.openxmlformats.org/officeDocument/2006/relationships" xmlns:p="http://schemas.openxmlformats.org/presentationml/2006/main">
+  <p:cSld>
+    <p:spTree>
+      <p:nvGrpSpPr>
+        <p:cNvPr id="1" name=""/>
+        <p:cNvGrpSpPr/>
+        <p:nvPr/>
+      </p:nvGrpSpPr>
+      <p:grpSpPr>
+        <a:xfrm>
+          <a:off x="0" y="0"/>
+          <a:ext cx="0" cy="0"/>
+          <a:chOff x="0" y="0"/>
+          <a:chExt cx="0" cy="0"/>
+        </a:xfrm>
+      </p:grpSpPr>
+      <p:sp>
+        <p:nvSpPr>
+          <p:cNvPr id="2" name="Title 1">
+            <a:extLst>
+              <a:ext uri="{FF2B5EF4-FFF2-40B4-BE49-F238E27FC236}">
+                <a16:creationId xmlns:a16="http://schemas.microsoft.com/office/drawing/2014/main" id="{5567D468-EE70-CD4E-A3AC-039CC11EF1FB}"/>
+              </a:ext>
+            </a:extLst>
+          </p:cNvPr>
+          <p:cNvSpPr>
+            <a:spLocks noGrp="1"/>
+          </p:cNvSpPr>
+          <p:nvPr>
+            <p:ph type="title"/>
+          </p:nvPr>
+        </p:nvSpPr>
+        <p:spPr/>
+        <p:txBody>
+          <a:bodyPr/>
+          <a:lstStyle/>
+          <a:p>
+            <a:pPr lvl="0" marL="0" indent="0">
+              <a:buNone/>
+            </a:pPr>
+            <a:r>
+              <a:rPr/>
+              <a:t>Answer</a:t>
+            </a:r>
+            <a:r>
+              <a:rPr/>
+              <a:t> </a:t>
+            </a:r>
+            <a:r>
+              <a:rPr/>
+              <a:t>4</a:t>
+            </a:r>
+          </a:p>
+        </p:txBody>
+      </p:sp>
+      <p:sp>
+        <p:nvSpPr>
+          <p:cNvPr id="3" name="Content Placeholder 2">
+            <a:extLst>
+              <a:ext uri="{FF2B5EF4-FFF2-40B4-BE49-F238E27FC236}">
+                <a16:creationId xmlns:a16="http://schemas.microsoft.com/office/drawing/2014/main" id="{D10DDA37-E46B-B641-BC9F-636CB92A2C08}"/>
+              </a:ext>
+            </a:extLst>
+          </p:cNvPr>
+          <p:cNvSpPr>
+            <a:spLocks noGrp="1"/>
+          </p:cNvSpPr>
+          <p:nvPr>
+            <p:ph idx="1"/>
+          </p:nvPr>
+        </p:nvSpPr>
+        <p:spPr/>
+        <p:txBody>
+          <a:bodyPr/>
+          <a:lstStyle/>
+          <a:p>
+            <a:pPr lvl="0" marL="0" indent="0">
+              <a:buNone/>
+            </a:pPr>
+            <a:r>
+              <a:rPr/>
+              <a:t>How many survived and how many died?</a:t>
+            </a:r>
+          </a:p>
+          <a:p>
+            <a:pPr lvl="0" marL="1270000" indent="0">
+              <a:buNone/>
+            </a:pPr>
+            <a:r>
+              <a:rPr sz="1800" b="1">
+                <a:solidFill>
+                  <a:srgbClr val="007020"/>
+                </a:solidFill>
+                <a:latin typeface="Courier"/>
+              </a:rPr>
+              <a:t>table</a:t>
+            </a:r>
+            <a:r>
+              <a:rPr sz="1800">
+                <a:latin typeface="Courier"/>
+              </a:rPr>
+              <a:t>(cchic</a:t>
+            </a:r>
+            <a:r>
+              <a:rPr sz="1800">
+                <a:solidFill>
+                  <a:srgbClr val="666666"/>
+                </a:solidFill>
+                <a:latin typeface="Courier"/>
+              </a:rPr>
+              <a:t>$</a:t>
+            </a:r>
+            <a:r>
+              <a:rPr sz="1800">
+                <a:latin typeface="Courier"/>
+              </a:rPr>
+              <a:t>vital_status)</a:t>
+            </a:r>
+          </a:p>
+          <a:p>
+            <a:pPr lvl="0" marL="1270000" indent="0">
+              <a:buNone/>
+            </a:pPr>
+            <a:r>
+              <a:rPr sz="1800">
+                <a:latin typeface="Courier"/>
+              </a:rPr>
+              <a:t>## 
+##    A    D 
+## 4444  556</a:t>
+            </a:r>
+          </a:p>
+        </p:txBody>
+      </p:sp>
+    </p:spTree>
+  </p:cSld>
+</p:sld>
+</file>
+
+<file path=ppt/slides/slide36.xml><?xml version="1.0" encoding="utf-8"?>
 <p:sld xmlns:a="http://schemas.openxmlformats.org/drawingml/2006/main" xmlns:r="http://schemas.openxmlformats.org/officeDocument/2006/relationships" xmlns:p="http://schemas.openxmlformats.org/presentationml/2006/main">
   <p:cSld>
     <p:spTree>

--- a/Workshops/Workshop3.pptx
+++ b/Workshops/Workshop3.pptx
@@ -817,39 +817,23 @@
             </a:pPr>
             <a:r>
               <a:rPr/>
-              <a:t>Get</a:t>
-            </a:r>
-            <a:r>
-              <a:rPr/>
-              <a:t> </a:t>
-            </a:r>
-            <a:r>
-              <a:rPr/>
-              <a:t>them</a:t>
-            </a:r>
-            <a:r>
-              <a:rPr/>
-              <a:t> </a:t>
-            </a:r>
-            <a:r>
-              <a:rPr/>
-              <a:t>to</a:t>
-            </a:r>
-            <a:r>
-              <a:rPr/>
-              <a:t> </a:t>
-            </a:r>
-            <a:r>
-              <a:rPr/>
-              <a:t>do</a:t>
-            </a:r>
-            <a:r>
-              <a:rPr/>
-              <a:t> </a:t>
-            </a:r>
-            <a:r>
-              <a:rPr/>
-              <a:t>this</a:t>
+              <a:t>Three</a:t>
+            </a:r>
+            <a:r>
+              <a:rPr/>
+              <a:t> </a:t>
+            </a:r>
+            <a:r>
+              <a:rPr/>
+              <a:t>main</a:t>
+            </a:r>
+            <a:r>
+              <a:rPr/>
+              <a:t> </a:t>
+            </a:r>
+            <a:r>
+              <a:rPr/>
+              <a:t>methods</a:t>
             </a:r>
           </a:p>
         </p:txBody>
@@ -871,7 +855,7 @@
           <a:p>
             <a:fld id="{18BDFEC3-8487-43E8-A154-7C12CBC1FFF2}" type="slidenum">
               <a:rPr lang="en-US"/>
-              <a:t>18</a:t>
+              <a:t>12</a:t>
             </a:fld>
             <a:endParaRPr lang="en-US"/>
           </a:p>
@@ -931,6 +915,120 @@
             </a:pPr>
             <a:r>
               <a:rPr/>
+              <a:t>Get</a:t>
+            </a:r>
+            <a:r>
+              <a:rPr/>
+              <a:t> </a:t>
+            </a:r>
+            <a:r>
+              <a:rPr/>
+              <a:t>them</a:t>
+            </a:r>
+            <a:r>
+              <a:rPr/>
+              <a:t> </a:t>
+            </a:r>
+            <a:r>
+              <a:rPr/>
+              <a:t>to</a:t>
+            </a:r>
+            <a:r>
+              <a:rPr/>
+              <a:t> </a:t>
+            </a:r>
+            <a:r>
+              <a:rPr/>
+              <a:t>do</a:t>
+            </a:r>
+            <a:r>
+              <a:rPr/>
+              <a:t> </a:t>
+            </a:r>
+            <a:r>
+              <a:rPr/>
+              <a:t>this</a:t>
+            </a:r>
+          </a:p>
+        </p:txBody>
+      </p:sp>
+      <p:sp>
+        <p:nvSpPr>
+          <p:cNvPr id="4" name="Slide Number Placeholder 3"/>
+          <p:cNvSpPr>
+            <a:spLocks noGrp="1"/>
+          </p:cNvSpPr>
+          <p:nvPr>
+            <p:ph type="sldNum" sz="quarter" idx="10"/>
+          </p:nvPr>
+        </p:nvSpPr>
+        <p:spPr/>
+        <p:txBody>
+          <a:bodyPr/>
+          <a:lstStyle/>
+          <a:p>
+            <a:fld id="{18BDFEC3-8487-43E8-A154-7C12CBC1FFF2}" type="slidenum">
+              <a:rPr lang="en-US"/>
+              <a:t>18</a:t>
+            </a:fld>
+            <a:endParaRPr lang="en-US"/>
+          </a:p>
+        </p:txBody>
+      </p:sp>
+    </p:spTree>
+  </p:cSld>
+</p:notes>
+</file>
+
+<file path=ppt/notesSlides/notesSlide5.xml><?xml version="1.0" encoding="utf-8"?>
+<p:notes xmlns:a="http://schemas.openxmlformats.org/drawingml/2006/main" xmlns:r="http://schemas.openxmlformats.org/officeDocument/2006/relationships" xmlns:p="http://schemas.openxmlformats.org/presentationml/2006/main">
+  <p:cSld>
+    <p:spTree>
+      <p:nvGrpSpPr>
+        <p:cNvPr id="1" name=""/>
+        <p:cNvGrpSpPr/>
+        <p:nvPr/>
+      </p:nvGrpSpPr>
+      <p:grpSpPr>
+        <a:xfrm>
+          <a:off x="0" y="0"/>
+          <a:ext cx="0" cy="0"/>
+          <a:chOff x="0" y="0"/>
+          <a:chExt cx="0" cy="0"/>
+        </a:xfrm>
+      </p:grpSpPr>
+      <p:sp>
+        <p:nvSpPr>
+          <p:cNvPr id="2" name="Slide Image Placeholder 1"/>
+          <p:cNvSpPr>
+            <a:spLocks noGrp="1" noRot="1" noChangeAspect="1"/>
+          </p:cNvSpPr>
+          <p:nvPr>
+            <p:ph type="sldImg"/>
+          </p:nvPr>
+        </p:nvSpPr>
+        <p:spPr/>
+      </p:sp>
+      <p:sp>
+        <p:nvSpPr>
+          <p:cNvPr id="3" name="Notes Placeholder 2"/>
+          <p:cNvSpPr>
+            <a:spLocks noGrp="1"/>
+          </p:cNvSpPr>
+          <p:nvPr>
+            <p:ph type="body" idx="1"/>
+          </p:nvPr>
+        </p:nvSpPr>
+        <p:spPr/>
+        <p:txBody>
+          <a:bodyPr/>
+          <a:lstStyle/>
+          <a:p>
+            <a:pPr lvl="0" marL="0" indent="0">
+              <a:buNone/>
+            </a:pPr>
+            <a:r>
+              <a:rPr/>
               <a:t>Let</a:t>
             </a:r>
             <a:r>
@@ -1167,7 +1265,7 @@
           <a:p>
             <a:fld id="{937E6D32-4C03-264D-8FDB-034DA7582E3B}" type="datetimeFigureOut">
               <a:rPr lang="en-US" smtClean="0"/>
-              <a:t>8/27/19</a:t>
+              <a:t>9/21/2021</a:t>
             </a:fld>
             <a:endParaRPr lang="en-US"/>
           </a:p>
@@ -1365,7 +1463,7 @@
           <a:p>
             <a:fld id="{937E6D32-4C03-264D-8FDB-034DA7582E3B}" type="datetimeFigureOut">
               <a:rPr lang="en-US" smtClean="0"/>
-              <a:t>8/27/19</a:t>
+              <a:t>9/21/2021</a:t>
             </a:fld>
             <a:endParaRPr lang="en-US"/>
           </a:p>
@@ -1573,7 +1671,7 @@
           <a:p>
             <a:fld id="{937E6D32-4C03-264D-8FDB-034DA7582E3B}" type="datetimeFigureOut">
               <a:rPr lang="en-US" smtClean="0"/>
-              <a:t>8/27/19</a:t>
+              <a:t>9/21/2021</a:t>
             </a:fld>
             <a:endParaRPr lang="en-US"/>
           </a:p>
@@ -1771,7 +1869,7 @@
           <a:p>
             <a:fld id="{937E6D32-4C03-264D-8FDB-034DA7582E3B}" type="datetimeFigureOut">
               <a:rPr lang="en-US" smtClean="0"/>
-              <a:t>8/27/19</a:t>
+              <a:t>9/21/2021</a:t>
             </a:fld>
             <a:endParaRPr lang="en-US"/>
           </a:p>
@@ -2046,7 +2144,7 @@
           <a:p>
             <a:fld id="{937E6D32-4C03-264D-8FDB-034DA7582E3B}" type="datetimeFigureOut">
               <a:rPr lang="en-US" smtClean="0"/>
-              <a:t>8/27/19</a:t>
+              <a:t>9/21/2021</a:t>
             </a:fld>
             <a:endParaRPr lang="en-US"/>
           </a:p>
@@ -2311,7 +2409,7 @@
           <a:p>
             <a:fld id="{937E6D32-4C03-264D-8FDB-034DA7582E3B}" type="datetimeFigureOut">
               <a:rPr lang="en-US" smtClean="0"/>
-              <a:t>8/27/19</a:t>
+              <a:t>9/21/2021</a:t>
             </a:fld>
             <a:endParaRPr lang="en-US"/>
           </a:p>
@@ -2723,7 +2821,7 @@
           <a:p>
             <a:fld id="{937E6D32-4C03-264D-8FDB-034DA7582E3B}" type="datetimeFigureOut">
               <a:rPr lang="en-US" smtClean="0"/>
-              <a:t>8/27/19</a:t>
+              <a:t>9/21/2021</a:t>
             </a:fld>
             <a:endParaRPr lang="en-US"/>
           </a:p>
@@ -2864,7 +2962,7 @@
           <a:p>
             <a:fld id="{937E6D32-4C03-264D-8FDB-034DA7582E3B}" type="datetimeFigureOut">
               <a:rPr lang="en-US" smtClean="0"/>
-              <a:t>8/27/19</a:t>
+              <a:t>9/21/2021</a:t>
             </a:fld>
             <a:endParaRPr lang="en-US"/>
           </a:p>
@@ -2977,7 +3075,7 @@
           <a:p>
             <a:fld id="{937E6D32-4C03-264D-8FDB-034DA7582E3B}" type="datetimeFigureOut">
               <a:rPr lang="en-US" smtClean="0"/>
-              <a:t>8/27/19</a:t>
+              <a:t>9/21/2021</a:t>
             </a:fld>
             <a:endParaRPr lang="en-US"/>
           </a:p>
@@ -3288,7 +3386,7 @@
           <a:p>
             <a:fld id="{937E6D32-4C03-264D-8FDB-034DA7582E3B}" type="datetimeFigureOut">
               <a:rPr lang="en-US" smtClean="0"/>
-              <a:t>8/27/19</a:t>
+              <a:t>9/21/2021</a:t>
             </a:fld>
             <a:endParaRPr lang="en-US"/>
           </a:p>
@@ -3576,7 +3674,7 @@
           <a:p>
             <a:fld id="{937E6D32-4C03-264D-8FDB-034DA7582E3B}" type="datetimeFigureOut">
               <a:rPr lang="en-US" smtClean="0"/>
-              <a:t>8/27/19</a:t>
+              <a:t>9/21/2021</a:t>
             </a:fld>
             <a:endParaRPr lang="en-US"/>
           </a:p>
@@ -3742,35 +3840,35 @@
           <a:p>
             <a:pPr lvl="0"/>
             <a:r>
-              <a:rPr lang="en-US"/>
+              <a:rPr lang="en-US" dirty="0"/>
               <a:t>Click to edit Master text styles</a:t>
             </a:r>
           </a:p>
           <a:p>
             <a:pPr lvl="1"/>
             <a:r>
-              <a:rPr lang="en-US"/>
+              <a:rPr lang="en-US" dirty="0"/>
               <a:t>Second level</a:t>
             </a:r>
           </a:p>
           <a:p>
             <a:pPr lvl="2"/>
             <a:r>
-              <a:rPr lang="en-US"/>
+              <a:rPr lang="en-US" dirty="0"/>
               <a:t>Third level</a:t>
             </a:r>
           </a:p>
           <a:p>
             <a:pPr lvl="3"/>
             <a:r>
-              <a:rPr lang="en-US"/>
+              <a:rPr lang="en-US" dirty="0"/>
               <a:t>Fourth level</a:t>
             </a:r>
           </a:p>
           <a:p>
             <a:pPr lvl="4"/>
             <a:r>
-              <a:rPr lang="en-US"/>
+              <a:rPr lang="en-US" dirty="0"/>
               <a:t>Fifth level</a:t>
             </a:r>
           </a:p>
@@ -3817,7 +3915,7 @@
           <a:p>
             <a:fld id="{937E6D32-4C03-264D-8FDB-034DA7582E3B}" type="datetimeFigureOut">
               <a:rPr lang="en-US" smtClean="0"/>
-              <a:t>8/27/19</a:t>
+              <a:t>9/21/2021</a:t>
             </a:fld>
             <a:endParaRPr lang="en-US"/>
           </a:p>
@@ -3955,7 +4053,7 @@
       </a:lvl1pPr>
     </p:titleStyle>
     <p:bodyStyle>
-      <a:lvl1pPr marL="228600" indent="-228600" algn="l" defTabSz="914400" rtl="0" eaLnBrk="1" latinLnBrk="0" hangingPunct="1">
+      <a:lvl1pPr marL="1144800" indent="-228600" algn="l" defTabSz="914400" rtl="0" eaLnBrk="1" latinLnBrk="0" hangingPunct="1">
         <a:lnSpc>
           <a:spcPct val="90000"/>
         </a:lnSpc>
@@ -3964,7 +4062,7 @@
         </a:spcBef>
         <a:buFont typeface="Arial" panose="020B0604020202020204" pitchFamily="34" charset="0"/>
         <a:buChar char="•"/>
-        <a:defRPr sz="2800" kern="1200">
+        <a:defRPr sz="1800" kern="1200">
           <a:solidFill>
             <a:schemeClr val="tx1"/>
           </a:solidFill>
@@ -3982,7 +4080,7 @@
         </a:spcBef>
         <a:buFont typeface="Arial" panose="020B0604020202020204" pitchFamily="34" charset="0"/>
         <a:buChar char="•"/>
-        <a:defRPr sz="2400" kern="1200">
+        <a:defRPr sz="2300" kern="1200">
           <a:solidFill>
             <a:schemeClr val="tx1"/>
           </a:solidFill>
@@ -4410,23 +4508,21 @@
           <a:bodyPr/>
           <a:lstStyle/>
           <a:p>
-            <a:pPr lvl="0" marL="0" indent="0">
-              <a:buNone/>
-            </a:pPr>
+            <a:pPr lvl="1"/>
             <a:r>
               <a:rPr/>
               <a:t>Common file path problems:</a:t>
             </a:r>
           </a:p>
           <a:p>
-            <a:pPr lvl="1"/>
+            <a:pPr lvl="2"/>
             <a:r>
               <a:rPr/>
               <a:t>You want to run the same script on a different platform (e.g. Windows –&gt; UNIX), but the path to the data is now different.</a:t>
             </a:r>
           </a:p>
           <a:p>
-            <a:pPr lvl="1"/>
+            <a:pPr lvl="2"/>
             <a:r>
               <a:rPr/>
               <a:t>You want to be able to easily switch between projects, which live in different directories, without having to change your working directory every time.</a:t>
@@ -4516,16 +4612,14 @@
           <a:bodyPr/>
           <a:lstStyle/>
           <a:p>
-            <a:pPr lvl="0" marL="0" indent="0">
-              <a:buNone/>
-            </a:pPr>
+            <a:pPr lvl="1"/>
             <a:r>
               <a:rPr/>
               <a:t>The answer to this: “Project-oriented workflows”</a:t>
             </a:r>
           </a:p>
           <a:p>
-            <a:pPr lvl="1"/>
+            <a:pPr lvl="2"/>
             <a:r>
               <a:rPr>
                 <a:hlinkClick r:id="rId2"/>
@@ -4538,7 +4632,7 @@
             </a:r>
           </a:p>
           <a:p>
-            <a:pPr lvl="1"/>
+            <a:pPr lvl="2"/>
             <a:r>
               <a:rPr/>
               <a:t>The package </a:t>
@@ -4555,7 +4649,7 @@
             </a:r>
           </a:p>
           <a:p>
-            <a:pPr lvl="1"/>
+            <a:pPr lvl="2"/>
             <a:r>
               <a:rPr/>
               <a:t>And for the You-Tubers among you, check out: </a:t>
@@ -4675,15 +4769,6 @@
           <a:bodyPr/>
           <a:lstStyle/>
           <a:p>
-            <a:pPr lvl="0" marL="0" indent="0">
-              <a:buNone/>
-            </a:pPr>
-            <a:r>
-              <a:rPr/>
-              <a:t>There are 3 main methods</a:t>
-            </a:r>
-          </a:p>
-          <a:p>
             <a:pPr lvl="1">
               <a:buAutoNum type="arabicPeriod"/>
             </a:pPr>
@@ -4861,7 +4946,7 @@
               <a:t>Click </a:t>
             </a:r>
             <a:r>
-              <a:rPr sz="1800">
+              <a:rPr>
                 <a:latin typeface="Courier"/>
               </a:rPr>
               <a:t>Import Dataset</a:t>
@@ -4871,7 +4956,7 @@
               <a:t> tab in the </a:t>
             </a:r>
             <a:r>
-              <a:rPr sz="1800">
+              <a:rPr>
                 <a:latin typeface="Courier"/>
               </a:rPr>
               <a:t>Environment</a:t>
@@ -4962,7 +5047,7 @@
               <a:t>Choose </a:t>
             </a:r>
             <a:r>
-              <a:rPr sz="1800">
+              <a:rPr>
                 <a:latin typeface="Courier"/>
               </a:rPr>
               <a:t>From text (readr)</a:t>
@@ -5104,7 +5189,7 @@
               <a:t>Then select </a:t>
             </a:r>
             <a:r>
-              <a:rPr sz="1800">
+              <a:rPr>
                 <a:latin typeface="Courier"/>
               </a:rPr>
               <a:t>Import</a:t>
@@ -5271,7 +5356,7 @@
               <a:t>Look for the code in the </a:t>
             </a:r>
             <a:r>
-              <a:rPr sz="1800">
+              <a:rPr>
                 <a:latin typeface="Courier"/>
               </a:rPr>
               <a:t>Code Preview</a:t>
@@ -5408,7 +5493,7 @@
           <a:p>
             <a:pPr lvl="1"/>
             <a:r>
-              <a:rPr sz="1800">
+              <a:rPr>
                 <a:latin typeface="Courier"/>
               </a:rPr>
               <a:t>readr</a:t>
@@ -5434,7 +5519,7 @@
               <a:t>It is automatically installed with </a:t>
             </a:r>
             <a:r>
-              <a:rPr sz="1800">
+              <a:rPr>
                 <a:latin typeface="Courier"/>
               </a:rPr>
               <a:t>tidyverse</a:t>
@@ -5449,26 +5534,26 @@
             </a:r>
           </a:p>
           <a:p>
-            <a:pPr lvl="0" marL="1270000" indent="0">
+            <a:pPr lvl="0" indent="0">
               <a:buNone/>
             </a:pPr>
             <a:r>
-              <a:rPr sz="1800" b="1">
+              <a:rPr>
                 <a:solidFill>
-                  <a:srgbClr val="007020"/>
+                  <a:srgbClr val="06287E"/>
                 </a:solidFill>
                 <a:latin typeface="Courier"/>
               </a:rPr>
               <a:t>install.packages</a:t>
             </a:r>
             <a:r>
-              <a:rPr sz="1800">
+              <a:rPr>
                 <a:latin typeface="Courier"/>
               </a:rPr>
               <a:t>(</a:t>
             </a:r>
             <a:r>
-              <a:rPr sz="1800">
+              <a:rPr>
                 <a:solidFill>
                   <a:srgbClr val="4070A0"/>
                 </a:solidFill>
@@ -5477,23 +5562,23 @@
               <a:t>"tidyverse"</a:t>
             </a:r>
             <a:r>
-              <a:rPr sz="1800">
+              <a:rPr>
                 <a:latin typeface="Courier"/>
               </a:rPr>
               <a:t>)</a:t>
             </a:r>
             <a:br/>
             <a:r>
-              <a:rPr sz="1800" b="1">
+              <a:rPr>
                 <a:solidFill>
-                  <a:srgbClr val="007020"/>
+                  <a:srgbClr val="06287E"/>
                 </a:solidFill>
                 <a:latin typeface="Courier"/>
               </a:rPr>
               <a:t>library</a:t>
             </a:r>
             <a:r>
-              <a:rPr sz="1800">
+              <a:rPr>
                 <a:latin typeface="Courier"/>
               </a:rPr>
               <a:t>(tidyverse)</a:t>
@@ -5598,11 +5683,11 @@
             </a:r>
           </a:p>
           <a:p>
-            <a:pPr lvl="0" marL="1270000" indent="0">
+            <a:pPr lvl="0" indent="0">
               <a:buNone/>
             </a:pPr>
             <a:r>
-              <a:rPr sz="1800" i="1">
+              <a:rPr i="1">
                 <a:solidFill>
                   <a:srgbClr val="60A0B0"/>
                 </a:solidFill>
@@ -5612,46 +5697,52 @@
             </a:r>
             <a:br/>
             <a:r>
-              <a:rPr sz="1800">
-                <a:latin typeface="Courier"/>
-              </a:rPr>
-              <a:t>cchic &lt;-</a:t>
-            </a:r>
-            <a:r>
-              <a:rPr sz="1800">
+              <a:rPr>
+                <a:latin typeface="Courier"/>
+              </a:rPr>
+              <a:t>cchic </a:t>
+            </a:r>
+            <a:r>
+              <a:rPr>
+                <a:solidFill>
+                  <a:srgbClr val="007020"/>
+                </a:solidFill>
+                <a:latin typeface="Courier"/>
+              </a:rPr>
+              <a:t>&lt;-</a:t>
+            </a:r>
+            <a:r>
+              <a:rPr>
+                <a:latin typeface="Courier"/>
+              </a:rPr>
+              <a:t> </a:t>
+            </a:r>
+            <a:r>
+              <a:rPr>
+                <a:solidFill>
+                  <a:srgbClr val="06287E"/>
+                </a:solidFill>
+                <a:latin typeface="Courier"/>
+              </a:rPr>
+              <a:t>read_csv</a:t>
+            </a:r>
+            <a:r>
+              <a:rPr>
+                <a:latin typeface="Courier"/>
+              </a:rPr>
+              <a:t>(</a:t>
+            </a:r>
+            <a:r>
+              <a:rPr>
                 <a:solidFill>
                   <a:srgbClr val="4070A0"/>
                 </a:solidFill>
                 <a:latin typeface="Courier"/>
               </a:rPr>
-              <a:t> </a:t>
-            </a:r>
-            <a:r>
-              <a:rPr sz="1800" b="1">
-                <a:solidFill>
-                  <a:srgbClr val="007020"/>
-                </a:solidFill>
-                <a:latin typeface="Courier"/>
-              </a:rPr>
-              <a:t>read_csv</a:t>
-            </a:r>
-            <a:r>
-              <a:rPr sz="1800">
-                <a:latin typeface="Courier"/>
-              </a:rPr>
-              <a:t>(</a:t>
-            </a:r>
-            <a:r>
-              <a:rPr sz="1800">
-                <a:solidFill>
-                  <a:srgbClr val="4070A0"/>
-                </a:solidFill>
-                <a:latin typeface="Courier"/>
-              </a:rPr>
               <a:t>"C:/Users/rhrey/OneDrive - University College London/ClinicianCoders_wd/ClinicianCoders/clean_CCHIC.csv"</a:t>
             </a:r>
             <a:r>
-              <a:rPr sz="1800">
+              <a:rPr>
                 <a:latin typeface="Courier"/>
               </a:rPr>
               <a:t>)</a:t>
@@ -5664,7 +5755,7 @@
               <a:t>Display the contents of the data frame </a:t>
             </a:r>
             <a:r>
-              <a:rPr sz="1800">
+              <a:rPr>
                 <a:latin typeface="Courier"/>
               </a:rPr>
               <a:t>cchic</a:t>
@@ -5675,11 +5766,11 @@
             </a:r>
           </a:p>
           <a:p>
-            <a:pPr lvl="0" marL="1270000" indent="0">
+            <a:pPr lvl="0" indent="0">
               <a:buNone/>
             </a:pPr>
             <a:r>
-              <a:rPr sz="1800">
+              <a:rPr>
                 <a:latin typeface="Courier"/>
               </a:rPr>
               <a:t>cchic</a:t>
@@ -5850,7 +5941,7 @@
               <a:t> </a:t>
             </a:r>
             <a:r>
-              <a:rPr sz="1800">
+              <a:rPr>
                 <a:latin typeface="Courier"/>
               </a:rPr>
               <a:t>tibble</a:t>
@@ -6024,7 +6115,7 @@
               <a:t> </a:t>
             </a:r>
             <a:r>
-              <a:rPr sz="1800">
+              <a:rPr>
                 <a:latin typeface="Courier"/>
               </a:rPr>
               <a:t>str()</a:t>
@@ -6228,20 +6319,20 @@
             </a:r>
           </a:p>
           <a:p>
-            <a:pPr lvl="0" marL="1270000" indent="0">
+            <a:pPr lvl="0" indent="0">
               <a:buNone/>
             </a:pPr>
             <a:r>
-              <a:rPr sz="1800" b="1">
+              <a:rPr>
                 <a:solidFill>
-                  <a:srgbClr val="007020"/>
+                  <a:srgbClr val="06287E"/>
                 </a:solidFill>
                 <a:latin typeface="Courier"/>
               </a:rPr>
               <a:t>View</a:t>
             </a:r>
             <a:r>
-              <a:rPr sz="1800">
+              <a:rPr>
                 <a:latin typeface="Courier"/>
               </a:rPr>
               <a:t>(cchic)</a:t>
@@ -6396,7 +6487,7 @@
               <a:t>Use double dot </a:t>
             </a:r>
             <a:r>
-              <a:rPr sz="1800">
+              <a:rPr>
                 <a:latin typeface="Courier"/>
               </a:rPr>
               <a:t>..</a:t>
@@ -6407,26 +6498,26 @@
             </a:r>
           </a:p>
           <a:p>
-            <a:pPr lvl="0" marL="1270000" indent="0">
+            <a:pPr lvl="0" indent="0">
               <a:buNone/>
             </a:pPr>
             <a:r>
-              <a:rPr sz="1800" b="1">
+              <a:rPr>
                 <a:solidFill>
-                  <a:srgbClr val="007020"/>
+                  <a:srgbClr val="06287E"/>
                 </a:solidFill>
                 <a:latin typeface="Courier"/>
               </a:rPr>
               <a:t>read_csv</a:t>
             </a:r>
             <a:r>
-              <a:rPr sz="1800">
+              <a:rPr>
                 <a:latin typeface="Courier"/>
               </a:rPr>
               <a:t>(</a:t>
             </a:r>
             <a:r>
-              <a:rPr sz="1800">
+              <a:rPr>
                 <a:solidFill>
                   <a:srgbClr val="4070A0"/>
                 </a:solidFill>
@@ -6435,7 +6526,7 @@
               <a:t>"../clean_CCHIC.csv"</a:t>
             </a:r>
             <a:r>
-              <a:rPr sz="1800">
+              <a:rPr>
                 <a:latin typeface="Courier"/>
               </a:rPr>
               <a:t>)</a:t>
@@ -6549,18 +6640,23 @@
           <a:bodyPr/>
           <a:lstStyle/>
           <a:p>
-            <a:pPr lvl="0" marL="0" indent="0">
-              <a:buNone/>
-            </a:pPr>
-            <a:r>
-              <a:rPr/>
-              <a:t>Spreadsheets in R are called data frames You can use these functions to investigate your data frame:</a:t>
-            </a:r>
-          </a:p>
-          <a:p>
             <a:pPr lvl="1"/>
             <a:r>
-              <a:rPr sz="1800">
+              <a:rPr/>
+              <a:t>Spreadsheets in R are called data frames</a:t>
+            </a:r>
+          </a:p>
+          <a:p>
+            <a:pPr lvl="1"/>
+            <a:r>
+              <a:rPr/>
+              <a:t>You can use these functions to investigate your data frame:</a:t>
+            </a:r>
+          </a:p>
+          <a:p>
+            <a:pPr lvl="2"/>
+            <a:r>
+              <a:rPr>
                 <a:latin typeface="Courier"/>
               </a:rPr>
               <a:t>head(cchic)</a:t>
@@ -6568,9 +6664,9 @@
             <a:br/>
           </a:p>
           <a:p>
-            <a:pPr lvl="1"/>
-            <a:r>
-              <a:rPr sz="1800">
+            <a:pPr lvl="2"/>
+            <a:r>
+              <a:rPr>
                 <a:latin typeface="Courier"/>
               </a:rPr>
               <a:t>tail(cchic)</a:t>
@@ -6578,9 +6674,9 @@
             <a:br/>
           </a:p>
           <a:p>
-            <a:pPr lvl="1"/>
-            <a:r>
-              <a:rPr sz="1800">
+            <a:pPr lvl="2"/>
+            <a:r>
+              <a:rPr>
                 <a:latin typeface="Courier"/>
               </a:rPr>
               <a:t>names(cchic)</a:t>
@@ -6588,18 +6684,19 @@
             <a:br/>
           </a:p>
           <a:p>
-            <a:pPr lvl="1"/>
-            <a:r>
-              <a:rPr sz="1800">
+            <a:pPr lvl="2"/>
+            <a:r>
+              <a:rPr>
                 <a:latin typeface="Courier"/>
               </a:rPr>
               <a:t>class(cchic)</a:t>
             </a:r>
-          </a:p>
-          <a:p>
-            <a:pPr lvl="1"/>
-            <a:r>
-              <a:rPr sz="1800">
+            <a:br/>
+          </a:p>
+          <a:p>
+            <a:pPr lvl="2"/>
+            <a:r>
+              <a:rPr>
                 <a:latin typeface="Courier"/>
               </a:rPr>
               <a:t>str(cchic)</a:t>
@@ -6681,29 +6778,27 @@
           <a:bodyPr/>
           <a:lstStyle/>
           <a:p>
-            <a:pPr lvl="0" marL="1270000" indent="0">
+            <a:pPr lvl="0" indent="0">
               <a:buNone/>
             </a:pPr>
             <a:r>
-              <a:rPr sz="1800" b="1">
+              <a:rPr>
                 <a:solidFill>
-                  <a:srgbClr val="007020"/>
+                  <a:srgbClr val="06287E"/>
                 </a:solidFill>
                 <a:latin typeface="Courier"/>
               </a:rPr>
               <a:t>head</a:t>
             </a:r>
             <a:r>
-              <a:rPr sz="1800">
+              <a:rPr>
                 <a:latin typeface="Courier"/>
               </a:rPr>
               <a:t>(cchic)</a:t>
             </a:r>
           </a:p>
           <a:p>
-            <a:pPr lvl="0" marL="0" indent="0">
-              <a:buNone/>
-            </a:pPr>
+            <a:pPr lvl="1"/>
             <a:r>
               <a:rPr/>
               <a:t>Prints the first 6 rows of the data frame.</a:t>
@@ -6785,29 +6880,27 @@
           <a:bodyPr/>
           <a:lstStyle/>
           <a:p>
-            <a:pPr lvl="0" marL="1270000" indent="0">
+            <a:pPr lvl="0" indent="0">
               <a:buNone/>
             </a:pPr>
             <a:r>
-              <a:rPr sz="1800" b="1">
+              <a:rPr>
                 <a:solidFill>
-                  <a:srgbClr val="007020"/>
+                  <a:srgbClr val="06287E"/>
                 </a:solidFill>
                 <a:latin typeface="Courier"/>
               </a:rPr>
               <a:t>tail</a:t>
             </a:r>
             <a:r>
-              <a:rPr sz="1800">
+              <a:rPr>
                 <a:latin typeface="Courier"/>
               </a:rPr>
               <a:t>(cchic)</a:t>
             </a:r>
           </a:p>
           <a:p>
-            <a:pPr lvl="0" marL="0" indent="0">
-              <a:buNone/>
-            </a:pPr>
+            <a:pPr lvl="1"/>
             <a:r>
               <a:rPr/>
               <a:t>Prints the last 6 rows of the data frame.</a:t>
@@ -6889,29 +6982,27 @@
           <a:bodyPr/>
           <a:lstStyle/>
           <a:p>
-            <a:pPr lvl="0" marL="1270000" indent="0">
+            <a:pPr lvl="0" indent="0">
               <a:buNone/>
             </a:pPr>
             <a:r>
-              <a:rPr sz="1800" b="1">
+              <a:rPr>
                 <a:solidFill>
-                  <a:srgbClr val="007020"/>
+                  <a:srgbClr val="06287E"/>
                 </a:solidFill>
                 <a:latin typeface="Courier"/>
               </a:rPr>
               <a:t>names</a:t>
             </a:r>
             <a:r>
-              <a:rPr sz="1800">
+              <a:rPr>
                 <a:latin typeface="Courier"/>
               </a:rPr>
               <a:t>(cchic)</a:t>
             </a:r>
           </a:p>
           <a:p>
-            <a:pPr lvl="0" marL="0" indent="0">
-              <a:buNone/>
-            </a:pPr>
+            <a:pPr lvl="1"/>
             <a:r>
               <a:rPr/>
               <a:t>Prints the names of the variables.</a:t>
@@ -6993,35 +7084,33 @@
           <a:bodyPr/>
           <a:lstStyle/>
           <a:p>
-            <a:pPr lvl="0" marL="1270000" indent="0">
+            <a:pPr lvl="0" indent="0">
               <a:buNone/>
             </a:pPr>
             <a:r>
-              <a:rPr sz="1800" b="1">
+              <a:rPr>
                 <a:solidFill>
-                  <a:srgbClr val="007020"/>
+                  <a:srgbClr val="06287E"/>
                 </a:solidFill>
                 <a:latin typeface="Courier"/>
               </a:rPr>
               <a:t>class</a:t>
             </a:r>
             <a:r>
-              <a:rPr sz="1800">
+              <a:rPr>
                 <a:latin typeface="Courier"/>
               </a:rPr>
               <a:t>(cchic)</a:t>
             </a:r>
           </a:p>
           <a:p>
-            <a:pPr lvl="0" marL="0" indent="0">
-              <a:buNone/>
-            </a:pPr>
+            <a:pPr lvl="1"/>
             <a:r>
               <a:rPr/>
               <a:t>Prints the class of the object </a:t>
             </a:r>
             <a:r>
-              <a:rPr sz="1800">
+              <a:rPr>
                 <a:latin typeface="Courier"/>
               </a:rPr>
               <a:t>cchic</a:t>
@@ -7107,35 +7196,33 @@
           <a:bodyPr/>
           <a:lstStyle/>
           <a:p>
-            <a:pPr lvl="0" marL="1270000" indent="0">
+            <a:pPr lvl="0" indent="0">
               <a:buNone/>
             </a:pPr>
             <a:r>
-              <a:rPr sz="1800" b="1">
+              <a:rPr>
                 <a:solidFill>
-                  <a:srgbClr val="007020"/>
+                  <a:srgbClr val="06287E"/>
                 </a:solidFill>
                 <a:latin typeface="Courier"/>
               </a:rPr>
               <a:t>str</a:t>
             </a:r>
             <a:r>
-              <a:rPr sz="1800">
+              <a:rPr>
                 <a:latin typeface="Courier"/>
               </a:rPr>
               <a:t>(cchic)</a:t>
             </a:r>
           </a:p>
           <a:p>
-            <a:pPr lvl="0" marL="0" indent="0">
-              <a:buNone/>
-            </a:pPr>
+            <a:pPr lvl="1"/>
             <a:r>
               <a:rPr/>
               <a:t>Prints the data type of each variable in </a:t>
             </a:r>
             <a:r>
-              <a:rPr sz="1800">
+              <a:rPr>
                 <a:latin typeface="Courier"/>
               </a:rPr>
               <a:t>cchic</a:t>
@@ -7245,26 +7332,24 @@
           <a:bodyPr/>
           <a:lstStyle/>
           <a:p>
-            <a:pPr lvl="0" marL="0" indent="0">
+            <a:pPr lvl="1"/>
+            <a:r>
+              <a:rPr/>
+              <a:t>You can look at specific data points.</a:t>
+            </a:r>
+          </a:p>
+          <a:p>
+            <a:pPr lvl="0" indent="0">
               <a:buNone/>
             </a:pPr>
             <a:r>
-              <a:rPr/>
-              <a:t>You can look at specific data points.</a:t>
-            </a:r>
-          </a:p>
-          <a:p>
-            <a:pPr lvl="0" marL="1270000" indent="0">
-              <a:buNone/>
-            </a:pPr>
-            <a:r>
-              <a:rPr sz="1800">
+              <a:rPr>
                 <a:latin typeface="Courier"/>
               </a:rPr>
               <a:t>cchic[</a:t>
             </a:r>
             <a:r>
-              <a:rPr sz="1800">
+              <a:rPr>
                 <a:solidFill>
                   <a:srgbClr val="40A070"/>
                 </a:solidFill>
@@ -7273,13 +7358,13 @@
               <a:t>21</a:t>
             </a:r>
             <a:r>
-              <a:rPr sz="1800">
+              <a:rPr>
                 <a:latin typeface="Courier"/>
               </a:rPr>
               <a:t>, </a:t>
             </a:r>
             <a:r>
-              <a:rPr sz="1800">
+              <a:rPr>
                 <a:solidFill>
                   <a:srgbClr val="40A070"/>
                 </a:solidFill>
@@ -7288,30 +7373,28 @@
               <a:t>5</a:t>
             </a:r>
             <a:r>
-              <a:rPr sz="1800">
+              <a:rPr>
                 <a:latin typeface="Courier"/>
               </a:rPr>
               <a:t>]</a:t>
             </a:r>
           </a:p>
           <a:p>
-            <a:pPr lvl="0" marL="1270000" indent="0">
+            <a:pPr lvl="0" indent="0">
               <a:buNone/>
             </a:pPr>
             <a:r>
-              <a:rPr sz="1800">
-                <a:latin typeface="Courier"/>
-              </a:rPr>
-              <a:t>## # A tibble: 1 x 1
+              <a:rPr>
+                <a:latin typeface="Courier"/>
+              </a:rPr>
+              <a:t>## # A tibble: 1 × 1
 ##   temp_nc
 ##     &lt;dbl&gt;
 ## 1    36.1</a:t>
             </a:r>
           </a:p>
           <a:p>
-            <a:pPr lvl="0" marL="0" indent="0">
-              <a:buNone/>
-            </a:pPr>
+            <a:pPr lvl="1"/>
             <a:r>
               <a:rPr/>
               <a:t>This displays the the piece of data in the 21st row and 5th column.</a:t>
@@ -7431,7 +7514,7 @@
               <a:t>You can also use the </a:t>
             </a:r>
             <a:r>
-              <a:rPr sz="1800">
+              <a:rPr>
                 <a:latin typeface="Courier"/>
               </a:rPr>
               <a:t>$</a:t>
@@ -7448,33 +7531,33 @@
               <a:t>Enter </a:t>
             </a:r>
             <a:r>
-              <a:rPr sz="1800">
+              <a:rPr>
                 <a:latin typeface="Courier"/>
               </a:rPr>
               <a:t>data_frame_name$variable_name</a:t>
             </a:r>
           </a:p>
           <a:p>
-            <a:pPr lvl="0" marL="1270000" indent="0">
+            <a:pPr lvl="0" indent="0">
               <a:buNone/>
             </a:pPr>
             <a:r>
-              <a:rPr sz="1800">
+              <a:rPr>
                 <a:latin typeface="Courier"/>
               </a:rPr>
               <a:t>cchic</a:t>
             </a:r>
             <a:r>
-              <a:rPr sz="1800">
+              <a:rPr>
                 <a:solidFill>
-                  <a:srgbClr val="666666"/>
+                  <a:srgbClr val="4070A0"/>
                 </a:solidFill>
                 <a:latin typeface="Courier"/>
               </a:rPr>
               <a:t>$</a:t>
             </a:r>
             <a:r>
-              <a:rPr sz="1800">
+              <a:rPr>
                 <a:latin typeface="Courier"/>
               </a:rPr>
               <a:t>weight</a:t>
@@ -7611,7 +7694,7 @@
               <a:t>Getting </a:t>
             </a:r>
             <a:r>
-              <a:rPr sz="1800">
+              <a:rPr>
                 <a:latin typeface="Courier"/>
               </a:rPr>
               <a:t>.csv</a:t>
@@ -7633,9 +7716,7 @@
             <a:br/>
           </a:p>
           <a:p>
-            <a:pPr lvl="0" marL="0" indent="0">
-              <a:buNone/>
-            </a:pPr>
+            <a:pPr lvl="1"/>
             <a:r>
               <a:rPr/>
               <a:t>The handout also includes some tips on importing data from Google Sheets.</a:t>
@@ -7772,7 +7853,7 @@
           <a:p>
             <a:pPr lvl="2"/>
             <a:r>
-              <a:rPr sz="1800">
+              <a:rPr>
                 <a:latin typeface="Courier"/>
               </a:rPr>
               <a:t>Desc()</a:t>
@@ -7782,7 +7863,7 @@
               <a:t> from </a:t>
             </a:r>
             <a:r>
-              <a:rPr sz="1800">
+              <a:rPr>
                 <a:latin typeface="Courier"/>
               </a:rPr>
               <a:t>DescTools</a:t>
@@ -7795,7 +7876,7 @@
           <a:p>
             <a:pPr lvl="2"/>
             <a:r>
-              <a:rPr sz="1800">
+              <a:rPr>
                 <a:latin typeface="Courier"/>
               </a:rPr>
               <a:t>describe()</a:t>
@@ -7805,7 +7886,7 @@
               <a:t> from </a:t>
             </a:r>
             <a:r>
-              <a:rPr sz="1800">
+              <a:rPr>
                 <a:latin typeface="Courier"/>
               </a:rPr>
               <a:t>Hmisc</a:t>
@@ -7907,7 +7988,7 @@
               <a:t>What types of variables do you have in </a:t>
             </a:r>
             <a:r>
-              <a:rPr sz="1800">
+              <a:rPr>
                 <a:latin typeface="Courier"/>
               </a:rPr>
               <a:t>cchic</a:t>
@@ -7926,7 +8007,7 @@
               <a:t>Display the </a:t>
             </a:r>
             <a:r>
-              <a:rPr sz="1800">
+              <a:rPr>
                 <a:latin typeface="Courier"/>
               </a:rPr>
               <a:t>discharge_dttm</a:t>
@@ -7936,7 +8017,7 @@
               <a:t> vector from in </a:t>
             </a:r>
             <a:r>
-              <a:rPr sz="1800">
+              <a:rPr>
                 <a:latin typeface="Courier"/>
               </a:rPr>
               <a:t>cchic</a:t>
@@ -7973,7 +8054,7 @@
               <a:t>What does the function </a:t>
             </a:r>
             <a:r>
-              <a:rPr sz="1800">
+              <a:rPr>
                 <a:latin typeface="Courier"/>
               </a:rPr>
               <a:t>ls()</a:t>
@@ -8076,39 +8157,37 @@
           <a:bodyPr/>
           <a:lstStyle/>
           <a:p>
-            <a:pPr lvl="0" marL="0" indent="0">
+            <a:pPr lvl="1"/>
+            <a:r>
+              <a:rPr/>
+              <a:t>What types of variables do you have in </a:t>
+            </a:r>
+            <a:r>
+              <a:rPr>
+                <a:latin typeface="Courier"/>
+              </a:rPr>
+              <a:t>cchic</a:t>
+            </a:r>
+            <a:r>
+              <a:rPr/>
+              <a:t>?</a:t>
+            </a:r>
+          </a:p>
+          <a:p>
+            <a:pPr lvl="0" indent="0">
               <a:buNone/>
             </a:pPr>
             <a:r>
-              <a:rPr/>
-              <a:t>What types of variables do you have in </a:t>
-            </a:r>
-            <a:r>
-              <a:rPr sz="1800">
-                <a:latin typeface="Courier"/>
-              </a:rPr>
-              <a:t>cchic</a:t>
-            </a:r>
-            <a:r>
-              <a:rPr/>
-              <a:t>?</a:t>
-            </a:r>
-          </a:p>
-          <a:p>
-            <a:pPr lvl="0" marL="1270000" indent="0">
-              <a:buNone/>
-            </a:pPr>
-            <a:r>
-              <a:rPr sz="1800" b="1">
+              <a:rPr>
                 <a:solidFill>
-                  <a:srgbClr val="007020"/>
+                  <a:srgbClr val="06287E"/>
                 </a:solidFill>
                 <a:latin typeface="Courier"/>
               </a:rPr>
               <a:t>str</a:t>
             </a:r>
             <a:r>
-              <a:rPr sz="1800">
+              <a:rPr>
                 <a:latin typeface="Courier"/>
               </a:rPr>
               <a:t>(cchic)</a:t>
@@ -8198,55 +8277,53 @@
           <a:bodyPr/>
           <a:lstStyle/>
           <a:p>
-            <a:pPr lvl="0" marL="0" indent="0">
+            <a:pPr lvl="1"/>
+            <a:r>
+              <a:rPr/>
+              <a:t>Display the </a:t>
+            </a:r>
+            <a:r>
+              <a:rPr>
+                <a:latin typeface="Courier"/>
+              </a:rPr>
+              <a:t>discharge_dttm</a:t>
+            </a:r>
+            <a:r>
+              <a:rPr/>
+              <a:t> vector in </a:t>
+            </a:r>
+            <a:r>
+              <a:rPr>
+                <a:latin typeface="Courier"/>
+              </a:rPr>
+              <a:t>cchic</a:t>
+            </a:r>
+            <a:r>
+              <a:rPr/>
+              <a:t>.</a:t>
+            </a:r>
+          </a:p>
+          <a:p>
+            <a:pPr lvl="0" indent="0">
               <a:buNone/>
             </a:pPr>
             <a:r>
-              <a:rPr/>
-              <a:t>Display the </a:t>
-            </a:r>
-            <a:r>
-              <a:rPr sz="1800">
-                <a:latin typeface="Courier"/>
-              </a:rPr>
-              <a:t>discharge_dttm</a:t>
-            </a:r>
-            <a:r>
-              <a:rPr/>
-              <a:t> vector in </a:t>
-            </a:r>
-            <a:r>
-              <a:rPr sz="1800">
+              <a:rPr>
                 <a:latin typeface="Courier"/>
               </a:rPr>
               <a:t>cchic</a:t>
             </a:r>
             <a:r>
-              <a:rPr/>
-              <a:t>.</a:t>
-            </a:r>
-          </a:p>
-          <a:p>
-            <a:pPr lvl="0" marL="1270000" indent="0">
-              <a:buNone/>
-            </a:pPr>
-            <a:r>
-              <a:rPr sz="1800">
-                <a:latin typeface="Courier"/>
-              </a:rPr>
-              <a:t>cchic</a:t>
-            </a:r>
-            <a:r>
-              <a:rPr sz="1800">
+              <a:rPr>
                 <a:solidFill>
-                  <a:srgbClr val="666666"/>
+                  <a:srgbClr val="4070A0"/>
                 </a:solidFill>
                 <a:latin typeface="Courier"/>
               </a:rPr>
               <a:t>$</a:t>
             </a:r>
             <a:r>
-              <a:rPr sz="1800">
+              <a:rPr>
                 <a:latin typeface="Courier"/>
               </a:rPr>
               <a:t>discharge_dttm</a:t>
@@ -8336,55 +8413,53 @@
           <a:bodyPr/>
           <a:lstStyle/>
           <a:p>
-            <a:pPr lvl="0" marL="0" indent="0">
+            <a:pPr lvl="1"/>
+            <a:r>
+              <a:rPr/>
+              <a:t>How many men and women are in the database?</a:t>
+            </a:r>
+          </a:p>
+          <a:p>
+            <a:pPr lvl="0" indent="0">
               <a:buNone/>
             </a:pPr>
             <a:r>
-              <a:rPr/>
-              <a:t>How many men and women are in the database?</a:t>
-            </a:r>
-          </a:p>
-          <a:p>
-            <a:pPr lvl="0" marL="1270000" indent="0">
+              <a:rPr>
+                <a:solidFill>
+                  <a:srgbClr val="06287E"/>
+                </a:solidFill>
+                <a:latin typeface="Courier"/>
+              </a:rPr>
+              <a:t>table</a:t>
+            </a:r>
+            <a:r>
+              <a:rPr>
+                <a:latin typeface="Courier"/>
+              </a:rPr>
+              <a:t>(cchic</a:t>
+            </a:r>
+            <a:r>
+              <a:rPr>
+                <a:solidFill>
+                  <a:srgbClr val="4070A0"/>
+                </a:solidFill>
+                <a:latin typeface="Courier"/>
+              </a:rPr>
+              <a:t>$</a:t>
+            </a:r>
+            <a:r>
+              <a:rPr>
+                <a:latin typeface="Courier"/>
+              </a:rPr>
+              <a:t>sex)</a:t>
+            </a:r>
+          </a:p>
+          <a:p>
+            <a:pPr lvl="0" indent="0">
               <a:buNone/>
             </a:pPr>
             <a:r>
-              <a:rPr sz="1800" b="1">
-                <a:solidFill>
-                  <a:srgbClr val="007020"/>
-                </a:solidFill>
-                <a:latin typeface="Courier"/>
-              </a:rPr>
-              <a:t>table</a:t>
-            </a:r>
-            <a:r>
-              <a:rPr sz="1800">
-                <a:latin typeface="Courier"/>
-              </a:rPr>
-              <a:t>(cchic</a:t>
-            </a:r>
-            <a:r>
-              <a:rPr sz="1800">
-                <a:solidFill>
-                  <a:srgbClr val="666666"/>
-                </a:solidFill>
-                <a:latin typeface="Courier"/>
-              </a:rPr>
-              <a:t>$</a:t>
-            </a:r>
-            <a:r>
-              <a:rPr sz="1800">
-                <a:latin typeface="Courier"/>
-              </a:rPr>
-              <a:t>sex)</a:t>
-            </a:r>
-          </a:p>
-          <a:p>
-            <a:pPr lvl="0" marL="1270000" indent="0">
-              <a:buNone/>
-            </a:pPr>
-            <a:r>
-              <a:rPr sz="1800">
+              <a:rPr>
                 <a:latin typeface="Courier"/>
               </a:rPr>
               <a:t>## 
@@ -8476,55 +8551,53 @@
           <a:bodyPr/>
           <a:lstStyle/>
           <a:p>
-            <a:pPr lvl="0" marL="0" indent="0">
+            <a:pPr lvl="1"/>
+            <a:r>
+              <a:rPr/>
+              <a:t>How many survived and how many died?</a:t>
+            </a:r>
+          </a:p>
+          <a:p>
+            <a:pPr lvl="0" indent="0">
               <a:buNone/>
             </a:pPr>
             <a:r>
-              <a:rPr/>
-              <a:t>How many survived and how many died?</a:t>
-            </a:r>
-          </a:p>
-          <a:p>
-            <a:pPr lvl="0" marL="1270000" indent="0">
+              <a:rPr>
+                <a:solidFill>
+                  <a:srgbClr val="06287E"/>
+                </a:solidFill>
+                <a:latin typeface="Courier"/>
+              </a:rPr>
+              <a:t>table</a:t>
+            </a:r>
+            <a:r>
+              <a:rPr>
+                <a:latin typeface="Courier"/>
+              </a:rPr>
+              <a:t>(cchic</a:t>
+            </a:r>
+            <a:r>
+              <a:rPr>
+                <a:solidFill>
+                  <a:srgbClr val="4070A0"/>
+                </a:solidFill>
+                <a:latin typeface="Courier"/>
+              </a:rPr>
+              <a:t>$</a:t>
+            </a:r>
+            <a:r>
+              <a:rPr>
+                <a:latin typeface="Courier"/>
+              </a:rPr>
+              <a:t>vital_status)</a:t>
+            </a:r>
+          </a:p>
+          <a:p>
+            <a:pPr lvl="0" indent="0">
               <a:buNone/>
             </a:pPr>
             <a:r>
-              <a:rPr sz="1800" b="1">
-                <a:solidFill>
-                  <a:srgbClr val="007020"/>
-                </a:solidFill>
-                <a:latin typeface="Courier"/>
-              </a:rPr>
-              <a:t>table</a:t>
-            </a:r>
-            <a:r>
-              <a:rPr sz="1800">
-                <a:latin typeface="Courier"/>
-              </a:rPr>
-              <a:t>(cchic</a:t>
-            </a:r>
-            <a:r>
-              <a:rPr sz="1800">
-                <a:solidFill>
-                  <a:srgbClr val="666666"/>
-                </a:solidFill>
-                <a:latin typeface="Courier"/>
-              </a:rPr>
-              <a:t>$</a:t>
-            </a:r>
-            <a:r>
-              <a:rPr sz="1800">
-                <a:latin typeface="Courier"/>
-              </a:rPr>
-              <a:t>vital_status)</a:t>
-            </a:r>
-          </a:p>
-          <a:p>
-            <a:pPr lvl="0" marL="1270000" indent="0">
-              <a:buNone/>
-            </a:pPr>
-            <a:r>
-              <a:rPr sz="1800">
+              <a:rPr>
                 <a:latin typeface="Courier"/>
               </a:rPr>
               <a:t>## 
@@ -8616,60 +8689,58 @@
           <a:bodyPr/>
           <a:lstStyle/>
           <a:p>
-            <a:pPr lvl="0" marL="0" indent="0">
+            <a:pPr lvl="1"/>
+            <a:r>
+              <a:rPr/>
+              <a:t>What does the function </a:t>
+            </a:r>
+            <a:r>
+              <a:rPr>
+                <a:latin typeface="Courier"/>
+              </a:rPr>
+              <a:t>ls()</a:t>
+            </a:r>
+            <a:r>
+              <a:rPr/>
+              <a:t> do?</a:t>
+            </a:r>
+          </a:p>
+          <a:p>
+            <a:pPr lvl="0" indent="0">
               <a:buNone/>
             </a:pPr>
             <a:r>
-              <a:rPr/>
-              <a:t>What does the function </a:t>
-            </a:r>
-            <a:r>
-              <a:rPr sz="1800">
-                <a:latin typeface="Courier"/>
-              </a:rPr>
-              <a:t>ls()</a:t>
-            </a:r>
-            <a:r>
-              <a:rPr/>
-              <a:t> do?</a:t>
-            </a:r>
-          </a:p>
-          <a:p>
-            <a:pPr lvl="0" marL="1270000" indent="0">
-              <a:buNone/>
-            </a:pPr>
-            <a:r>
-              <a:rPr sz="1800" b="1">
+              <a:rPr>
                 <a:solidFill>
-                  <a:srgbClr val="007020"/>
+                  <a:srgbClr val="06287E"/>
                 </a:solidFill>
                 <a:latin typeface="Courier"/>
               </a:rPr>
               <a:t>ls</a:t>
             </a:r>
             <a:r>
-              <a:rPr sz="1800">
+              <a:rPr>
                 <a:latin typeface="Courier"/>
               </a:rPr>
               <a:t>(cchic, </a:t>
             </a:r>
             <a:r>
-              <a:rPr sz="1800">
+              <a:rPr>
                 <a:solidFill>
-                  <a:srgbClr val="902000"/>
+                  <a:srgbClr val="7D9029"/>
                 </a:solidFill>
                 <a:latin typeface="Courier"/>
               </a:rPr>
               <a:t>pattern =</a:t>
             </a:r>
             <a:r>
-              <a:rPr sz="1800">
-                <a:latin typeface="Courier"/>
-              </a:rPr>
-              <a:t> </a:t>
-            </a:r>
-            <a:r>
-              <a:rPr sz="1800">
+              <a:rPr>
+                <a:latin typeface="Courier"/>
+              </a:rPr>
+              <a:t> </a:t>
+            </a:r>
+            <a:r>
+              <a:rPr>
                 <a:solidFill>
                   <a:srgbClr val="4070A0"/>
                 </a:solidFill>
@@ -8678,33 +8749,31 @@
               <a:t>"temp"</a:t>
             </a:r>
             <a:r>
-              <a:rPr sz="1800">
+              <a:rPr>
                 <a:latin typeface="Courier"/>
               </a:rPr>
               <a:t>)</a:t>
             </a:r>
           </a:p>
           <a:p>
-            <a:pPr lvl="0" marL="1270000" indent="0">
+            <a:pPr lvl="0" indent="0">
               <a:buNone/>
             </a:pPr>
             <a:r>
-              <a:rPr sz="1800">
+              <a:rPr>
                 <a:latin typeface="Courier"/>
               </a:rPr>
               <a:t>## [1] "temp_c"  "temp_nc"</a:t>
             </a:r>
           </a:p>
           <a:p>
-            <a:pPr lvl="0" marL="0" indent="0">
-              <a:buNone/>
-            </a:pPr>
+            <a:pPr lvl="1"/>
             <a:r>
               <a:rPr/>
               <a:t>This lists all of the variables in </a:t>
             </a:r>
             <a:r>
-              <a:rPr sz="1800">
+              <a:rPr>
                 <a:latin typeface="Courier"/>
               </a:rPr>
               <a:t>cchic</a:t>
@@ -9079,7 +9148,7 @@
               <a:t>Available in </a:t>
             </a:r>
             <a:r>
-              <a:rPr sz="1800">
+              <a:rPr>
                 <a:latin typeface="Courier"/>
               </a:rPr>
               <a:t>.csv</a:t>
@@ -9092,7 +9161,7 @@
           <a:p>
             <a:pPr lvl="2"/>
             <a:r>
-              <a:rPr sz="1800">
+              <a:rPr>
                 <a:latin typeface="Courier"/>
               </a:rPr>
               <a:t>clean_CCHIC</a:t>
@@ -9105,7 +9174,7 @@
               <a:t>Open and </a:t>
             </a:r>
             <a:r>
-              <a:rPr sz="1800">
+              <a:rPr>
                 <a:latin typeface="Courier"/>
               </a:rPr>
               <a:t>Save As</a:t>
@@ -9115,7 +9184,7 @@
               <a:t> a </a:t>
             </a:r>
             <a:r>
-              <a:rPr sz="1800">
+              <a:rPr>
                 <a:latin typeface="Courier"/>
               </a:rPr>
               <a:t>.csv</a:t>
@@ -9290,7 +9359,7 @@
               <a:t>The language used to instruct on the location of the file in known as the </a:t>
             </a:r>
             <a:r>
-              <a:rPr sz="1800">
+              <a:rPr>
                 <a:latin typeface="Courier"/>
               </a:rPr>
               <a:t>file path</a:t>
@@ -9390,7 +9459,7 @@
               <a:t>Starts with a </a:t>
             </a:r>
             <a:r>
-              <a:rPr sz="1800">
+              <a:rPr>
                 <a:latin typeface="Courier"/>
               </a:rPr>
               <a:t>Root directory</a:t>
@@ -9400,7 +9469,7 @@
               <a:t> and then </a:t>
             </a:r>
             <a:r>
-              <a:rPr sz="1800">
+              <a:rPr>
                 <a:latin typeface="Courier"/>
               </a:rPr>
               <a:t>Branches</a:t>
@@ -9420,7 +9489,7 @@
           <a:p>
             <a:pPr lvl="2"/>
             <a:r>
-              <a:rPr sz="1800">
+              <a:rPr>
                 <a:latin typeface="Courier"/>
               </a:rPr>
               <a:t>Properties</a:t>
@@ -9433,7 +9502,7 @@
           <a:p>
             <a:pPr lvl="2"/>
             <a:r>
-              <a:rPr sz="1800">
+              <a:rPr>
                 <a:latin typeface="Courier"/>
               </a:rPr>
               <a:t>Get Info</a:t>
@@ -9454,7 +9523,7 @@
           <a:p>
             <a:pPr lvl="2"/>
             <a:r>
-              <a:rPr sz="1800">
+              <a:rPr>
                 <a:latin typeface="Courier"/>
               </a:rPr>
               <a:t>/</a:t>
@@ -9468,7 +9537,7 @@
           <a:p>
             <a:pPr lvl="2"/>
             <a:r>
-              <a:rPr sz="1800">
+              <a:rPr>
                 <a:latin typeface="Courier"/>
               </a:rPr>
               <a:t>\\</a:t>
@@ -9485,7 +9554,7 @@
               <a:t>However, the correct notation in R for both is </a:t>
             </a:r>
             <a:r>
-              <a:rPr sz="1800">
+              <a:rPr>
                 <a:latin typeface="Courier"/>
               </a:rPr>
               <a:t>/</a:t>
@@ -9644,20 +9713,20 @@
             </a:r>
           </a:p>
           <a:p>
-            <a:pPr lvl="0" marL="1270000" indent="0">
+            <a:pPr lvl="0" indent="0">
               <a:buNone/>
             </a:pPr>
             <a:r>
-              <a:rPr sz="1800" b="1">
+              <a:rPr>
                 <a:solidFill>
-                  <a:srgbClr val="007020"/>
+                  <a:srgbClr val="06287E"/>
                 </a:solidFill>
                 <a:latin typeface="Courier"/>
               </a:rPr>
               <a:t>getwd</a:t>
             </a:r>
             <a:r>
-              <a:rPr sz="1800">
+              <a:rPr>
                 <a:latin typeface="Courier"/>
               </a:rPr>
               <a:t>()</a:t>
@@ -9679,20 +9748,20 @@
             </a:r>
           </a:p>
           <a:p>
-            <a:pPr lvl="0" marL="1270000" indent="0">
+            <a:pPr lvl="0" indent="0">
               <a:buNone/>
             </a:pPr>
             <a:r>
-              <a:rPr sz="1800" b="1">
+              <a:rPr>
                 <a:solidFill>
-                  <a:srgbClr val="007020"/>
+                  <a:srgbClr val="06287E"/>
                 </a:solidFill>
                 <a:latin typeface="Courier"/>
               </a:rPr>
               <a:t>setwd</a:t>
             </a:r>
             <a:r>
-              <a:rPr sz="1800">
+              <a:rPr>
                 <a:latin typeface="Courier"/>
               </a:rPr>
               <a:t>()</a:t>
@@ -9798,7 +9867,7 @@
               <a:t>(</a:t>
             </a:r>
             <a:r>
-              <a:rPr sz="1800">
+              <a:rPr>
                 <a:latin typeface="Courier"/>
               </a:rPr>
               <a:t>""</a:t>
